--- a/project_proposal.pptx
+++ b/project_proposal.pptx
@@ -5,47 +5,29 @@
     <p:sldMasterId id="2147483695" r:id="rId1"/>
   </p:sldMasterIdLst>
   <p:notesMasterIdLst>
-    <p:notesMasterId r:id="rId18"/>
+    <p:notesMasterId r:id="rId7"/>
   </p:notesMasterIdLst>
   <p:sldIdLst>
     <p:sldId id="256" r:id="rId2"/>
     <p:sldId id="259" r:id="rId3"/>
     <p:sldId id="283" r:id="rId4"/>
-    <p:sldId id="268" r:id="rId5"/>
-    <p:sldId id="261" r:id="rId6"/>
-    <p:sldId id="264" r:id="rId7"/>
-    <p:sldId id="274" r:id="rId8"/>
-    <p:sldId id="273" r:id="rId9"/>
-    <p:sldId id="275" r:id="rId10"/>
-    <p:sldId id="276" r:id="rId11"/>
-    <p:sldId id="277" r:id="rId12"/>
-    <p:sldId id="278" r:id="rId13"/>
-    <p:sldId id="279" r:id="rId14"/>
-    <p:sldId id="280" r:id="rId15"/>
-    <p:sldId id="281" r:id="rId16"/>
-    <p:sldId id="282" r:id="rId17"/>
+    <p:sldId id="284" r:id="rId5"/>
+    <p:sldId id="285" r:id="rId6"/>
   </p:sldIdLst>
   <p:sldSz cx="9144000" cy="5143500" type="screen16x9"/>
   <p:notesSz cx="6858000" cy="9144000"/>
   <p:embeddedFontLst>
     <p:embeddedFont>
       <p:font typeface="Montserrat" panose="00000500000000000000" pitchFamily="2" charset="0"/>
-      <p:regular r:id="rId19"/>
-      <p:bold r:id="rId20"/>
-      <p:italic r:id="rId21"/>
-      <p:boldItalic r:id="rId22"/>
+      <p:regular r:id="rId8"/>
+      <p:bold r:id="rId9"/>
+      <p:italic r:id="rId10"/>
+      <p:boldItalic r:id="rId11"/>
     </p:embeddedFont>
     <p:embeddedFont>
       <p:font typeface="Montserrat ExtraBold" panose="00000900000000000000" pitchFamily="2" charset="0"/>
-      <p:bold r:id="rId23"/>
-      <p:boldItalic r:id="rId24"/>
-    </p:embeddedFont>
-    <p:embeddedFont>
-      <p:font typeface="Montserrat SemiBold" panose="00000700000000000000" pitchFamily="2" charset="0"/>
-      <p:regular r:id="rId25"/>
-      <p:bold r:id="rId26"/>
-      <p:italic r:id="rId27"/>
-      <p:boldItalic r:id="rId28"/>
+      <p:bold r:id="rId12"/>
+      <p:boldItalic r:id="rId13"/>
     </p:embeddedFont>
   </p:embeddedFontLst>
   <p:defaultTextStyle>
@@ -295,276 +277,6 @@
 
 <file path=ppt/changesInfos/changesInfo1.xml><?xml version="1.0" encoding="utf-8"?>
 <pc:chgInfo xmlns:a="http://schemas.openxmlformats.org/drawingml/2006/main" xmlns:r="http://schemas.openxmlformats.org/officeDocument/2006/relationships" xmlns:ac="http://schemas.microsoft.com/office/drawing/2013/main/command" xmlns:pc="http://schemas.microsoft.com/office/powerpoint/2013/main/command">
-  <pc:docChgLst>
-    <pc:chgData name="showrab habib" userId="6ed0f00245df941c" providerId="LiveId" clId="{65F663E2-7486-443B-8E0A-1984978C7A27}"/>
-    <pc:docChg chg="undo custSel addSld modSld">
-      <pc:chgData name="showrab habib" userId="6ed0f00245df941c" providerId="LiveId" clId="{65F663E2-7486-443B-8E0A-1984978C7A27}" dt="2025-09-01T04:00:45.573" v="188" actId="313"/>
-      <pc:docMkLst>
-        <pc:docMk/>
-      </pc:docMkLst>
-      <pc:sldChg chg="modSp mod">
-        <pc:chgData name="showrab habib" userId="6ed0f00245df941c" providerId="LiveId" clId="{65F663E2-7486-443B-8E0A-1984978C7A27}" dt="2025-09-01T03:50:20.215" v="48" actId="207"/>
-        <pc:sldMkLst>
-          <pc:docMk/>
-          <pc:sldMk cId="0" sldId="256"/>
-        </pc:sldMkLst>
-        <pc:spChg chg="mod">
-          <ac:chgData name="showrab habib" userId="6ed0f00245df941c" providerId="LiveId" clId="{65F663E2-7486-443B-8E0A-1984978C7A27}" dt="2025-09-01T03:50:12.792" v="47" actId="255"/>
-          <ac:spMkLst>
-            <pc:docMk/>
-            <pc:sldMk cId="0" sldId="256"/>
-            <ac:spMk id="290" creationId="{00000000-0000-0000-0000-000000000000}"/>
-          </ac:spMkLst>
-        </pc:spChg>
-        <pc:spChg chg="mod">
-          <ac:chgData name="showrab habib" userId="6ed0f00245df941c" providerId="LiveId" clId="{65F663E2-7486-443B-8E0A-1984978C7A27}" dt="2025-09-01T03:50:20.215" v="48" actId="207"/>
-          <ac:spMkLst>
-            <pc:docMk/>
-            <pc:sldMk cId="0" sldId="256"/>
-            <ac:spMk id="291" creationId="{00000000-0000-0000-0000-000000000000}"/>
-          </ac:spMkLst>
-        </pc:spChg>
-      </pc:sldChg>
-      <pc:sldChg chg="addSp delSp modSp mod delAnim">
-        <pc:chgData name="showrab habib" userId="6ed0f00245df941c" providerId="LiveId" clId="{65F663E2-7486-443B-8E0A-1984978C7A27}" dt="2025-09-01T04:00:45.573" v="188" actId="313"/>
-        <pc:sldMkLst>
-          <pc:docMk/>
-          <pc:sldMk cId="0" sldId="259"/>
-        </pc:sldMkLst>
-        <pc:spChg chg="add del mod">
-          <ac:chgData name="showrab habib" userId="6ed0f00245df941c" providerId="LiveId" clId="{65F663E2-7486-443B-8E0A-1984978C7A27}" dt="2025-09-01T03:50:38.913" v="51" actId="478"/>
-          <ac:spMkLst>
-            <pc:docMk/>
-            <pc:sldMk cId="0" sldId="259"/>
-            <ac:spMk id="3" creationId="{E6443199-66F8-FBCE-CE74-BCBA054A8B41}"/>
-          </ac:spMkLst>
-        </pc:spChg>
-        <pc:spChg chg="add del mod">
-          <ac:chgData name="showrab habib" userId="6ed0f00245df941c" providerId="LiveId" clId="{65F663E2-7486-443B-8E0A-1984978C7A27}" dt="2025-09-01T03:50:38.913" v="51" actId="478"/>
-          <ac:spMkLst>
-            <pc:docMk/>
-            <pc:sldMk cId="0" sldId="259"/>
-            <ac:spMk id="5" creationId="{166EBBD2-EFB2-2445-2BCD-5833255B7A21}"/>
-          </ac:spMkLst>
-        </pc:spChg>
-        <pc:spChg chg="add del mod">
-          <ac:chgData name="showrab habib" userId="6ed0f00245df941c" providerId="LiveId" clId="{65F663E2-7486-443B-8E0A-1984978C7A27}" dt="2025-09-01T03:50:41.644" v="52" actId="478"/>
-          <ac:spMkLst>
-            <pc:docMk/>
-            <pc:sldMk cId="0" sldId="259"/>
-            <ac:spMk id="7" creationId="{19C20BBC-2921-2E16-88DB-0C75E744FF75}"/>
-          </ac:spMkLst>
-        </pc:spChg>
-        <pc:spChg chg="add del mod">
-          <ac:chgData name="showrab habib" userId="6ed0f00245df941c" providerId="LiveId" clId="{65F663E2-7486-443B-8E0A-1984978C7A27}" dt="2025-09-01T03:50:38.913" v="51" actId="478"/>
-          <ac:spMkLst>
-            <pc:docMk/>
-            <pc:sldMk cId="0" sldId="259"/>
-            <ac:spMk id="9" creationId="{5A97F34D-961A-8900-B78C-7DC0270CBFD2}"/>
-          </ac:spMkLst>
-        </pc:spChg>
-        <pc:spChg chg="add del mod">
-          <ac:chgData name="showrab habib" userId="6ed0f00245df941c" providerId="LiveId" clId="{65F663E2-7486-443B-8E0A-1984978C7A27}" dt="2025-09-01T03:50:41.644" v="52" actId="478"/>
-          <ac:spMkLst>
-            <pc:docMk/>
-            <pc:sldMk cId="0" sldId="259"/>
-            <ac:spMk id="11" creationId="{0EAF0A80-EBAC-C3FC-C93A-D4C8488F0B34}"/>
-          </ac:spMkLst>
-        </pc:spChg>
-        <pc:spChg chg="del">
-          <ac:chgData name="showrab habib" userId="6ed0f00245df941c" providerId="LiveId" clId="{65F663E2-7486-443B-8E0A-1984978C7A27}" dt="2025-09-01T03:50:38.913" v="51" actId="478"/>
-          <ac:spMkLst>
-            <pc:docMk/>
-            <pc:sldMk cId="0" sldId="259"/>
-            <ac:spMk id="13" creationId="{F37193DB-FC3D-2339-101A-14914584F302}"/>
-          </ac:spMkLst>
-        </pc:spChg>
-        <pc:spChg chg="del">
-          <ac:chgData name="showrab habib" userId="6ed0f00245df941c" providerId="LiveId" clId="{65F663E2-7486-443B-8E0A-1984978C7A27}" dt="2025-09-01T03:50:38.913" v="51" actId="478"/>
-          <ac:spMkLst>
-            <pc:docMk/>
-            <pc:sldMk cId="0" sldId="259"/>
-            <ac:spMk id="15" creationId="{BAFAA924-717E-B332-850F-05BA6C0EE137}"/>
-          </ac:spMkLst>
-        </pc:spChg>
-        <pc:spChg chg="add del mod">
-          <ac:chgData name="showrab habib" userId="6ed0f00245df941c" providerId="LiveId" clId="{65F663E2-7486-443B-8E0A-1984978C7A27}" dt="2025-09-01T03:50:41.644" v="52" actId="478"/>
-          <ac:spMkLst>
-            <pc:docMk/>
-            <pc:sldMk cId="0" sldId="259"/>
-            <ac:spMk id="17" creationId="{C5953EE9-0EC3-C29B-DF4D-514E048C7375}"/>
-          </ac:spMkLst>
-        </pc:spChg>
-        <pc:spChg chg="add del mod">
-          <ac:chgData name="showrab habib" userId="6ed0f00245df941c" providerId="LiveId" clId="{65F663E2-7486-443B-8E0A-1984978C7A27}" dt="2025-09-01T03:50:41.644" v="52" actId="478"/>
-          <ac:spMkLst>
-            <pc:docMk/>
-            <pc:sldMk cId="0" sldId="259"/>
-            <ac:spMk id="19" creationId="{BB393C65-98E6-38B4-E93A-23E5AB7E0178}"/>
-          </ac:spMkLst>
-        </pc:spChg>
-        <pc:spChg chg="add mod">
-          <ac:chgData name="showrab habib" userId="6ed0f00245df941c" providerId="LiveId" clId="{65F663E2-7486-443B-8E0A-1984978C7A27}" dt="2025-09-01T04:00:45.573" v="188" actId="313"/>
-          <ac:spMkLst>
-            <pc:docMk/>
-            <pc:sldMk cId="0" sldId="259"/>
-            <ac:spMk id="20" creationId="{BC5A9CD8-5500-FDC2-17A1-286DCEC966DE}"/>
-          </ac:spMkLst>
-        </pc:spChg>
-        <pc:spChg chg="add del mod">
-          <ac:chgData name="showrab habib" userId="6ed0f00245df941c" providerId="LiveId" clId="{65F663E2-7486-443B-8E0A-1984978C7A27}" dt="2025-09-01T03:55:00.323" v="111"/>
-          <ac:spMkLst>
-            <pc:docMk/>
-            <pc:sldMk cId="0" sldId="259"/>
-            <ac:spMk id="21" creationId="{1C47CF56-57C3-8FF9-14FF-2A2789CCEDA5}"/>
-          </ac:spMkLst>
-        </pc:spChg>
-        <pc:spChg chg="del mod">
-          <ac:chgData name="showrab habib" userId="6ed0f00245df941c" providerId="LiveId" clId="{65F663E2-7486-443B-8E0A-1984978C7A27}" dt="2025-09-01T03:50:56.971" v="62" actId="478"/>
-          <ac:spMkLst>
-            <pc:docMk/>
-            <pc:sldMk cId="0" sldId="259"/>
-            <ac:spMk id="315" creationId="{00000000-0000-0000-0000-000000000000}"/>
-          </ac:spMkLst>
-        </pc:spChg>
-        <pc:spChg chg="del mod">
-          <ac:chgData name="showrab habib" userId="6ed0f00245df941c" providerId="LiveId" clId="{65F663E2-7486-443B-8E0A-1984978C7A27}" dt="2025-09-01T03:50:54.440" v="60" actId="478"/>
-          <ac:spMkLst>
-            <pc:docMk/>
-            <pc:sldMk cId="0" sldId="259"/>
-            <ac:spMk id="316" creationId="{00000000-0000-0000-0000-000000000000}"/>
-          </ac:spMkLst>
-        </pc:spChg>
-        <pc:spChg chg="mod">
-          <ac:chgData name="showrab habib" userId="6ed0f00245df941c" providerId="LiveId" clId="{65F663E2-7486-443B-8E0A-1984978C7A27}" dt="2025-09-01T03:58:28.547" v="186" actId="14100"/>
-          <ac:spMkLst>
-            <pc:docMk/>
-            <pc:sldMk cId="0" sldId="259"/>
-            <ac:spMk id="317" creationId="{00000000-0000-0000-0000-000000000000}"/>
-          </ac:spMkLst>
-        </pc:spChg>
-        <pc:spChg chg="del">
-          <ac:chgData name="showrab habib" userId="6ed0f00245df941c" providerId="LiveId" clId="{65F663E2-7486-443B-8E0A-1984978C7A27}" dt="2025-09-01T03:50:35.193" v="50" actId="478"/>
-          <ac:spMkLst>
-            <pc:docMk/>
-            <pc:sldMk cId="0" sldId="259"/>
-            <ac:spMk id="318" creationId="{00000000-0000-0000-0000-000000000000}"/>
-          </ac:spMkLst>
-        </pc:spChg>
-        <pc:spChg chg="del">
-          <ac:chgData name="showrab habib" userId="6ed0f00245df941c" providerId="LiveId" clId="{65F663E2-7486-443B-8E0A-1984978C7A27}" dt="2025-09-01T03:50:38.913" v="51" actId="478"/>
-          <ac:spMkLst>
-            <pc:docMk/>
-            <pc:sldMk cId="0" sldId="259"/>
-            <ac:spMk id="322" creationId="{00000000-0000-0000-0000-000000000000}"/>
-          </ac:spMkLst>
-        </pc:spChg>
-        <pc:spChg chg="del mod">
-          <ac:chgData name="showrab habib" userId="6ed0f00245df941c" providerId="LiveId" clId="{65F663E2-7486-443B-8E0A-1984978C7A27}" dt="2025-09-01T03:50:35.193" v="50" actId="478"/>
-          <ac:spMkLst>
-            <pc:docMk/>
-            <pc:sldMk cId="0" sldId="259"/>
-            <ac:spMk id="323" creationId="{00000000-0000-0000-0000-000000000000}"/>
-          </ac:spMkLst>
-        </pc:spChg>
-        <pc:spChg chg="del">
-          <ac:chgData name="showrab habib" userId="6ed0f00245df941c" providerId="LiveId" clId="{65F663E2-7486-443B-8E0A-1984978C7A27}" dt="2025-09-01T03:50:35.193" v="50" actId="478"/>
-          <ac:spMkLst>
-            <pc:docMk/>
-            <pc:sldMk cId="0" sldId="259"/>
-            <ac:spMk id="324" creationId="{00000000-0000-0000-0000-000000000000}"/>
-          </ac:spMkLst>
-        </pc:spChg>
-        <pc:spChg chg="del">
-          <ac:chgData name="showrab habib" userId="6ed0f00245df941c" providerId="LiveId" clId="{65F663E2-7486-443B-8E0A-1984978C7A27}" dt="2025-09-01T03:50:35.193" v="50" actId="478"/>
-          <ac:spMkLst>
-            <pc:docMk/>
-            <pc:sldMk cId="0" sldId="259"/>
-            <ac:spMk id="325" creationId="{00000000-0000-0000-0000-000000000000}"/>
-          </ac:spMkLst>
-        </pc:spChg>
-        <pc:spChg chg="del">
-          <ac:chgData name="showrab habib" userId="6ed0f00245df941c" providerId="LiveId" clId="{65F663E2-7486-443B-8E0A-1984978C7A27}" dt="2025-09-01T03:50:38.913" v="51" actId="478"/>
-          <ac:spMkLst>
-            <pc:docMk/>
-            <pc:sldMk cId="0" sldId="259"/>
-            <ac:spMk id="326" creationId="{00000000-0000-0000-0000-000000000000}"/>
-          </ac:spMkLst>
-        </pc:spChg>
-        <pc:spChg chg="del">
-          <ac:chgData name="showrab habib" userId="6ed0f00245df941c" providerId="LiveId" clId="{65F663E2-7486-443B-8E0A-1984978C7A27}" dt="2025-09-01T03:50:35.193" v="50" actId="478"/>
-          <ac:spMkLst>
-            <pc:docMk/>
-            <pc:sldMk cId="0" sldId="259"/>
-            <ac:spMk id="328" creationId="{00000000-0000-0000-0000-000000000000}"/>
-          </ac:spMkLst>
-        </pc:spChg>
-        <pc:cxnChg chg="del">
-          <ac:chgData name="showrab habib" userId="6ed0f00245df941c" providerId="LiveId" clId="{65F663E2-7486-443B-8E0A-1984978C7A27}" dt="2025-09-01T03:50:48.423" v="56" actId="478"/>
-          <ac:cxnSpMkLst>
-            <pc:docMk/>
-            <pc:sldMk cId="0" sldId="259"/>
-            <ac:cxnSpMk id="330" creationId="{00000000-0000-0000-0000-000000000000}"/>
-          </ac:cxnSpMkLst>
-        </pc:cxnChg>
-        <pc:cxnChg chg="del">
-          <ac:chgData name="showrab habib" userId="6ed0f00245df941c" providerId="LiveId" clId="{65F663E2-7486-443B-8E0A-1984978C7A27}" dt="2025-09-01T03:50:45.286" v="54" actId="478"/>
-          <ac:cxnSpMkLst>
-            <pc:docMk/>
-            <pc:sldMk cId="0" sldId="259"/>
-            <ac:cxnSpMk id="331" creationId="{00000000-0000-0000-0000-000000000000}"/>
-          </ac:cxnSpMkLst>
-        </pc:cxnChg>
-        <pc:cxnChg chg="del">
-          <ac:chgData name="showrab habib" userId="6ed0f00245df941c" providerId="LiveId" clId="{65F663E2-7486-443B-8E0A-1984978C7A27}" dt="2025-09-01T03:50:43.897" v="53" actId="478"/>
-          <ac:cxnSpMkLst>
-            <pc:docMk/>
-            <pc:sldMk cId="0" sldId="259"/>
-            <ac:cxnSpMk id="333" creationId="{00000000-0000-0000-0000-000000000000}"/>
-          </ac:cxnSpMkLst>
-        </pc:cxnChg>
-        <pc:cxnChg chg="del">
-          <ac:chgData name="showrab habib" userId="6ed0f00245df941c" providerId="LiveId" clId="{65F663E2-7486-443B-8E0A-1984978C7A27}" dt="2025-09-01T03:50:46.893" v="55" actId="478"/>
-          <ac:cxnSpMkLst>
-            <pc:docMk/>
-            <pc:sldMk cId="0" sldId="259"/>
-            <ac:cxnSpMk id="334" creationId="{00000000-0000-0000-0000-000000000000}"/>
-          </ac:cxnSpMkLst>
-        </pc:cxnChg>
-      </pc:sldChg>
-      <pc:sldChg chg="addSp delSp modSp add mod">
-        <pc:chgData name="showrab habib" userId="6ed0f00245df941c" providerId="LiveId" clId="{65F663E2-7486-443B-8E0A-1984978C7A27}" dt="2025-09-01T03:59:03.703" v="187" actId="1076"/>
-        <pc:sldMkLst>
-          <pc:docMk/>
-          <pc:sldMk cId="3045161626" sldId="283"/>
-        </pc:sldMkLst>
-        <pc:spChg chg="add del mod">
-          <ac:chgData name="showrab habib" userId="6ed0f00245df941c" providerId="LiveId" clId="{65F663E2-7486-443B-8E0A-1984978C7A27}" dt="2025-09-01T03:55:59.292" v="121" actId="478"/>
-          <ac:spMkLst>
-            <pc:docMk/>
-            <pc:sldMk cId="3045161626" sldId="283"/>
-            <ac:spMk id="3" creationId="{69C320A4-867E-70FF-9914-CB0C9C3AE1B6}"/>
-          </ac:spMkLst>
-        </pc:spChg>
-        <pc:spChg chg="mod">
-          <ac:chgData name="showrab habib" userId="6ed0f00245df941c" providerId="LiveId" clId="{65F663E2-7486-443B-8E0A-1984978C7A27}" dt="2025-09-01T03:59:03.703" v="187" actId="1076"/>
-          <ac:spMkLst>
-            <pc:docMk/>
-            <pc:sldMk cId="3045161626" sldId="283"/>
-            <ac:spMk id="20" creationId="{2CDCAE64-CE11-4D91-38CA-BC31621D4727}"/>
-          </ac:spMkLst>
-        </pc:spChg>
-        <pc:spChg chg="del">
-          <ac:chgData name="showrab habib" userId="6ed0f00245df941c" providerId="LiveId" clId="{65F663E2-7486-443B-8E0A-1984978C7A27}" dt="2025-09-01T03:55:30.215" v="116" actId="478"/>
-          <ac:spMkLst>
-            <pc:docMk/>
-            <pc:sldMk cId="3045161626" sldId="283"/>
-            <ac:spMk id="317" creationId="{FB6E6A26-2877-D758-7C92-472AA6472952}"/>
-          </ac:spMkLst>
-        </pc:spChg>
-      </pc:sldChg>
-    </pc:docChg>
-  </pc:docChgLst>
   <pc:docChgLst>
     <pc:chgData name="showrab habib" userId="6ed0f00245df941c" providerId="LiveId" clId="{984C4F74-F86F-4C07-ACE3-93A7F4A295E0}"/>
     <pc:docChg chg="undo custSel addSld delSld modSld sldOrd delMainMaster">
@@ -1486,6 +1198,276 @@
       </pc:sldMasterChg>
     </pc:docChg>
   </pc:docChgLst>
+  <pc:docChgLst>
+    <pc:chgData name="showrab habib" userId="6ed0f00245df941c" providerId="LiveId" clId="{65F663E2-7486-443B-8E0A-1984978C7A27}"/>
+    <pc:docChg chg="undo custSel addSld modSld">
+      <pc:chgData name="showrab habib" userId="6ed0f00245df941c" providerId="LiveId" clId="{65F663E2-7486-443B-8E0A-1984978C7A27}" dt="2025-09-01T04:00:45.573" v="188" actId="313"/>
+      <pc:docMkLst>
+        <pc:docMk/>
+      </pc:docMkLst>
+      <pc:sldChg chg="modSp mod">
+        <pc:chgData name="showrab habib" userId="6ed0f00245df941c" providerId="LiveId" clId="{65F663E2-7486-443B-8E0A-1984978C7A27}" dt="2025-09-01T03:50:20.215" v="48" actId="207"/>
+        <pc:sldMkLst>
+          <pc:docMk/>
+          <pc:sldMk cId="0" sldId="256"/>
+        </pc:sldMkLst>
+        <pc:spChg chg="mod">
+          <ac:chgData name="showrab habib" userId="6ed0f00245df941c" providerId="LiveId" clId="{65F663E2-7486-443B-8E0A-1984978C7A27}" dt="2025-09-01T03:50:12.792" v="47" actId="255"/>
+          <ac:spMkLst>
+            <pc:docMk/>
+            <pc:sldMk cId="0" sldId="256"/>
+            <ac:spMk id="290" creationId="{00000000-0000-0000-0000-000000000000}"/>
+          </ac:spMkLst>
+        </pc:spChg>
+        <pc:spChg chg="mod">
+          <ac:chgData name="showrab habib" userId="6ed0f00245df941c" providerId="LiveId" clId="{65F663E2-7486-443B-8E0A-1984978C7A27}" dt="2025-09-01T03:50:20.215" v="48" actId="207"/>
+          <ac:spMkLst>
+            <pc:docMk/>
+            <pc:sldMk cId="0" sldId="256"/>
+            <ac:spMk id="291" creationId="{00000000-0000-0000-0000-000000000000}"/>
+          </ac:spMkLst>
+        </pc:spChg>
+      </pc:sldChg>
+      <pc:sldChg chg="addSp delSp modSp mod delAnim">
+        <pc:chgData name="showrab habib" userId="6ed0f00245df941c" providerId="LiveId" clId="{65F663E2-7486-443B-8E0A-1984978C7A27}" dt="2025-09-01T04:00:45.573" v="188" actId="313"/>
+        <pc:sldMkLst>
+          <pc:docMk/>
+          <pc:sldMk cId="0" sldId="259"/>
+        </pc:sldMkLst>
+        <pc:spChg chg="add del mod">
+          <ac:chgData name="showrab habib" userId="6ed0f00245df941c" providerId="LiveId" clId="{65F663E2-7486-443B-8E0A-1984978C7A27}" dt="2025-09-01T03:50:38.913" v="51" actId="478"/>
+          <ac:spMkLst>
+            <pc:docMk/>
+            <pc:sldMk cId="0" sldId="259"/>
+            <ac:spMk id="3" creationId="{E6443199-66F8-FBCE-CE74-BCBA054A8B41}"/>
+          </ac:spMkLst>
+        </pc:spChg>
+        <pc:spChg chg="add del mod">
+          <ac:chgData name="showrab habib" userId="6ed0f00245df941c" providerId="LiveId" clId="{65F663E2-7486-443B-8E0A-1984978C7A27}" dt="2025-09-01T03:50:38.913" v="51" actId="478"/>
+          <ac:spMkLst>
+            <pc:docMk/>
+            <pc:sldMk cId="0" sldId="259"/>
+            <ac:spMk id="5" creationId="{166EBBD2-EFB2-2445-2BCD-5833255B7A21}"/>
+          </ac:spMkLst>
+        </pc:spChg>
+        <pc:spChg chg="add del mod">
+          <ac:chgData name="showrab habib" userId="6ed0f00245df941c" providerId="LiveId" clId="{65F663E2-7486-443B-8E0A-1984978C7A27}" dt="2025-09-01T03:50:41.644" v="52" actId="478"/>
+          <ac:spMkLst>
+            <pc:docMk/>
+            <pc:sldMk cId="0" sldId="259"/>
+            <ac:spMk id="7" creationId="{19C20BBC-2921-2E16-88DB-0C75E744FF75}"/>
+          </ac:spMkLst>
+        </pc:spChg>
+        <pc:spChg chg="add del mod">
+          <ac:chgData name="showrab habib" userId="6ed0f00245df941c" providerId="LiveId" clId="{65F663E2-7486-443B-8E0A-1984978C7A27}" dt="2025-09-01T03:50:38.913" v="51" actId="478"/>
+          <ac:spMkLst>
+            <pc:docMk/>
+            <pc:sldMk cId="0" sldId="259"/>
+            <ac:spMk id="9" creationId="{5A97F34D-961A-8900-B78C-7DC0270CBFD2}"/>
+          </ac:spMkLst>
+        </pc:spChg>
+        <pc:spChg chg="add del mod">
+          <ac:chgData name="showrab habib" userId="6ed0f00245df941c" providerId="LiveId" clId="{65F663E2-7486-443B-8E0A-1984978C7A27}" dt="2025-09-01T03:50:41.644" v="52" actId="478"/>
+          <ac:spMkLst>
+            <pc:docMk/>
+            <pc:sldMk cId="0" sldId="259"/>
+            <ac:spMk id="11" creationId="{0EAF0A80-EBAC-C3FC-C93A-D4C8488F0B34}"/>
+          </ac:spMkLst>
+        </pc:spChg>
+        <pc:spChg chg="del">
+          <ac:chgData name="showrab habib" userId="6ed0f00245df941c" providerId="LiveId" clId="{65F663E2-7486-443B-8E0A-1984978C7A27}" dt="2025-09-01T03:50:38.913" v="51" actId="478"/>
+          <ac:spMkLst>
+            <pc:docMk/>
+            <pc:sldMk cId="0" sldId="259"/>
+            <ac:spMk id="13" creationId="{F37193DB-FC3D-2339-101A-14914584F302}"/>
+          </ac:spMkLst>
+        </pc:spChg>
+        <pc:spChg chg="del">
+          <ac:chgData name="showrab habib" userId="6ed0f00245df941c" providerId="LiveId" clId="{65F663E2-7486-443B-8E0A-1984978C7A27}" dt="2025-09-01T03:50:38.913" v="51" actId="478"/>
+          <ac:spMkLst>
+            <pc:docMk/>
+            <pc:sldMk cId="0" sldId="259"/>
+            <ac:spMk id="15" creationId="{BAFAA924-717E-B332-850F-05BA6C0EE137}"/>
+          </ac:spMkLst>
+        </pc:spChg>
+        <pc:spChg chg="add del mod">
+          <ac:chgData name="showrab habib" userId="6ed0f00245df941c" providerId="LiveId" clId="{65F663E2-7486-443B-8E0A-1984978C7A27}" dt="2025-09-01T03:50:41.644" v="52" actId="478"/>
+          <ac:spMkLst>
+            <pc:docMk/>
+            <pc:sldMk cId="0" sldId="259"/>
+            <ac:spMk id="17" creationId="{C5953EE9-0EC3-C29B-DF4D-514E048C7375}"/>
+          </ac:spMkLst>
+        </pc:spChg>
+        <pc:spChg chg="add del mod">
+          <ac:chgData name="showrab habib" userId="6ed0f00245df941c" providerId="LiveId" clId="{65F663E2-7486-443B-8E0A-1984978C7A27}" dt="2025-09-01T03:50:41.644" v="52" actId="478"/>
+          <ac:spMkLst>
+            <pc:docMk/>
+            <pc:sldMk cId="0" sldId="259"/>
+            <ac:spMk id="19" creationId="{BB393C65-98E6-38B4-E93A-23E5AB7E0178}"/>
+          </ac:spMkLst>
+        </pc:spChg>
+        <pc:spChg chg="add mod">
+          <ac:chgData name="showrab habib" userId="6ed0f00245df941c" providerId="LiveId" clId="{65F663E2-7486-443B-8E0A-1984978C7A27}" dt="2025-09-01T04:00:45.573" v="188" actId="313"/>
+          <ac:spMkLst>
+            <pc:docMk/>
+            <pc:sldMk cId="0" sldId="259"/>
+            <ac:spMk id="20" creationId="{BC5A9CD8-5500-FDC2-17A1-286DCEC966DE}"/>
+          </ac:spMkLst>
+        </pc:spChg>
+        <pc:spChg chg="add del mod">
+          <ac:chgData name="showrab habib" userId="6ed0f00245df941c" providerId="LiveId" clId="{65F663E2-7486-443B-8E0A-1984978C7A27}" dt="2025-09-01T03:55:00.323" v="111"/>
+          <ac:spMkLst>
+            <pc:docMk/>
+            <pc:sldMk cId="0" sldId="259"/>
+            <ac:spMk id="21" creationId="{1C47CF56-57C3-8FF9-14FF-2A2789CCEDA5}"/>
+          </ac:spMkLst>
+        </pc:spChg>
+        <pc:spChg chg="del mod">
+          <ac:chgData name="showrab habib" userId="6ed0f00245df941c" providerId="LiveId" clId="{65F663E2-7486-443B-8E0A-1984978C7A27}" dt="2025-09-01T03:50:56.971" v="62" actId="478"/>
+          <ac:spMkLst>
+            <pc:docMk/>
+            <pc:sldMk cId="0" sldId="259"/>
+            <ac:spMk id="315" creationId="{00000000-0000-0000-0000-000000000000}"/>
+          </ac:spMkLst>
+        </pc:spChg>
+        <pc:spChg chg="del mod">
+          <ac:chgData name="showrab habib" userId="6ed0f00245df941c" providerId="LiveId" clId="{65F663E2-7486-443B-8E0A-1984978C7A27}" dt="2025-09-01T03:50:54.440" v="60" actId="478"/>
+          <ac:spMkLst>
+            <pc:docMk/>
+            <pc:sldMk cId="0" sldId="259"/>
+            <ac:spMk id="316" creationId="{00000000-0000-0000-0000-000000000000}"/>
+          </ac:spMkLst>
+        </pc:spChg>
+        <pc:spChg chg="mod">
+          <ac:chgData name="showrab habib" userId="6ed0f00245df941c" providerId="LiveId" clId="{65F663E2-7486-443B-8E0A-1984978C7A27}" dt="2025-09-01T03:58:28.547" v="186" actId="14100"/>
+          <ac:spMkLst>
+            <pc:docMk/>
+            <pc:sldMk cId="0" sldId="259"/>
+            <ac:spMk id="317" creationId="{00000000-0000-0000-0000-000000000000}"/>
+          </ac:spMkLst>
+        </pc:spChg>
+        <pc:spChg chg="del">
+          <ac:chgData name="showrab habib" userId="6ed0f00245df941c" providerId="LiveId" clId="{65F663E2-7486-443B-8E0A-1984978C7A27}" dt="2025-09-01T03:50:35.193" v="50" actId="478"/>
+          <ac:spMkLst>
+            <pc:docMk/>
+            <pc:sldMk cId="0" sldId="259"/>
+            <ac:spMk id="318" creationId="{00000000-0000-0000-0000-000000000000}"/>
+          </ac:spMkLst>
+        </pc:spChg>
+        <pc:spChg chg="del">
+          <ac:chgData name="showrab habib" userId="6ed0f00245df941c" providerId="LiveId" clId="{65F663E2-7486-443B-8E0A-1984978C7A27}" dt="2025-09-01T03:50:38.913" v="51" actId="478"/>
+          <ac:spMkLst>
+            <pc:docMk/>
+            <pc:sldMk cId="0" sldId="259"/>
+            <ac:spMk id="322" creationId="{00000000-0000-0000-0000-000000000000}"/>
+          </ac:spMkLst>
+        </pc:spChg>
+        <pc:spChg chg="del mod">
+          <ac:chgData name="showrab habib" userId="6ed0f00245df941c" providerId="LiveId" clId="{65F663E2-7486-443B-8E0A-1984978C7A27}" dt="2025-09-01T03:50:35.193" v="50" actId="478"/>
+          <ac:spMkLst>
+            <pc:docMk/>
+            <pc:sldMk cId="0" sldId="259"/>
+            <ac:spMk id="323" creationId="{00000000-0000-0000-0000-000000000000}"/>
+          </ac:spMkLst>
+        </pc:spChg>
+        <pc:spChg chg="del">
+          <ac:chgData name="showrab habib" userId="6ed0f00245df941c" providerId="LiveId" clId="{65F663E2-7486-443B-8E0A-1984978C7A27}" dt="2025-09-01T03:50:35.193" v="50" actId="478"/>
+          <ac:spMkLst>
+            <pc:docMk/>
+            <pc:sldMk cId="0" sldId="259"/>
+            <ac:spMk id="324" creationId="{00000000-0000-0000-0000-000000000000}"/>
+          </ac:spMkLst>
+        </pc:spChg>
+        <pc:spChg chg="del">
+          <ac:chgData name="showrab habib" userId="6ed0f00245df941c" providerId="LiveId" clId="{65F663E2-7486-443B-8E0A-1984978C7A27}" dt="2025-09-01T03:50:35.193" v="50" actId="478"/>
+          <ac:spMkLst>
+            <pc:docMk/>
+            <pc:sldMk cId="0" sldId="259"/>
+            <ac:spMk id="325" creationId="{00000000-0000-0000-0000-000000000000}"/>
+          </ac:spMkLst>
+        </pc:spChg>
+        <pc:spChg chg="del">
+          <ac:chgData name="showrab habib" userId="6ed0f00245df941c" providerId="LiveId" clId="{65F663E2-7486-443B-8E0A-1984978C7A27}" dt="2025-09-01T03:50:38.913" v="51" actId="478"/>
+          <ac:spMkLst>
+            <pc:docMk/>
+            <pc:sldMk cId="0" sldId="259"/>
+            <ac:spMk id="326" creationId="{00000000-0000-0000-0000-000000000000}"/>
+          </ac:spMkLst>
+        </pc:spChg>
+        <pc:spChg chg="del">
+          <ac:chgData name="showrab habib" userId="6ed0f00245df941c" providerId="LiveId" clId="{65F663E2-7486-443B-8E0A-1984978C7A27}" dt="2025-09-01T03:50:35.193" v="50" actId="478"/>
+          <ac:spMkLst>
+            <pc:docMk/>
+            <pc:sldMk cId="0" sldId="259"/>
+            <ac:spMk id="328" creationId="{00000000-0000-0000-0000-000000000000}"/>
+          </ac:spMkLst>
+        </pc:spChg>
+        <pc:cxnChg chg="del">
+          <ac:chgData name="showrab habib" userId="6ed0f00245df941c" providerId="LiveId" clId="{65F663E2-7486-443B-8E0A-1984978C7A27}" dt="2025-09-01T03:50:48.423" v="56" actId="478"/>
+          <ac:cxnSpMkLst>
+            <pc:docMk/>
+            <pc:sldMk cId="0" sldId="259"/>
+            <ac:cxnSpMk id="330" creationId="{00000000-0000-0000-0000-000000000000}"/>
+          </ac:cxnSpMkLst>
+        </pc:cxnChg>
+        <pc:cxnChg chg="del">
+          <ac:chgData name="showrab habib" userId="6ed0f00245df941c" providerId="LiveId" clId="{65F663E2-7486-443B-8E0A-1984978C7A27}" dt="2025-09-01T03:50:45.286" v="54" actId="478"/>
+          <ac:cxnSpMkLst>
+            <pc:docMk/>
+            <pc:sldMk cId="0" sldId="259"/>
+            <ac:cxnSpMk id="331" creationId="{00000000-0000-0000-0000-000000000000}"/>
+          </ac:cxnSpMkLst>
+        </pc:cxnChg>
+        <pc:cxnChg chg="del">
+          <ac:chgData name="showrab habib" userId="6ed0f00245df941c" providerId="LiveId" clId="{65F663E2-7486-443B-8E0A-1984978C7A27}" dt="2025-09-01T03:50:43.897" v="53" actId="478"/>
+          <ac:cxnSpMkLst>
+            <pc:docMk/>
+            <pc:sldMk cId="0" sldId="259"/>
+            <ac:cxnSpMk id="333" creationId="{00000000-0000-0000-0000-000000000000}"/>
+          </ac:cxnSpMkLst>
+        </pc:cxnChg>
+        <pc:cxnChg chg="del">
+          <ac:chgData name="showrab habib" userId="6ed0f00245df941c" providerId="LiveId" clId="{65F663E2-7486-443B-8E0A-1984978C7A27}" dt="2025-09-01T03:50:46.893" v="55" actId="478"/>
+          <ac:cxnSpMkLst>
+            <pc:docMk/>
+            <pc:sldMk cId="0" sldId="259"/>
+            <ac:cxnSpMk id="334" creationId="{00000000-0000-0000-0000-000000000000}"/>
+          </ac:cxnSpMkLst>
+        </pc:cxnChg>
+      </pc:sldChg>
+      <pc:sldChg chg="addSp delSp modSp add mod">
+        <pc:chgData name="showrab habib" userId="6ed0f00245df941c" providerId="LiveId" clId="{65F663E2-7486-443B-8E0A-1984978C7A27}" dt="2025-09-01T03:59:03.703" v="187" actId="1076"/>
+        <pc:sldMkLst>
+          <pc:docMk/>
+          <pc:sldMk cId="3045161626" sldId="283"/>
+        </pc:sldMkLst>
+        <pc:spChg chg="add del mod">
+          <ac:chgData name="showrab habib" userId="6ed0f00245df941c" providerId="LiveId" clId="{65F663E2-7486-443B-8E0A-1984978C7A27}" dt="2025-09-01T03:55:59.292" v="121" actId="478"/>
+          <ac:spMkLst>
+            <pc:docMk/>
+            <pc:sldMk cId="3045161626" sldId="283"/>
+            <ac:spMk id="3" creationId="{69C320A4-867E-70FF-9914-CB0C9C3AE1B6}"/>
+          </ac:spMkLst>
+        </pc:spChg>
+        <pc:spChg chg="mod">
+          <ac:chgData name="showrab habib" userId="6ed0f00245df941c" providerId="LiveId" clId="{65F663E2-7486-443B-8E0A-1984978C7A27}" dt="2025-09-01T03:59:03.703" v="187" actId="1076"/>
+          <ac:spMkLst>
+            <pc:docMk/>
+            <pc:sldMk cId="3045161626" sldId="283"/>
+            <ac:spMk id="20" creationId="{2CDCAE64-CE11-4D91-38CA-BC31621D4727}"/>
+          </ac:spMkLst>
+        </pc:spChg>
+        <pc:spChg chg="del">
+          <ac:chgData name="showrab habib" userId="6ed0f00245df941c" providerId="LiveId" clId="{65F663E2-7486-443B-8E0A-1984978C7A27}" dt="2025-09-01T03:55:30.215" v="116" actId="478"/>
+          <ac:spMkLst>
+            <pc:docMk/>
+            <pc:sldMk cId="3045161626" sldId="283"/>
+            <ac:spMk id="317" creationId="{FB6E6A26-2877-D758-7C92-472AA6472952}"/>
+          </ac:spMkLst>
+        </pc:spChg>
+      </pc:sldChg>
+    </pc:docChg>
+  </pc:docChgLst>
 </pc:chgInfo>
 </file>
 
@@ -2034,768 +2016,6 @@
 </p:notes>
 </file>
 
-<file path=ppt/notesSlides/notesSlide10.xml><?xml version="1.0" encoding="utf-8"?>
-<p:notes xmlns:a="http://schemas.openxmlformats.org/drawingml/2006/main" xmlns:r="http://schemas.openxmlformats.org/officeDocument/2006/relationships" xmlns:p="http://schemas.openxmlformats.org/presentationml/2006/main" showMasterSp="0" showMasterPhAnim="0">
-  <p:cSld>
-    <p:spTree>
-      <p:nvGrpSpPr>
-        <p:cNvPr id="1" name="Shape 766">
-          <a:extLst>
-            <a:ext uri="{FF2B5EF4-FFF2-40B4-BE49-F238E27FC236}">
-              <a16:creationId xmlns:a16="http://schemas.microsoft.com/office/drawing/2014/main" id="{25496D4B-7A35-A603-967D-2A01FD0A7CDA}"/>
-            </a:ext>
-          </a:extLst>
-        </p:cNvPr>
-        <p:cNvGrpSpPr/>
-        <p:nvPr/>
-      </p:nvGrpSpPr>
-      <p:grpSpPr>
-        <a:xfrm>
-          <a:off x="0" y="0"/>
-          <a:ext cx="0" cy="0"/>
-          <a:chOff x="0" y="0"/>
-          <a:chExt cx="0" cy="0"/>
-        </a:xfrm>
-      </p:grpSpPr>
-      <p:sp>
-        <p:nvSpPr>
-          <p:cNvPr id="767" name="Google Shape;767;g6f0744aa72_0_235:notes">
-            <a:extLst>
-              <a:ext uri="{FF2B5EF4-FFF2-40B4-BE49-F238E27FC236}">
-                <a16:creationId xmlns:a16="http://schemas.microsoft.com/office/drawing/2014/main" id="{D29E11B0-98CA-E53E-6C93-469CD5D04F55}"/>
-              </a:ext>
-            </a:extLst>
-          </p:cNvPr>
-          <p:cNvSpPr>
-            <a:spLocks noGrp="1" noRot="1" noChangeAspect="1"/>
-          </p:cNvSpPr>
-          <p:nvPr>
-            <p:ph type="sldImg" idx="2"/>
-          </p:nvPr>
-        </p:nvSpPr>
-        <p:spPr>
-          <a:xfrm>
-            <a:off x="381000" y="685800"/>
-            <a:ext cx="6096000" cy="3429000"/>
-          </a:xfrm>
-          <a:custGeom>
-            <a:avLst/>
-            <a:gdLst/>
-            <a:ahLst/>
-            <a:cxnLst/>
-            <a:rect l="l" t="t" r="r" b="b"/>
-            <a:pathLst>
-              <a:path w="120000" h="120000" extrusionOk="0">
-                <a:moveTo>
-                  <a:pt x="0" y="0"/>
-                </a:moveTo>
-                <a:lnTo>
-                  <a:pt x="120000" y="0"/>
-                </a:lnTo>
-                <a:lnTo>
-                  <a:pt x="120000" y="120000"/>
-                </a:lnTo>
-                <a:lnTo>
-                  <a:pt x="0" y="120000"/>
-                </a:lnTo>
-                <a:close/>
-              </a:path>
-            </a:pathLst>
-          </a:custGeom>
-        </p:spPr>
-      </p:sp>
-      <p:sp>
-        <p:nvSpPr>
-          <p:cNvPr id="768" name="Google Shape;768;g6f0744aa72_0_235:notes">
-            <a:extLst>
-              <a:ext uri="{FF2B5EF4-FFF2-40B4-BE49-F238E27FC236}">
-                <a16:creationId xmlns:a16="http://schemas.microsoft.com/office/drawing/2014/main" id="{9396D2CA-7DF5-2CBD-A9BB-D54366C68EF9}"/>
-              </a:ext>
-            </a:extLst>
-          </p:cNvPr>
-          <p:cNvSpPr txBox="1">
-            <a:spLocks noGrp="1"/>
-          </p:cNvSpPr>
-          <p:nvPr>
-            <p:ph type="body" idx="1"/>
-          </p:nvPr>
-        </p:nvSpPr>
-        <p:spPr>
-          <a:xfrm>
-            <a:off x="685800" y="4343400"/>
-            <a:ext cx="5486400" cy="4114800"/>
-          </a:xfrm>
-          <a:prstGeom prst="rect">
-            <a:avLst/>
-          </a:prstGeom>
-        </p:spPr>
-        <p:txBody>
-          <a:bodyPr spcFirstLastPara="1" wrap="square" lIns="91425" tIns="91425" rIns="91425" bIns="91425" anchor="t" anchorCtr="0">
-            <a:noAutofit/>
-          </a:bodyPr>
-          <a:lstStyle/>
-          <a:p>
-            <a:pPr marL="0" lvl="0" indent="0" algn="l" rtl="0">
-              <a:spcBef>
-                <a:spcPts val="0"/>
-              </a:spcBef>
-              <a:spcAft>
-                <a:spcPts val="0"/>
-              </a:spcAft>
-              <a:buNone/>
-            </a:pPr>
-            <a:endParaRPr/>
-          </a:p>
-        </p:txBody>
-      </p:sp>
-    </p:spTree>
-    <p:extLst>
-      <p:ext uri="{BB962C8B-B14F-4D97-AF65-F5344CB8AC3E}">
-        <p14:creationId xmlns:p14="http://schemas.microsoft.com/office/powerpoint/2010/main" val="3502174630"/>
-      </p:ext>
-    </p:extLst>
-  </p:cSld>
-  <p:clrMapOvr>
-    <a:masterClrMapping/>
-  </p:clrMapOvr>
-</p:notes>
-</file>
-
-<file path=ppt/notesSlides/notesSlide11.xml><?xml version="1.0" encoding="utf-8"?>
-<p:notes xmlns:a="http://schemas.openxmlformats.org/drawingml/2006/main" xmlns:r="http://schemas.openxmlformats.org/officeDocument/2006/relationships" xmlns:p="http://schemas.openxmlformats.org/presentationml/2006/main" showMasterSp="0" showMasterPhAnim="0">
-  <p:cSld>
-    <p:spTree>
-      <p:nvGrpSpPr>
-        <p:cNvPr id="1" name="Shape 766">
-          <a:extLst>
-            <a:ext uri="{FF2B5EF4-FFF2-40B4-BE49-F238E27FC236}">
-              <a16:creationId xmlns:a16="http://schemas.microsoft.com/office/drawing/2014/main" id="{DF182F02-D561-2052-B1C5-3503F273469D}"/>
-            </a:ext>
-          </a:extLst>
-        </p:cNvPr>
-        <p:cNvGrpSpPr/>
-        <p:nvPr/>
-      </p:nvGrpSpPr>
-      <p:grpSpPr>
-        <a:xfrm>
-          <a:off x="0" y="0"/>
-          <a:ext cx="0" cy="0"/>
-          <a:chOff x="0" y="0"/>
-          <a:chExt cx="0" cy="0"/>
-        </a:xfrm>
-      </p:grpSpPr>
-      <p:sp>
-        <p:nvSpPr>
-          <p:cNvPr id="767" name="Google Shape;767;g6f0744aa72_0_235:notes">
-            <a:extLst>
-              <a:ext uri="{FF2B5EF4-FFF2-40B4-BE49-F238E27FC236}">
-                <a16:creationId xmlns:a16="http://schemas.microsoft.com/office/drawing/2014/main" id="{5011933F-5C16-7707-2DD7-7812D9F1B438}"/>
-              </a:ext>
-            </a:extLst>
-          </p:cNvPr>
-          <p:cNvSpPr>
-            <a:spLocks noGrp="1" noRot="1" noChangeAspect="1"/>
-          </p:cNvSpPr>
-          <p:nvPr>
-            <p:ph type="sldImg" idx="2"/>
-          </p:nvPr>
-        </p:nvSpPr>
-        <p:spPr>
-          <a:xfrm>
-            <a:off x="381000" y="685800"/>
-            <a:ext cx="6096000" cy="3429000"/>
-          </a:xfrm>
-          <a:custGeom>
-            <a:avLst/>
-            <a:gdLst/>
-            <a:ahLst/>
-            <a:cxnLst/>
-            <a:rect l="l" t="t" r="r" b="b"/>
-            <a:pathLst>
-              <a:path w="120000" h="120000" extrusionOk="0">
-                <a:moveTo>
-                  <a:pt x="0" y="0"/>
-                </a:moveTo>
-                <a:lnTo>
-                  <a:pt x="120000" y="0"/>
-                </a:lnTo>
-                <a:lnTo>
-                  <a:pt x="120000" y="120000"/>
-                </a:lnTo>
-                <a:lnTo>
-                  <a:pt x="0" y="120000"/>
-                </a:lnTo>
-                <a:close/>
-              </a:path>
-            </a:pathLst>
-          </a:custGeom>
-        </p:spPr>
-      </p:sp>
-      <p:sp>
-        <p:nvSpPr>
-          <p:cNvPr id="768" name="Google Shape;768;g6f0744aa72_0_235:notes">
-            <a:extLst>
-              <a:ext uri="{FF2B5EF4-FFF2-40B4-BE49-F238E27FC236}">
-                <a16:creationId xmlns:a16="http://schemas.microsoft.com/office/drawing/2014/main" id="{23EAE2A0-3F72-7D5D-DE50-03AFB5FE4818}"/>
-              </a:ext>
-            </a:extLst>
-          </p:cNvPr>
-          <p:cNvSpPr txBox="1">
-            <a:spLocks noGrp="1"/>
-          </p:cNvSpPr>
-          <p:nvPr>
-            <p:ph type="body" idx="1"/>
-          </p:nvPr>
-        </p:nvSpPr>
-        <p:spPr>
-          <a:xfrm>
-            <a:off x="685800" y="4343400"/>
-            <a:ext cx="5486400" cy="4114800"/>
-          </a:xfrm>
-          <a:prstGeom prst="rect">
-            <a:avLst/>
-          </a:prstGeom>
-        </p:spPr>
-        <p:txBody>
-          <a:bodyPr spcFirstLastPara="1" wrap="square" lIns="91425" tIns="91425" rIns="91425" bIns="91425" anchor="t" anchorCtr="0">
-            <a:noAutofit/>
-          </a:bodyPr>
-          <a:lstStyle/>
-          <a:p>
-            <a:pPr marL="0" lvl="0" indent="0" algn="l" rtl="0">
-              <a:spcBef>
-                <a:spcPts val="0"/>
-              </a:spcBef>
-              <a:spcAft>
-                <a:spcPts val="0"/>
-              </a:spcAft>
-              <a:buNone/>
-            </a:pPr>
-            <a:endParaRPr/>
-          </a:p>
-        </p:txBody>
-      </p:sp>
-    </p:spTree>
-    <p:extLst>
-      <p:ext uri="{BB962C8B-B14F-4D97-AF65-F5344CB8AC3E}">
-        <p14:creationId xmlns:p14="http://schemas.microsoft.com/office/powerpoint/2010/main" val="267789339"/>
-      </p:ext>
-    </p:extLst>
-  </p:cSld>
-  <p:clrMapOvr>
-    <a:masterClrMapping/>
-  </p:clrMapOvr>
-</p:notes>
-</file>
-
-<file path=ppt/notesSlides/notesSlide12.xml><?xml version="1.0" encoding="utf-8"?>
-<p:notes xmlns:a="http://schemas.openxmlformats.org/drawingml/2006/main" xmlns:r="http://schemas.openxmlformats.org/officeDocument/2006/relationships" xmlns:p="http://schemas.openxmlformats.org/presentationml/2006/main" showMasterSp="0" showMasterPhAnim="0">
-  <p:cSld>
-    <p:spTree>
-      <p:nvGrpSpPr>
-        <p:cNvPr id="1" name="Shape 559">
-          <a:extLst>
-            <a:ext uri="{FF2B5EF4-FFF2-40B4-BE49-F238E27FC236}">
-              <a16:creationId xmlns:a16="http://schemas.microsoft.com/office/drawing/2014/main" id="{546CDE79-5B64-969F-5DB8-1D9C00D2632C}"/>
-            </a:ext>
-          </a:extLst>
-        </p:cNvPr>
-        <p:cNvGrpSpPr/>
-        <p:nvPr/>
-      </p:nvGrpSpPr>
-      <p:grpSpPr>
-        <a:xfrm>
-          <a:off x="0" y="0"/>
-          <a:ext cx="0" cy="0"/>
-          <a:chOff x="0" y="0"/>
-          <a:chExt cx="0" cy="0"/>
-        </a:xfrm>
-      </p:grpSpPr>
-      <p:sp>
-        <p:nvSpPr>
-          <p:cNvPr id="560" name="Google Shape;560;g6f0744aa72_0_66:notes">
-            <a:extLst>
-              <a:ext uri="{FF2B5EF4-FFF2-40B4-BE49-F238E27FC236}">
-                <a16:creationId xmlns:a16="http://schemas.microsoft.com/office/drawing/2014/main" id="{E93D4FCF-9CC8-B4D6-7AE0-11BB0C6C59D3}"/>
-              </a:ext>
-            </a:extLst>
-          </p:cNvPr>
-          <p:cNvSpPr>
-            <a:spLocks noGrp="1" noRot="1" noChangeAspect="1"/>
-          </p:cNvSpPr>
-          <p:nvPr>
-            <p:ph type="sldImg" idx="2"/>
-          </p:nvPr>
-        </p:nvSpPr>
-        <p:spPr>
-          <a:xfrm>
-            <a:off x="381000" y="685800"/>
-            <a:ext cx="6096000" cy="3429000"/>
-          </a:xfrm>
-          <a:custGeom>
-            <a:avLst/>
-            <a:gdLst/>
-            <a:ahLst/>
-            <a:cxnLst/>
-            <a:rect l="l" t="t" r="r" b="b"/>
-            <a:pathLst>
-              <a:path w="120000" h="120000" extrusionOk="0">
-                <a:moveTo>
-                  <a:pt x="0" y="0"/>
-                </a:moveTo>
-                <a:lnTo>
-                  <a:pt x="120000" y="0"/>
-                </a:lnTo>
-                <a:lnTo>
-                  <a:pt x="120000" y="120000"/>
-                </a:lnTo>
-                <a:lnTo>
-                  <a:pt x="0" y="120000"/>
-                </a:lnTo>
-                <a:close/>
-              </a:path>
-            </a:pathLst>
-          </a:custGeom>
-        </p:spPr>
-      </p:sp>
-      <p:sp>
-        <p:nvSpPr>
-          <p:cNvPr id="561" name="Google Shape;561;g6f0744aa72_0_66:notes">
-            <a:extLst>
-              <a:ext uri="{FF2B5EF4-FFF2-40B4-BE49-F238E27FC236}">
-                <a16:creationId xmlns:a16="http://schemas.microsoft.com/office/drawing/2014/main" id="{0EB3BAF0-5A20-AD9F-84D4-01B0CBB1AE0F}"/>
-              </a:ext>
-            </a:extLst>
-          </p:cNvPr>
-          <p:cNvSpPr txBox="1">
-            <a:spLocks noGrp="1"/>
-          </p:cNvSpPr>
-          <p:nvPr>
-            <p:ph type="body" idx="1"/>
-          </p:nvPr>
-        </p:nvSpPr>
-        <p:spPr>
-          <a:xfrm>
-            <a:off x="685800" y="4343400"/>
-            <a:ext cx="5486400" cy="4114800"/>
-          </a:xfrm>
-          <a:prstGeom prst="rect">
-            <a:avLst/>
-          </a:prstGeom>
-        </p:spPr>
-        <p:txBody>
-          <a:bodyPr spcFirstLastPara="1" wrap="square" lIns="91425" tIns="91425" rIns="91425" bIns="91425" anchor="t" anchorCtr="0">
-            <a:noAutofit/>
-          </a:bodyPr>
-          <a:lstStyle/>
-          <a:p>
-            <a:pPr marL="0" lvl="0" indent="0" algn="l" rtl="0">
-              <a:spcBef>
-                <a:spcPts val="0"/>
-              </a:spcBef>
-              <a:spcAft>
-                <a:spcPts val="0"/>
-              </a:spcAft>
-              <a:buNone/>
-            </a:pPr>
-            <a:endParaRPr/>
-          </a:p>
-        </p:txBody>
-      </p:sp>
-    </p:spTree>
-    <p:extLst>
-      <p:ext uri="{BB962C8B-B14F-4D97-AF65-F5344CB8AC3E}">
-        <p14:creationId xmlns:p14="http://schemas.microsoft.com/office/powerpoint/2010/main" val="1254110826"/>
-      </p:ext>
-    </p:extLst>
-  </p:cSld>
-  <p:clrMapOvr>
-    <a:masterClrMapping/>
-  </p:clrMapOvr>
-</p:notes>
-</file>
-
-<file path=ppt/notesSlides/notesSlide13.xml><?xml version="1.0" encoding="utf-8"?>
-<p:notes xmlns:a="http://schemas.openxmlformats.org/drawingml/2006/main" xmlns:r="http://schemas.openxmlformats.org/officeDocument/2006/relationships" xmlns:p="http://schemas.openxmlformats.org/presentationml/2006/main" showMasterSp="0" showMasterPhAnim="0">
-  <p:cSld>
-    <p:spTree>
-      <p:nvGrpSpPr>
-        <p:cNvPr id="1" name="Shape 766">
-          <a:extLst>
-            <a:ext uri="{FF2B5EF4-FFF2-40B4-BE49-F238E27FC236}">
-              <a16:creationId xmlns:a16="http://schemas.microsoft.com/office/drawing/2014/main" id="{BBD150D7-5FB6-C675-534D-3FA26E84DD29}"/>
-            </a:ext>
-          </a:extLst>
-        </p:cNvPr>
-        <p:cNvGrpSpPr/>
-        <p:nvPr/>
-      </p:nvGrpSpPr>
-      <p:grpSpPr>
-        <a:xfrm>
-          <a:off x="0" y="0"/>
-          <a:ext cx="0" cy="0"/>
-          <a:chOff x="0" y="0"/>
-          <a:chExt cx="0" cy="0"/>
-        </a:xfrm>
-      </p:grpSpPr>
-      <p:sp>
-        <p:nvSpPr>
-          <p:cNvPr id="767" name="Google Shape;767;g6f0744aa72_0_235:notes">
-            <a:extLst>
-              <a:ext uri="{FF2B5EF4-FFF2-40B4-BE49-F238E27FC236}">
-                <a16:creationId xmlns:a16="http://schemas.microsoft.com/office/drawing/2014/main" id="{38A2768C-C2E3-7011-E5C2-F6BB86F6AEA4}"/>
-              </a:ext>
-            </a:extLst>
-          </p:cNvPr>
-          <p:cNvSpPr>
-            <a:spLocks noGrp="1" noRot="1" noChangeAspect="1"/>
-          </p:cNvSpPr>
-          <p:nvPr>
-            <p:ph type="sldImg" idx="2"/>
-          </p:nvPr>
-        </p:nvSpPr>
-        <p:spPr>
-          <a:xfrm>
-            <a:off x="381000" y="685800"/>
-            <a:ext cx="6096000" cy="3429000"/>
-          </a:xfrm>
-          <a:custGeom>
-            <a:avLst/>
-            <a:gdLst/>
-            <a:ahLst/>
-            <a:cxnLst/>
-            <a:rect l="l" t="t" r="r" b="b"/>
-            <a:pathLst>
-              <a:path w="120000" h="120000" extrusionOk="0">
-                <a:moveTo>
-                  <a:pt x="0" y="0"/>
-                </a:moveTo>
-                <a:lnTo>
-                  <a:pt x="120000" y="0"/>
-                </a:lnTo>
-                <a:lnTo>
-                  <a:pt x="120000" y="120000"/>
-                </a:lnTo>
-                <a:lnTo>
-                  <a:pt x="0" y="120000"/>
-                </a:lnTo>
-                <a:close/>
-              </a:path>
-            </a:pathLst>
-          </a:custGeom>
-        </p:spPr>
-      </p:sp>
-      <p:sp>
-        <p:nvSpPr>
-          <p:cNvPr id="768" name="Google Shape;768;g6f0744aa72_0_235:notes">
-            <a:extLst>
-              <a:ext uri="{FF2B5EF4-FFF2-40B4-BE49-F238E27FC236}">
-                <a16:creationId xmlns:a16="http://schemas.microsoft.com/office/drawing/2014/main" id="{4A205EE1-B108-5931-60D4-34E75E8F3090}"/>
-              </a:ext>
-            </a:extLst>
-          </p:cNvPr>
-          <p:cNvSpPr txBox="1">
-            <a:spLocks noGrp="1"/>
-          </p:cNvSpPr>
-          <p:nvPr>
-            <p:ph type="body" idx="1"/>
-          </p:nvPr>
-        </p:nvSpPr>
-        <p:spPr>
-          <a:xfrm>
-            <a:off x="685800" y="4343400"/>
-            <a:ext cx="5486400" cy="4114800"/>
-          </a:xfrm>
-          <a:prstGeom prst="rect">
-            <a:avLst/>
-          </a:prstGeom>
-        </p:spPr>
-        <p:txBody>
-          <a:bodyPr spcFirstLastPara="1" wrap="square" lIns="91425" tIns="91425" rIns="91425" bIns="91425" anchor="t" anchorCtr="0">
-            <a:noAutofit/>
-          </a:bodyPr>
-          <a:lstStyle/>
-          <a:p>
-            <a:pPr marL="0" lvl="0" indent="0" algn="l" rtl="0">
-              <a:spcBef>
-                <a:spcPts val="0"/>
-              </a:spcBef>
-              <a:spcAft>
-                <a:spcPts val="0"/>
-              </a:spcAft>
-              <a:buNone/>
-            </a:pPr>
-            <a:endParaRPr/>
-          </a:p>
-        </p:txBody>
-      </p:sp>
-    </p:spTree>
-    <p:extLst>
-      <p:ext uri="{BB962C8B-B14F-4D97-AF65-F5344CB8AC3E}">
-        <p14:creationId xmlns:p14="http://schemas.microsoft.com/office/powerpoint/2010/main" val="2723384387"/>
-      </p:ext>
-    </p:extLst>
-  </p:cSld>
-  <p:clrMapOvr>
-    <a:masterClrMapping/>
-  </p:clrMapOvr>
-</p:notes>
-</file>
-
-<file path=ppt/notesSlides/notesSlide14.xml><?xml version="1.0" encoding="utf-8"?>
-<p:notes xmlns:a="http://schemas.openxmlformats.org/drawingml/2006/main" xmlns:r="http://schemas.openxmlformats.org/officeDocument/2006/relationships" xmlns:p="http://schemas.openxmlformats.org/presentationml/2006/main" showMasterSp="0" showMasterPhAnim="0">
-  <p:cSld>
-    <p:spTree>
-      <p:nvGrpSpPr>
-        <p:cNvPr id="1" name="Shape 766">
-          <a:extLst>
-            <a:ext uri="{FF2B5EF4-FFF2-40B4-BE49-F238E27FC236}">
-              <a16:creationId xmlns:a16="http://schemas.microsoft.com/office/drawing/2014/main" id="{C254259D-8DC2-E347-9B9D-3D339419E80A}"/>
-            </a:ext>
-          </a:extLst>
-        </p:cNvPr>
-        <p:cNvGrpSpPr/>
-        <p:nvPr/>
-      </p:nvGrpSpPr>
-      <p:grpSpPr>
-        <a:xfrm>
-          <a:off x="0" y="0"/>
-          <a:ext cx="0" cy="0"/>
-          <a:chOff x="0" y="0"/>
-          <a:chExt cx="0" cy="0"/>
-        </a:xfrm>
-      </p:grpSpPr>
-      <p:sp>
-        <p:nvSpPr>
-          <p:cNvPr id="767" name="Google Shape;767;g6f0744aa72_0_235:notes">
-            <a:extLst>
-              <a:ext uri="{FF2B5EF4-FFF2-40B4-BE49-F238E27FC236}">
-                <a16:creationId xmlns:a16="http://schemas.microsoft.com/office/drawing/2014/main" id="{8B35AB91-6520-8DFB-D459-EB07C15DF5AD}"/>
-              </a:ext>
-            </a:extLst>
-          </p:cNvPr>
-          <p:cNvSpPr>
-            <a:spLocks noGrp="1" noRot="1" noChangeAspect="1"/>
-          </p:cNvSpPr>
-          <p:nvPr>
-            <p:ph type="sldImg" idx="2"/>
-          </p:nvPr>
-        </p:nvSpPr>
-        <p:spPr>
-          <a:xfrm>
-            <a:off x="381000" y="685800"/>
-            <a:ext cx="6096000" cy="3429000"/>
-          </a:xfrm>
-          <a:custGeom>
-            <a:avLst/>
-            <a:gdLst/>
-            <a:ahLst/>
-            <a:cxnLst/>
-            <a:rect l="l" t="t" r="r" b="b"/>
-            <a:pathLst>
-              <a:path w="120000" h="120000" extrusionOk="0">
-                <a:moveTo>
-                  <a:pt x="0" y="0"/>
-                </a:moveTo>
-                <a:lnTo>
-                  <a:pt x="120000" y="0"/>
-                </a:lnTo>
-                <a:lnTo>
-                  <a:pt x="120000" y="120000"/>
-                </a:lnTo>
-                <a:lnTo>
-                  <a:pt x="0" y="120000"/>
-                </a:lnTo>
-                <a:close/>
-              </a:path>
-            </a:pathLst>
-          </a:custGeom>
-        </p:spPr>
-      </p:sp>
-      <p:sp>
-        <p:nvSpPr>
-          <p:cNvPr id="768" name="Google Shape;768;g6f0744aa72_0_235:notes">
-            <a:extLst>
-              <a:ext uri="{FF2B5EF4-FFF2-40B4-BE49-F238E27FC236}">
-                <a16:creationId xmlns:a16="http://schemas.microsoft.com/office/drawing/2014/main" id="{1E9F895A-9D06-1B58-AFC0-DB783820CFC9}"/>
-              </a:ext>
-            </a:extLst>
-          </p:cNvPr>
-          <p:cNvSpPr txBox="1">
-            <a:spLocks noGrp="1"/>
-          </p:cNvSpPr>
-          <p:nvPr>
-            <p:ph type="body" idx="1"/>
-          </p:nvPr>
-        </p:nvSpPr>
-        <p:spPr>
-          <a:xfrm>
-            <a:off x="685800" y="4343400"/>
-            <a:ext cx="5486400" cy="4114800"/>
-          </a:xfrm>
-          <a:prstGeom prst="rect">
-            <a:avLst/>
-          </a:prstGeom>
-        </p:spPr>
-        <p:txBody>
-          <a:bodyPr spcFirstLastPara="1" wrap="square" lIns="91425" tIns="91425" rIns="91425" bIns="91425" anchor="t" anchorCtr="0">
-            <a:noAutofit/>
-          </a:bodyPr>
-          <a:lstStyle/>
-          <a:p>
-            <a:pPr marL="0" lvl="0" indent="0" algn="l" rtl="0">
-              <a:spcBef>
-                <a:spcPts val="0"/>
-              </a:spcBef>
-              <a:spcAft>
-                <a:spcPts val="0"/>
-              </a:spcAft>
-              <a:buNone/>
-            </a:pPr>
-            <a:endParaRPr/>
-          </a:p>
-        </p:txBody>
-      </p:sp>
-    </p:spTree>
-    <p:extLst>
-      <p:ext uri="{BB962C8B-B14F-4D97-AF65-F5344CB8AC3E}">
-        <p14:creationId xmlns:p14="http://schemas.microsoft.com/office/powerpoint/2010/main" val="3433960286"/>
-      </p:ext>
-    </p:extLst>
-  </p:cSld>
-  <p:clrMapOvr>
-    <a:masterClrMapping/>
-  </p:clrMapOvr>
-</p:notes>
-</file>
-
-<file path=ppt/notesSlides/notesSlide15.xml><?xml version="1.0" encoding="utf-8"?>
-<p:notes xmlns:a="http://schemas.openxmlformats.org/drawingml/2006/main" xmlns:r="http://schemas.openxmlformats.org/officeDocument/2006/relationships" xmlns:p="http://schemas.openxmlformats.org/presentationml/2006/main" showMasterSp="0" showMasterPhAnim="0">
-  <p:cSld>
-    <p:spTree>
-      <p:nvGrpSpPr>
-        <p:cNvPr id="1" name="Shape 766">
-          <a:extLst>
-            <a:ext uri="{FF2B5EF4-FFF2-40B4-BE49-F238E27FC236}">
-              <a16:creationId xmlns:a16="http://schemas.microsoft.com/office/drawing/2014/main" id="{8480EC38-94FB-E925-92FE-C12FA2BF0742}"/>
-            </a:ext>
-          </a:extLst>
-        </p:cNvPr>
-        <p:cNvGrpSpPr/>
-        <p:nvPr/>
-      </p:nvGrpSpPr>
-      <p:grpSpPr>
-        <a:xfrm>
-          <a:off x="0" y="0"/>
-          <a:ext cx="0" cy="0"/>
-          <a:chOff x="0" y="0"/>
-          <a:chExt cx="0" cy="0"/>
-        </a:xfrm>
-      </p:grpSpPr>
-      <p:sp>
-        <p:nvSpPr>
-          <p:cNvPr id="767" name="Google Shape;767;g6f0744aa72_0_235:notes">
-            <a:extLst>
-              <a:ext uri="{FF2B5EF4-FFF2-40B4-BE49-F238E27FC236}">
-                <a16:creationId xmlns:a16="http://schemas.microsoft.com/office/drawing/2014/main" id="{299C57AF-E5E3-0E32-FC77-4599DA8F03B5}"/>
-              </a:ext>
-            </a:extLst>
-          </p:cNvPr>
-          <p:cNvSpPr>
-            <a:spLocks noGrp="1" noRot="1" noChangeAspect="1"/>
-          </p:cNvSpPr>
-          <p:nvPr>
-            <p:ph type="sldImg" idx="2"/>
-          </p:nvPr>
-        </p:nvSpPr>
-        <p:spPr>
-          <a:xfrm>
-            <a:off x="381000" y="685800"/>
-            <a:ext cx="6096000" cy="3429000"/>
-          </a:xfrm>
-          <a:custGeom>
-            <a:avLst/>
-            <a:gdLst/>
-            <a:ahLst/>
-            <a:cxnLst/>
-            <a:rect l="l" t="t" r="r" b="b"/>
-            <a:pathLst>
-              <a:path w="120000" h="120000" extrusionOk="0">
-                <a:moveTo>
-                  <a:pt x="0" y="0"/>
-                </a:moveTo>
-                <a:lnTo>
-                  <a:pt x="120000" y="0"/>
-                </a:lnTo>
-                <a:lnTo>
-                  <a:pt x="120000" y="120000"/>
-                </a:lnTo>
-                <a:lnTo>
-                  <a:pt x="0" y="120000"/>
-                </a:lnTo>
-                <a:close/>
-              </a:path>
-            </a:pathLst>
-          </a:custGeom>
-        </p:spPr>
-      </p:sp>
-      <p:sp>
-        <p:nvSpPr>
-          <p:cNvPr id="768" name="Google Shape;768;g6f0744aa72_0_235:notes">
-            <a:extLst>
-              <a:ext uri="{FF2B5EF4-FFF2-40B4-BE49-F238E27FC236}">
-                <a16:creationId xmlns:a16="http://schemas.microsoft.com/office/drawing/2014/main" id="{CA5D9EA5-9DB9-005D-70C4-A9CC53AC99BE}"/>
-              </a:ext>
-            </a:extLst>
-          </p:cNvPr>
-          <p:cNvSpPr txBox="1">
-            <a:spLocks noGrp="1"/>
-          </p:cNvSpPr>
-          <p:nvPr>
-            <p:ph type="body" idx="1"/>
-          </p:nvPr>
-        </p:nvSpPr>
-        <p:spPr>
-          <a:xfrm>
-            <a:off x="685800" y="4343400"/>
-            <a:ext cx="5486400" cy="4114800"/>
-          </a:xfrm>
-          <a:prstGeom prst="rect">
-            <a:avLst/>
-          </a:prstGeom>
-        </p:spPr>
-        <p:txBody>
-          <a:bodyPr spcFirstLastPara="1" wrap="square" lIns="91425" tIns="91425" rIns="91425" bIns="91425" anchor="t" anchorCtr="0">
-            <a:noAutofit/>
-          </a:bodyPr>
-          <a:lstStyle/>
-          <a:p>
-            <a:pPr marL="0" lvl="0" indent="0" algn="l" rtl="0">
-              <a:spcBef>
-                <a:spcPts val="0"/>
-              </a:spcBef>
-              <a:spcAft>
-                <a:spcPts val="0"/>
-              </a:spcAft>
-              <a:buNone/>
-            </a:pPr>
-            <a:endParaRPr/>
-          </a:p>
-        </p:txBody>
-      </p:sp>
-    </p:spTree>
-    <p:extLst>
-      <p:ext uri="{BB962C8B-B14F-4D97-AF65-F5344CB8AC3E}">
-        <p14:creationId xmlns:p14="http://schemas.microsoft.com/office/powerpoint/2010/main" val="789175366"/>
-      </p:ext>
-    </p:extLst>
-  </p:cSld>
-  <p:clrMapOvr>
-    <a:masterClrMapping/>
-  </p:clrMapOvr>
-</p:notes>
-</file>
-
 <file path=ppt/notesSlides/notesSlide2.xml><?xml version="1.0" encoding="utf-8"?>
 <p:notes xmlns:a="http://schemas.openxmlformats.org/drawingml/2006/main" xmlns:r="http://schemas.openxmlformats.org/officeDocument/2006/relationships" xmlns:p="http://schemas.openxmlformats.org/presentationml/2006/main" showMasterSp="0" showMasterPhAnim="0">
   <p:cSld>
@@ -3032,322 +2252,10 @@
   <p:cSld>
     <p:spTree>
       <p:nvGrpSpPr>
-        <p:cNvPr id="1" name="Shape 559"/>
-        <p:cNvGrpSpPr/>
-        <p:nvPr/>
-      </p:nvGrpSpPr>
-      <p:grpSpPr>
-        <a:xfrm>
-          <a:off x="0" y="0"/>
-          <a:ext cx="0" cy="0"/>
-          <a:chOff x="0" y="0"/>
-          <a:chExt cx="0" cy="0"/>
-        </a:xfrm>
-      </p:grpSpPr>
-      <p:sp>
-        <p:nvSpPr>
-          <p:cNvPr id="560" name="Google Shape;560;g6f0744aa72_0_66:notes"/>
-          <p:cNvSpPr>
-            <a:spLocks noGrp="1" noRot="1" noChangeAspect="1"/>
-          </p:cNvSpPr>
-          <p:nvPr>
-            <p:ph type="sldImg" idx="2"/>
-          </p:nvPr>
-        </p:nvSpPr>
-        <p:spPr>
-          <a:xfrm>
-            <a:off x="381000" y="685800"/>
-            <a:ext cx="6096000" cy="3429000"/>
-          </a:xfrm>
-          <a:custGeom>
-            <a:avLst/>
-            <a:gdLst/>
-            <a:ahLst/>
-            <a:cxnLst/>
-            <a:rect l="l" t="t" r="r" b="b"/>
-            <a:pathLst>
-              <a:path w="120000" h="120000" extrusionOk="0">
-                <a:moveTo>
-                  <a:pt x="0" y="0"/>
-                </a:moveTo>
-                <a:lnTo>
-                  <a:pt x="120000" y="0"/>
-                </a:lnTo>
-                <a:lnTo>
-                  <a:pt x="120000" y="120000"/>
-                </a:lnTo>
-                <a:lnTo>
-                  <a:pt x="0" y="120000"/>
-                </a:lnTo>
-                <a:close/>
-              </a:path>
-            </a:pathLst>
-          </a:custGeom>
-        </p:spPr>
-      </p:sp>
-      <p:sp>
-        <p:nvSpPr>
-          <p:cNvPr id="561" name="Google Shape;561;g6f0744aa72_0_66:notes"/>
-          <p:cNvSpPr txBox="1">
-            <a:spLocks noGrp="1"/>
-          </p:cNvSpPr>
-          <p:nvPr>
-            <p:ph type="body" idx="1"/>
-          </p:nvPr>
-        </p:nvSpPr>
-        <p:spPr>
-          <a:xfrm>
-            <a:off x="685800" y="4343400"/>
-            <a:ext cx="5486400" cy="4114800"/>
-          </a:xfrm>
-          <a:prstGeom prst="rect">
-            <a:avLst/>
-          </a:prstGeom>
-        </p:spPr>
-        <p:txBody>
-          <a:bodyPr spcFirstLastPara="1" wrap="square" lIns="91425" tIns="91425" rIns="91425" bIns="91425" anchor="t" anchorCtr="0">
-            <a:noAutofit/>
-          </a:bodyPr>
-          <a:lstStyle/>
-          <a:p>
-            <a:pPr marL="0" lvl="0" indent="0" algn="l" rtl="0">
-              <a:spcBef>
-                <a:spcPts val="0"/>
-              </a:spcBef>
-              <a:spcAft>
-                <a:spcPts val="0"/>
-              </a:spcAft>
-              <a:buNone/>
-            </a:pPr>
-            <a:endParaRPr/>
-          </a:p>
-        </p:txBody>
-      </p:sp>
-    </p:spTree>
-  </p:cSld>
-  <p:clrMapOvr>
-    <a:masterClrMapping/>
-  </p:clrMapOvr>
-</p:notes>
-</file>
-
-<file path=ppt/notesSlides/notesSlide5.xml><?xml version="1.0" encoding="utf-8"?>
-<p:notes xmlns:a="http://schemas.openxmlformats.org/drawingml/2006/main" xmlns:r="http://schemas.openxmlformats.org/officeDocument/2006/relationships" xmlns:p="http://schemas.openxmlformats.org/presentationml/2006/main" showMasterSp="0" showMasterPhAnim="0">
-  <p:cSld>
-    <p:spTree>
-      <p:nvGrpSpPr>
-        <p:cNvPr id="1" name="Shape 377"/>
-        <p:cNvGrpSpPr/>
-        <p:nvPr/>
-      </p:nvGrpSpPr>
-      <p:grpSpPr>
-        <a:xfrm>
-          <a:off x="0" y="0"/>
-          <a:ext cx="0" cy="0"/>
-          <a:chOff x="0" y="0"/>
-          <a:chExt cx="0" cy="0"/>
-        </a:xfrm>
-      </p:grpSpPr>
-      <p:sp>
-        <p:nvSpPr>
-          <p:cNvPr id="378" name="Google Shape;378;g6ed1775e42_0_33:notes"/>
-          <p:cNvSpPr>
-            <a:spLocks noGrp="1" noRot="1" noChangeAspect="1"/>
-          </p:cNvSpPr>
-          <p:nvPr>
-            <p:ph type="sldImg" idx="2"/>
-          </p:nvPr>
-        </p:nvSpPr>
-        <p:spPr>
-          <a:xfrm>
-            <a:off x="381000" y="685800"/>
-            <a:ext cx="6096000" cy="3429000"/>
-          </a:xfrm>
-          <a:custGeom>
-            <a:avLst/>
-            <a:gdLst/>
-            <a:ahLst/>
-            <a:cxnLst/>
-            <a:rect l="l" t="t" r="r" b="b"/>
-            <a:pathLst>
-              <a:path w="120000" h="120000" extrusionOk="0">
-                <a:moveTo>
-                  <a:pt x="0" y="0"/>
-                </a:moveTo>
-                <a:lnTo>
-                  <a:pt x="120000" y="0"/>
-                </a:lnTo>
-                <a:lnTo>
-                  <a:pt x="120000" y="120000"/>
-                </a:lnTo>
-                <a:lnTo>
-                  <a:pt x="0" y="120000"/>
-                </a:lnTo>
-                <a:close/>
-              </a:path>
-            </a:pathLst>
-          </a:custGeom>
-        </p:spPr>
-      </p:sp>
-      <p:sp>
-        <p:nvSpPr>
-          <p:cNvPr id="379" name="Google Shape;379;g6ed1775e42_0_33:notes"/>
-          <p:cNvSpPr txBox="1">
-            <a:spLocks noGrp="1"/>
-          </p:cNvSpPr>
-          <p:nvPr>
-            <p:ph type="body" idx="1"/>
-          </p:nvPr>
-        </p:nvSpPr>
-        <p:spPr>
-          <a:xfrm>
-            <a:off x="685800" y="4343400"/>
-            <a:ext cx="5486400" cy="4114800"/>
-          </a:xfrm>
-          <a:prstGeom prst="rect">
-            <a:avLst/>
-          </a:prstGeom>
-        </p:spPr>
-        <p:txBody>
-          <a:bodyPr spcFirstLastPara="1" wrap="square" lIns="91425" tIns="91425" rIns="91425" bIns="91425" anchor="t" anchorCtr="0">
-            <a:noAutofit/>
-          </a:bodyPr>
-          <a:lstStyle/>
-          <a:p>
-            <a:pPr marL="0" lvl="0" indent="0" algn="l" rtl="0">
-              <a:spcBef>
-                <a:spcPts val="0"/>
-              </a:spcBef>
-              <a:spcAft>
-                <a:spcPts val="0"/>
-              </a:spcAft>
-              <a:buNone/>
-            </a:pPr>
-            <a:endParaRPr/>
-          </a:p>
-        </p:txBody>
-      </p:sp>
-    </p:spTree>
-  </p:cSld>
-  <p:clrMapOvr>
-    <a:masterClrMapping/>
-  </p:clrMapOvr>
-</p:notes>
-</file>
-
-<file path=ppt/notesSlides/notesSlide6.xml><?xml version="1.0" encoding="utf-8"?>
-<p:notes xmlns:a="http://schemas.openxmlformats.org/drawingml/2006/main" xmlns:r="http://schemas.openxmlformats.org/officeDocument/2006/relationships" xmlns:p="http://schemas.openxmlformats.org/presentationml/2006/main" showMasterSp="0" showMasterPhAnim="0">
-  <p:cSld>
-    <p:spTree>
-      <p:nvGrpSpPr>
-        <p:cNvPr id="1" name="Shape 465"/>
-        <p:cNvGrpSpPr/>
-        <p:nvPr/>
-      </p:nvGrpSpPr>
-      <p:grpSpPr>
-        <a:xfrm>
-          <a:off x="0" y="0"/>
-          <a:ext cx="0" cy="0"/>
-          <a:chOff x="0" y="0"/>
-          <a:chExt cx="0" cy="0"/>
-        </a:xfrm>
-      </p:grpSpPr>
-      <p:sp>
-        <p:nvSpPr>
-          <p:cNvPr id="466" name="Google Shape;466;g6f0744aa72_0_0:notes"/>
-          <p:cNvSpPr>
-            <a:spLocks noGrp="1" noRot="1" noChangeAspect="1"/>
-          </p:cNvSpPr>
-          <p:nvPr>
-            <p:ph type="sldImg" idx="2"/>
-          </p:nvPr>
-        </p:nvSpPr>
-        <p:spPr>
-          <a:xfrm>
-            <a:off x="381000" y="685800"/>
-            <a:ext cx="6096000" cy="3429000"/>
-          </a:xfrm>
-          <a:custGeom>
-            <a:avLst/>
-            <a:gdLst/>
-            <a:ahLst/>
-            <a:cxnLst/>
-            <a:rect l="l" t="t" r="r" b="b"/>
-            <a:pathLst>
-              <a:path w="120000" h="120000" extrusionOk="0">
-                <a:moveTo>
-                  <a:pt x="0" y="0"/>
-                </a:moveTo>
-                <a:lnTo>
-                  <a:pt x="120000" y="0"/>
-                </a:lnTo>
-                <a:lnTo>
-                  <a:pt x="120000" y="120000"/>
-                </a:lnTo>
-                <a:lnTo>
-                  <a:pt x="0" y="120000"/>
-                </a:lnTo>
-                <a:close/>
-              </a:path>
-            </a:pathLst>
-          </a:custGeom>
-        </p:spPr>
-      </p:sp>
-      <p:sp>
-        <p:nvSpPr>
-          <p:cNvPr id="467" name="Google Shape;467;g6f0744aa72_0_0:notes"/>
-          <p:cNvSpPr txBox="1">
-            <a:spLocks noGrp="1"/>
-          </p:cNvSpPr>
-          <p:nvPr>
-            <p:ph type="body" idx="1"/>
-          </p:nvPr>
-        </p:nvSpPr>
-        <p:spPr>
-          <a:xfrm>
-            <a:off x="685800" y="4343400"/>
-            <a:ext cx="5486400" cy="4114800"/>
-          </a:xfrm>
-          <a:prstGeom prst="rect">
-            <a:avLst/>
-          </a:prstGeom>
-        </p:spPr>
-        <p:txBody>
-          <a:bodyPr spcFirstLastPara="1" wrap="square" lIns="91425" tIns="91425" rIns="91425" bIns="91425" anchor="t" anchorCtr="0">
-            <a:noAutofit/>
-          </a:bodyPr>
-          <a:lstStyle/>
-          <a:p>
-            <a:pPr marL="0" lvl="0" indent="0" algn="l" rtl="0">
-              <a:spcBef>
-                <a:spcPts val="0"/>
-              </a:spcBef>
-              <a:spcAft>
-                <a:spcPts val="0"/>
-              </a:spcAft>
-              <a:buNone/>
-            </a:pPr>
-            <a:endParaRPr/>
-          </a:p>
-        </p:txBody>
-      </p:sp>
-    </p:spTree>
-  </p:cSld>
-  <p:clrMapOvr>
-    <a:masterClrMapping/>
-  </p:clrMapOvr>
-</p:notes>
-</file>
-
-<file path=ppt/notesSlides/notesSlide7.xml><?xml version="1.0" encoding="utf-8"?>
-<p:notes xmlns:a="http://schemas.openxmlformats.org/drawingml/2006/main" xmlns:r="http://schemas.openxmlformats.org/officeDocument/2006/relationships" xmlns:p="http://schemas.openxmlformats.org/presentationml/2006/main" showMasterSp="0" showMasterPhAnim="0">
-  <p:cSld>
-    <p:spTree>
-      <p:nvGrpSpPr>
-        <p:cNvPr id="1" name="Shape 559">
+        <p:cNvPr id="1" name="Shape 311">
           <a:extLst>
             <a:ext uri="{FF2B5EF4-FFF2-40B4-BE49-F238E27FC236}">
-              <a16:creationId xmlns:a16="http://schemas.microsoft.com/office/drawing/2014/main" id="{822A1A4D-D89F-596C-67F8-5AB96A553BE1}"/>
+              <a16:creationId xmlns:a16="http://schemas.microsoft.com/office/drawing/2014/main" id="{090240DC-AFFA-60C4-77A9-F849F9698CA8}"/>
             </a:ext>
           </a:extLst>
         </p:cNvPr>
@@ -3364,10 +2272,10 @@
       </p:grpSpPr>
       <p:sp>
         <p:nvSpPr>
-          <p:cNvPr id="560" name="Google Shape;560;g6f0744aa72_0_66:notes">
+          <p:cNvPr id="312" name="Google Shape;312;g6ed1775e42_0_13:notes">
             <a:extLst>
               <a:ext uri="{FF2B5EF4-FFF2-40B4-BE49-F238E27FC236}">
-                <a16:creationId xmlns:a16="http://schemas.microsoft.com/office/drawing/2014/main" id="{61A1A51A-1F7D-EE29-FCA4-4251B0E4313A}"/>
+                <a16:creationId xmlns:a16="http://schemas.microsoft.com/office/drawing/2014/main" id="{9DCAA7E3-5DF7-EE1B-76C3-44A79B4D2003}"/>
               </a:ext>
             </a:extLst>
           </p:cNvPr>
@@ -3411,10 +2319,10 @@
       </p:sp>
       <p:sp>
         <p:nvSpPr>
-          <p:cNvPr id="561" name="Google Shape;561;g6f0744aa72_0_66:notes">
+          <p:cNvPr id="313" name="Google Shape;313;g6ed1775e42_0_13:notes">
             <a:extLst>
               <a:ext uri="{FF2B5EF4-FFF2-40B4-BE49-F238E27FC236}">
-                <a16:creationId xmlns:a16="http://schemas.microsoft.com/office/drawing/2014/main" id="{67E627E6-C53B-B9BB-864C-C19FCCA4F3CE}"/>
+                <a16:creationId xmlns:a16="http://schemas.microsoft.com/office/drawing/2014/main" id="{46DA1D75-832B-BC60-929F-2D76DE499437}"/>
               </a:ext>
             </a:extLst>
           </p:cNvPr>
@@ -3456,7 +2364,7 @@
     </p:spTree>
     <p:extLst>
       <p:ext uri="{BB962C8B-B14F-4D97-AF65-F5344CB8AC3E}">
-        <p14:creationId xmlns:p14="http://schemas.microsoft.com/office/powerpoint/2010/main" val="363147899"/>
+        <p14:creationId xmlns:p14="http://schemas.microsoft.com/office/powerpoint/2010/main" val="1278698355"/>
       </p:ext>
     </p:extLst>
   </p:cSld>
@@ -3466,119 +2374,15 @@
 </p:notes>
 </file>
 
-<file path=ppt/notesSlides/notesSlide8.xml><?xml version="1.0" encoding="utf-8"?>
+<file path=ppt/notesSlides/notesSlide5.xml><?xml version="1.0" encoding="utf-8"?>
 <p:notes xmlns:a="http://schemas.openxmlformats.org/drawingml/2006/main" xmlns:r="http://schemas.openxmlformats.org/officeDocument/2006/relationships" xmlns:p="http://schemas.openxmlformats.org/presentationml/2006/main" showMasterSp="0" showMasterPhAnim="0">
   <p:cSld>
     <p:spTree>
       <p:nvGrpSpPr>
-        <p:cNvPr id="1" name="Shape 766"/>
-        <p:cNvGrpSpPr/>
-        <p:nvPr/>
-      </p:nvGrpSpPr>
-      <p:grpSpPr>
-        <a:xfrm>
-          <a:off x="0" y="0"/>
-          <a:ext cx="0" cy="0"/>
-          <a:chOff x="0" y="0"/>
-          <a:chExt cx="0" cy="0"/>
-        </a:xfrm>
-      </p:grpSpPr>
-      <p:sp>
-        <p:nvSpPr>
-          <p:cNvPr id="767" name="Google Shape;767;g6f0744aa72_0_235:notes"/>
-          <p:cNvSpPr>
-            <a:spLocks noGrp="1" noRot="1" noChangeAspect="1"/>
-          </p:cNvSpPr>
-          <p:nvPr>
-            <p:ph type="sldImg" idx="2"/>
-          </p:nvPr>
-        </p:nvSpPr>
-        <p:spPr>
-          <a:xfrm>
-            <a:off x="381000" y="685800"/>
-            <a:ext cx="6096000" cy="3429000"/>
-          </a:xfrm>
-          <a:custGeom>
-            <a:avLst/>
-            <a:gdLst/>
-            <a:ahLst/>
-            <a:cxnLst/>
-            <a:rect l="l" t="t" r="r" b="b"/>
-            <a:pathLst>
-              <a:path w="120000" h="120000" extrusionOk="0">
-                <a:moveTo>
-                  <a:pt x="0" y="0"/>
-                </a:moveTo>
-                <a:lnTo>
-                  <a:pt x="120000" y="0"/>
-                </a:lnTo>
-                <a:lnTo>
-                  <a:pt x="120000" y="120000"/>
-                </a:lnTo>
-                <a:lnTo>
-                  <a:pt x="0" y="120000"/>
-                </a:lnTo>
-                <a:close/>
-              </a:path>
-            </a:pathLst>
-          </a:custGeom>
-        </p:spPr>
-      </p:sp>
-      <p:sp>
-        <p:nvSpPr>
-          <p:cNvPr id="768" name="Google Shape;768;g6f0744aa72_0_235:notes"/>
-          <p:cNvSpPr txBox="1">
-            <a:spLocks noGrp="1"/>
-          </p:cNvSpPr>
-          <p:nvPr>
-            <p:ph type="body" idx="1"/>
-          </p:nvPr>
-        </p:nvSpPr>
-        <p:spPr>
-          <a:xfrm>
-            <a:off x="685800" y="4343400"/>
-            <a:ext cx="5486400" cy="4114800"/>
-          </a:xfrm>
-          <a:prstGeom prst="rect">
-            <a:avLst/>
-          </a:prstGeom>
-        </p:spPr>
-        <p:txBody>
-          <a:bodyPr spcFirstLastPara="1" wrap="square" lIns="91425" tIns="91425" rIns="91425" bIns="91425" anchor="t" anchorCtr="0">
-            <a:noAutofit/>
-          </a:bodyPr>
-          <a:lstStyle/>
-          <a:p>
-            <a:pPr marL="0" lvl="0" indent="0" algn="l" rtl="0">
-              <a:spcBef>
-                <a:spcPts val="0"/>
-              </a:spcBef>
-              <a:spcAft>
-                <a:spcPts val="0"/>
-              </a:spcAft>
-              <a:buNone/>
-            </a:pPr>
-            <a:endParaRPr/>
-          </a:p>
-        </p:txBody>
-      </p:sp>
-    </p:spTree>
-  </p:cSld>
-  <p:clrMapOvr>
-    <a:masterClrMapping/>
-  </p:clrMapOvr>
-</p:notes>
-</file>
-
-<file path=ppt/notesSlides/notesSlide9.xml><?xml version="1.0" encoding="utf-8"?>
-<p:notes xmlns:a="http://schemas.openxmlformats.org/drawingml/2006/main" xmlns:r="http://schemas.openxmlformats.org/officeDocument/2006/relationships" xmlns:p="http://schemas.openxmlformats.org/presentationml/2006/main" showMasterSp="0" showMasterPhAnim="0">
-  <p:cSld>
-    <p:spTree>
-      <p:nvGrpSpPr>
-        <p:cNvPr id="1" name="Shape 559">
+        <p:cNvPr id="1" name="Shape 311">
           <a:extLst>
             <a:ext uri="{FF2B5EF4-FFF2-40B4-BE49-F238E27FC236}">
-              <a16:creationId xmlns:a16="http://schemas.microsoft.com/office/drawing/2014/main" id="{E032DB50-9672-CEE5-9CF3-CF4F704F41FE}"/>
+              <a16:creationId xmlns:a16="http://schemas.microsoft.com/office/drawing/2014/main" id="{5A6F8A72-6E71-3E9C-DC01-463B23551EE9}"/>
             </a:ext>
           </a:extLst>
         </p:cNvPr>
@@ -3595,10 +2399,10 @@
       </p:grpSpPr>
       <p:sp>
         <p:nvSpPr>
-          <p:cNvPr id="560" name="Google Shape;560;g6f0744aa72_0_66:notes">
+          <p:cNvPr id="312" name="Google Shape;312;g6ed1775e42_0_13:notes">
             <a:extLst>
               <a:ext uri="{FF2B5EF4-FFF2-40B4-BE49-F238E27FC236}">
-                <a16:creationId xmlns:a16="http://schemas.microsoft.com/office/drawing/2014/main" id="{6EE4DB5C-7859-53DE-9EBB-E5F1DD6DE9BA}"/>
+                <a16:creationId xmlns:a16="http://schemas.microsoft.com/office/drawing/2014/main" id="{040865F4-2C47-CD5E-CA53-0FD86E137510}"/>
               </a:ext>
             </a:extLst>
           </p:cNvPr>
@@ -3642,10 +2446,10 @@
       </p:sp>
       <p:sp>
         <p:nvSpPr>
-          <p:cNvPr id="561" name="Google Shape;561;g6f0744aa72_0_66:notes">
+          <p:cNvPr id="313" name="Google Shape;313;g6ed1775e42_0_13:notes">
             <a:extLst>
               <a:ext uri="{FF2B5EF4-FFF2-40B4-BE49-F238E27FC236}">
-                <a16:creationId xmlns:a16="http://schemas.microsoft.com/office/drawing/2014/main" id="{68852805-7E2E-67CF-118E-E48C34E47C4B}"/>
+                <a16:creationId xmlns:a16="http://schemas.microsoft.com/office/drawing/2014/main" id="{26C4C410-F52F-444D-4489-21FA3BC64C4F}"/>
               </a:ext>
             </a:extLst>
           </p:cNvPr>
@@ -3687,7 +2491,7 @@
     </p:spTree>
     <p:extLst>
       <p:ext uri="{BB962C8B-B14F-4D97-AF65-F5344CB8AC3E}">
-        <p14:creationId xmlns:p14="http://schemas.microsoft.com/office/powerpoint/2010/main" val="1332688815"/>
+        <p14:creationId xmlns:p14="http://schemas.microsoft.com/office/powerpoint/2010/main" val="1611019021"/>
       </p:ext>
     </p:extLst>
   </p:cSld>
@@ -4025,582 +2829,7 @@
 </p:sldLayout>
 </file>
 
-<file path=ppt/slideLayouts/slideLayout10.xml><?xml version="1.0" encoding="utf-8"?>
-<p:sldLayout xmlns:a="http://schemas.openxmlformats.org/drawingml/2006/main" xmlns:r="http://schemas.openxmlformats.org/officeDocument/2006/relationships" xmlns:p="http://schemas.openxmlformats.org/presentationml/2006/main" matchingName="Background 2">
-  <p:cSld name="BLANK_1_1_1">
-    <p:spTree>
-      <p:nvGrpSpPr>
-        <p:cNvPr id="1" name="Shape 278"/>
-        <p:cNvGrpSpPr/>
-        <p:nvPr/>
-      </p:nvGrpSpPr>
-      <p:grpSpPr>
-        <a:xfrm>
-          <a:off x="0" y="0"/>
-          <a:ext cx="0" cy="0"/>
-          <a:chOff x="0" y="0"/>
-          <a:chExt cx="0" cy="0"/>
-        </a:xfrm>
-      </p:grpSpPr>
-      <p:pic>
-        <p:nvPicPr>
-          <p:cNvPr id="279" name="Google Shape;279;p47"/>
-          <p:cNvPicPr preferRelativeResize="0"/>
-          <p:nvPr/>
-        </p:nvPicPr>
-        <p:blipFill>
-          <a:blip r:embed="rId2">
-            <a:alphaModFix/>
-          </a:blip>
-          <a:stretch>
-            <a:fillRect/>
-          </a:stretch>
-        </p:blipFill>
-        <p:spPr>
-          <a:xfrm>
-            <a:off x="-76672" y="-827887"/>
-            <a:ext cx="6153101" cy="6799271"/>
-          </a:xfrm>
-          <a:prstGeom prst="rect">
-            <a:avLst/>
-          </a:prstGeom>
-          <a:noFill/>
-          <a:ln>
-            <a:noFill/>
-          </a:ln>
-        </p:spPr>
-      </p:pic>
-    </p:spTree>
-  </p:cSld>
-  <p:clrMapOvr>
-    <a:masterClrMapping/>
-  </p:clrMapOvr>
-</p:sldLayout>
-</file>
-
 <file path=ppt/slideLayouts/slideLayout2.xml><?xml version="1.0" encoding="utf-8"?>
-<p:sldLayout xmlns:a="http://schemas.openxmlformats.org/drawingml/2006/main" xmlns:r="http://schemas.openxmlformats.org/officeDocument/2006/relationships" xmlns:p="http://schemas.openxmlformats.org/presentationml/2006/main" matchingName="Title only" type="titleOnly">
-  <p:cSld name="TITLE_ONLY">
-    <p:spTree>
-      <p:nvGrpSpPr>
-        <p:cNvPr id="1" name="Shape 26"/>
-        <p:cNvGrpSpPr/>
-        <p:nvPr/>
-      </p:nvGrpSpPr>
-      <p:grpSpPr>
-        <a:xfrm>
-          <a:off x="0" y="0"/>
-          <a:ext cx="0" cy="0"/>
-          <a:chOff x="0" y="0"/>
-          <a:chExt cx="0" cy="0"/>
-        </a:xfrm>
-      </p:grpSpPr>
-      <p:pic>
-        <p:nvPicPr>
-          <p:cNvPr id="27" name="Google Shape;27;p6"/>
-          <p:cNvPicPr preferRelativeResize="0"/>
-          <p:nvPr/>
-        </p:nvPicPr>
-        <p:blipFill rotWithShape="1">
-          <a:blip r:embed="rId2">
-            <a:alphaModFix/>
-          </a:blip>
-          <a:srcRect r="8214"/>
-          <a:stretch/>
-        </p:blipFill>
-        <p:spPr>
-          <a:xfrm>
-            <a:off x="658750" y="-1397100"/>
-            <a:ext cx="7826501" cy="7437298"/>
-          </a:xfrm>
-          <a:prstGeom prst="rect">
-            <a:avLst/>
-          </a:prstGeom>
-          <a:noFill/>
-          <a:ln>
-            <a:noFill/>
-          </a:ln>
-        </p:spPr>
-      </p:pic>
-      <p:sp>
-        <p:nvSpPr>
-          <p:cNvPr id="28" name="Google Shape;28;p6"/>
-          <p:cNvSpPr txBox="1">
-            <a:spLocks noGrp="1"/>
-          </p:cNvSpPr>
-          <p:nvPr>
-            <p:ph type="title"/>
-          </p:nvPr>
-        </p:nvSpPr>
-        <p:spPr>
-          <a:xfrm>
-            <a:off x="2400850" y="378225"/>
-            <a:ext cx="5970300" cy="515100"/>
-          </a:xfrm>
-          <a:prstGeom prst="rect">
-            <a:avLst/>
-          </a:prstGeom>
-        </p:spPr>
-        <p:txBody>
-          <a:bodyPr spcFirstLastPara="1" wrap="square" lIns="91425" tIns="91425" rIns="91425" bIns="91425" anchor="t" anchorCtr="0">
-            <a:noAutofit/>
-          </a:bodyPr>
-          <a:lstStyle>
-            <a:lvl1pPr lvl="0" algn="r" rtl="0">
-              <a:spcBef>
-                <a:spcPts val="0"/>
-              </a:spcBef>
-              <a:spcAft>
-                <a:spcPts val="0"/>
-              </a:spcAft>
-              <a:buSzPts val="2100"/>
-              <a:buNone/>
-              <a:defRPr sz="2100"/>
-            </a:lvl1pPr>
-            <a:lvl2pPr lvl="1" algn="r" rtl="0">
-              <a:spcBef>
-                <a:spcPts val="0"/>
-              </a:spcBef>
-              <a:spcAft>
-                <a:spcPts val="0"/>
-              </a:spcAft>
-              <a:buSzPts val="2100"/>
-              <a:buNone/>
-              <a:defRPr sz="2100"/>
-            </a:lvl2pPr>
-            <a:lvl3pPr lvl="2" algn="r" rtl="0">
-              <a:spcBef>
-                <a:spcPts val="0"/>
-              </a:spcBef>
-              <a:spcAft>
-                <a:spcPts val="0"/>
-              </a:spcAft>
-              <a:buSzPts val="2100"/>
-              <a:buNone/>
-              <a:defRPr sz="2100"/>
-            </a:lvl3pPr>
-            <a:lvl4pPr lvl="3" algn="r" rtl="0">
-              <a:spcBef>
-                <a:spcPts val="0"/>
-              </a:spcBef>
-              <a:spcAft>
-                <a:spcPts val="0"/>
-              </a:spcAft>
-              <a:buSzPts val="2100"/>
-              <a:buNone/>
-              <a:defRPr sz="2100"/>
-            </a:lvl4pPr>
-            <a:lvl5pPr lvl="4" algn="r" rtl="0">
-              <a:spcBef>
-                <a:spcPts val="0"/>
-              </a:spcBef>
-              <a:spcAft>
-                <a:spcPts val="0"/>
-              </a:spcAft>
-              <a:buSzPts val="2100"/>
-              <a:buNone/>
-              <a:defRPr sz="2100"/>
-            </a:lvl5pPr>
-            <a:lvl6pPr lvl="5" algn="r" rtl="0">
-              <a:spcBef>
-                <a:spcPts val="0"/>
-              </a:spcBef>
-              <a:spcAft>
-                <a:spcPts val="0"/>
-              </a:spcAft>
-              <a:buSzPts val="2100"/>
-              <a:buNone/>
-              <a:defRPr sz="2100"/>
-            </a:lvl6pPr>
-            <a:lvl7pPr lvl="6" algn="r" rtl="0">
-              <a:spcBef>
-                <a:spcPts val="0"/>
-              </a:spcBef>
-              <a:spcAft>
-                <a:spcPts val="0"/>
-              </a:spcAft>
-              <a:buSzPts val="2100"/>
-              <a:buNone/>
-              <a:defRPr sz="2100"/>
-            </a:lvl7pPr>
-            <a:lvl8pPr lvl="7" algn="r" rtl="0">
-              <a:spcBef>
-                <a:spcPts val="0"/>
-              </a:spcBef>
-              <a:spcAft>
-                <a:spcPts val="0"/>
-              </a:spcAft>
-              <a:buSzPts val="2100"/>
-              <a:buNone/>
-              <a:defRPr sz="2100"/>
-            </a:lvl8pPr>
-            <a:lvl9pPr lvl="8" algn="r" rtl="0">
-              <a:spcBef>
-                <a:spcPts val="0"/>
-              </a:spcBef>
-              <a:spcAft>
-                <a:spcPts val="0"/>
-              </a:spcAft>
-              <a:buSzPts val="2100"/>
-              <a:buNone/>
-              <a:defRPr sz="2100"/>
-            </a:lvl9pPr>
-          </a:lstStyle>
-          <a:p>
-            <a:endParaRPr/>
-          </a:p>
-        </p:txBody>
-      </p:sp>
-    </p:spTree>
-  </p:cSld>
-  <p:clrMapOvr>
-    <a:masterClrMapping/>
-  </p:clrMapOvr>
-</p:sldLayout>
-</file>
-
-<file path=ppt/slideLayouts/slideLayout3.xml><?xml version="1.0" encoding="utf-8"?>
-<p:sldLayout xmlns:a="http://schemas.openxmlformats.org/drawingml/2006/main" xmlns:r="http://schemas.openxmlformats.org/officeDocument/2006/relationships" xmlns:p="http://schemas.openxmlformats.org/presentationml/2006/main" matchingName="Section title and description">
-  <p:cSld name="SECTION_TITLE_AND_DESCRIPTION">
-    <p:spTree>
-      <p:nvGrpSpPr>
-        <p:cNvPr id="1" name="Shape 39"/>
-        <p:cNvGrpSpPr/>
-        <p:nvPr/>
-      </p:nvGrpSpPr>
-      <p:grpSpPr>
-        <a:xfrm>
-          <a:off x="0" y="0"/>
-          <a:ext cx="0" cy="0"/>
-          <a:chOff x="0" y="0"/>
-          <a:chExt cx="0" cy="0"/>
-        </a:xfrm>
-      </p:grpSpPr>
-      <p:pic>
-        <p:nvPicPr>
-          <p:cNvPr id="40" name="Google Shape;40;p9"/>
-          <p:cNvPicPr preferRelativeResize="0"/>
-          <p:nvPr/>
-        </p:nvPicPr>
-        <p:blipFill>
-          <a:blip r:embed="rId2">
-            <a:alphaModFix amt="50000"/>
-          </a:blip>
-          <a:stretch>
-            <a:fillRect/>
-          </a:stretch>
-        </p:blipFill>
-        <p:spPr>
-          <a:xfrm>
-            <a:off x="-3192424" y="1047350"/>
-            <a:ext cx="12336426" cy="4096149"/>
-          </a:xfrm>
-          <a:prstGeom prst="rect">
-            <a:avLst/>
-          </a:prstGeom>
-          <a:noFill/>
-          <a:ln>
-            <a:noFill/>
-          </a:ln>
-        </p:spPr>
-      </p:pic>
-      <p:sp>
-        <p:nvSpPr>
-          <p:cNvPr id="41" name="Google Shape;41;p9"/>
-          <p:cNvSpPr txBox="1">
-            <a:spLocks noGrp="1"/>
-          </p:cNvSpPr>
-          <p:nvPr>
-            <p:ph type="title"/>
-          </p:nvPr>
-        </p:nvSpPr>
-        <p:spPr>
-          <a:xfrm>
-            <a:off x="4998775" y="1276500"/>
-            <a:ext cx="3355200" cy="755700"/>
-          </a:xfrm>
-          <a:prstGeom prst="rect">
-            <a:avLst/>
-          </a:prstGeom>
-        </p:spPr>
-        <p:txBody>
-          <a:bodyPr spcFirstLastPara="1" wrap="square" lIns="91425" tIns="91425" rIns="91425" bIns="91425" anchor="b" anchorCtr="0">
-            <a:noAutofit/>
-          </a:bodyPr>
-          <a:lstStyle>
-            <a:lvl1pPr lvl="0" rtl="0">
-              <a:spcBef>
-                <a:spcPts val="0"/>
-              </a:spcBef>
-              <a:spcAft>
-                <a:spcPts val="0"/>
-              </a:spcAft>
-              <a:buSzPts val="2400"/>
-              <a:buNone/>
-              <a:defRPr sz="3400"/>
-            </a:lvl1pPr>
-            <a:lvl2pPr lvl="1" rtl="0">
-              <a:spcBef>
-                <a:spcPts val="0"/>
-              </a:spcBef>
-              <a:spcAft>
-                <a:spcPts val="0"/>
-              </a:spcAft>
-              <a:buSzPts val="2400"/>
-              <a:buNone/>
-              <a:defRPr sz="2400"/>
-            </a:lvl2pPr>
-            <a:lvl3pPr lvl="2" rtl="0">
-              <a:spcBef>
-                <a:spcPts val="0"/>
-              </a:spcBef>
-              <a:spcAft>
-                <a:spcPts val="0"/>
-              </a:spcAft>
-              <a:buSzPts val="2400"/>
-              <a:buNone/>
-              <a:defRPr sz="2400"/>
-            </a:lvl3pPr>
-            <a:lvl4pPr lvl="3" rtl="0">
-              <a:spcBef>
-                <a:spcPts val="0"/>
-              </a:spcBef>
-              <a:spcAft>
-                <a:spcPts val="0"/>
-              </a:spcAft>
-              <a:buSzPts val="2400"/>
-              <a:buNone/>
-              <a:defRPr sz="2400"/>
-            </a:lvl4pPr>
-            <a:lvl5pPr lvl="4" rtl="0">
-              <a:spcBef>
-                <a:spcPts val="0"/>
-              </a:spcBef>
-              <a:spcAft>
-                <a:spcPts val="0"/>
-              </a:spcAft>
-              <a:buSzPts val="2400"/>
-              <a:buNone/>
-              <a:defRPr sz="2400"/>
-            </a:lvl5pPr>
-            <a:lvl6pPr lvl="5" rtl="0">
-              <a:spcBef>
-                <a:spcPts val="0"/>
-              </a:spcBef>
-              <a:spcAft>
-                <a:spcPts val="0"/>
-              </a:spcAft>
-              <a:buSzPts val="2400"/>
-              <a:buNone/>
-              <a:defRPr sz="2400"/>
-            </a:lvl6pPr>
-            <a:lvl7pPr lvl="6" rtl="0">
-              <a:spcBef>
-                <a:spcPts val="0"/>
-              </a:spcBef>
-              <a:spcAft>
-                <a:spcPts val="0"/>
-              </a:spcAft>
-              <a:buSzPts val="2400"/>
-              <a:buNone/>
-              <a:defRPr sz="2400"/>
-            </a:lvl7pPr>
-            <a:lvl8pPr lvl="7" rtl="0">
-              <a:spcBef>
-                <a:spcPts val="0"/>
-              </a:spcBef>
-              <a:spcAft>
-                <a:spcPts val="0"/>
-              </a:spcAft>
-              <a:buSzPts val="2400"/>
-              <a:buNone/>
-              <a:defRPr sz="2400"/>
-            </a:lvl8pPr>
-            <a:lvl9pPr lvl="8" rtl="0">
-              <a:spcBef>
-                <a:spcPts val="0"/>
-              </a:spcBef>
-              <a:spcAft>
-                <a:spcPts val="0"/>
-              </a:spcAft>
-              <a:buSzPts val="2400"/>
-              <a:buNone/>
-              <a:defRPr sz="2400"/>
-            </a:lvl9pPr>
-          </a:lstStyle>
-          <a:p>
-            <a:endParaRPr/>
-          </a:p>
-        </p:txBody>
-      </p:sp>
-      <p:sp>
-        <p:nvSpPr>
-          <p:cNvPr id="42" name="Google Shape;42;p9"/>
-          <p:cNvSpPr txBox="1">
-            <a:spLocks noGrp="1"/>
-          </p:cNvSpPr>
-          <p:nvPr>
-            <p:ph type="subTitle" idx="1"/>
-          </p:nvPr>
-        </p:nvSpPr>
-        <p:spPr>
-          <a:xfrm>
-            <a:off x="4998775" y="2110500"/>
-            <a:ext cx="3355200" cy="1665600"/>
-          </a:xfrm>
-          <a:prstGeom prst="rect">
-            <a:avLst/>
-          </a:prstGeom>
-          <a:ln>
-            <a:noFill/>
-          </a:ln>
-        </p:spPr>
-        <p:txBody>
-          <a:bodyPr spcFirstLastPara="1" wrap="square" lIns="91425" tIns="91425" rIns="91425" bIns="91425" anchor="t" anchorCtr="0">
-            <a:noAutofit/>
-          </a:bodyPr>
-          <a:lstStyle>
-            <a:lvl1pPr lvl="0" algn="ctr" rtl="0">
-              <a:lnSpc>
-                <a:spcPct val="100000"/>
-              </a:lnSpc>
-              <a:spcBef>
-                <a:spcPts val="0"/>
-              </a:spcBef>
-              <a:spcAft>
-                <a:spcPts val="0"/>
-              </a:spcAft>
-              <a:buSzPts val="1400"/>
-              <a:buNone/>
-              <a:defRPr sz="1400"/>
-            </a:lvl1pPr>
-            <a:lvl2pPr lvl="1" algn="ctr" rtl="0">
-              <a:lnSpc>
-                <a:spcPct val="100000"/>
-              </a:lnSpc>
-              <a:spcBef>
-                <a:spcPts val="0"/>
-              </a:spcBef>
-              <a:spcAft>
-                <a:spcPts val="0"/>
-              </a:spcAft>
-              <a:buSzPts val="2100"/>
-              <a:buNone/>
-              <a:defRPr sz="2100"/>
-            </a:lvl2pPr>
-            <a:lvl3pPr lvl="2" algn="ctr" rtl="0">
-              <a:lnSpc>
-                <a:spcPct val="100000"/>
-              </a:lnSpc>
-              <a:spcBef>
-                <a:spcPts val="0"/>
-              </a:spcBef>
-              <a:spcAft>
-                <a:spcPts val="0"/>
-              </a:spcAft>
-              <a:buSzPts val="2100"/>
-              <a:buNone/>
-              <a:defRPr sz="2100"/>
-            </a:lvl3pPr>
-            <a:lvl4pPr lvl="3" algn="ctr" rtl="0">
-              <a:lnSpc>
-                <a:spcPct val="100000"/>
-              </a:lnSpc>
-              <a:spcBef>
-                <a:spcPts val="0"/>
-              </a:spcBef>
-              <a:spcAft>
-                <a:spcPts val="0"/>
-              </a:spcAft>
-              <a:buSzPts val="2100"/>
-              <a:buNone/>
-              <a:defRPr sz="2100"/>
-            </a:lvl4pPr>
-            <a:lvl5pPr lvl="4" algn="ctr" rtl="0">
-              <a:lnSpc>
-                <a:spcPct val="100000"/>
-              </a:lnSpc>
-              <a:spcBef>
-                <a:spcPts val="0"/>
-              </a:spcBef>
-              <a:spcAft>
-                <a:spcPts val="0"/>
-              </a:spcAft>
-              <a:buSzPts val="2100"/>
-              <a:buNone/>
-              <a:defRPr sz="2100"/>
-            </a:lvl5pPr>
-            <a:lvl6pPr lvl="5" algn="ctr" rtl="0">
-              <a:lnSpc>
-                <a:spcPct val="100000"/>
-              </a:lnSpc>
-              <a:spcBef>
-                <a:spcPts val="0"/>
-              </a:spcBef>
-              <a:spcAft>
-                <a:spcPts val="0"/>
-              </a:spcAft>
-              <a:buSzPts val="2100"/>
-              <a:buNone/>
-              <a:defRPr sz="2100"/>
-            </a:lvl6pPr>
-            <a:lvl7pPr lvl="6" algn="ctr" rtl="0">
-              <a:lnSpc>
-                <a:spcPct val="100000"/>
-              </a:lnSpc>
-              <a:spcBef>
-                <a:spcPts val="0"/>
-              </a:spcBef>
-              <a:spcAft>
-                <a:spcPts val="0"/>
-              </a:spcAft>
-              <a:buSzPts val="2100"/>
-              <a:buNone/>
-              <a:defRPr sz="2100"/>
-            </a:lvl7pPr>
-            <a:lvl8pPr lvl="7" algn="ctr" rtl="0">
-              <a:lnSpc>
-                <a:spcPct val="100000"/>
-              </a:lnSpc>
-              <a:spcBef>
-                <a:spcPts val="0"/>
-              </a:spcBef>
-              <a:spcAft>
-                <a:spcPts val="0"/>
-              </a:spcAft>
-              <a:buSzPts val="2100"/>
-              <a:buNone/>
-              <a:defRPr sz="2100"/>
-            </a:lvl8pPr>
-            <a:lvl9pPr lvl="8" algn="ctr" rtl="0">
-              <a:lnSpc>
-                <a:spcPct val="100000"/>
-              </a:lnSpc>
-              <a:spcBef>
-                <a:spcPts val="0"/>
-              </a:spcBef>
-              <a:spcAft>
-                <a:spcPts val="0"/>
-              </a:spcAft>
-              <a:buSzPts val="2100"/>
-              <a:buNone/>
-              <a:defRPr sz="2100"/>
-            </a:lvl9pPr>
-          </a:lstStyle>
-          <a:p>
-            <a:endParaRPr/>
-          </a:p>
-        </p:txBody>
-      </p:sp>
-    </p:spTree>
-  </p:cSld>
-  <p:clrMapOvr>
-    <a:masterClrMapping/>
-  </p:clrMapOvr>
-</p:sldLayout>
-</file>
-
-<file path=ppt/slideLayouts/slideLayout4.xml><?xml version="1.0" encoding="utf-8"?>
 <p:sldLayout xmlns:a="http://schemas.openxmlformats.org/drawingml/2006/main" xmlns:r="http://schemas.openxmlformats.org/officeDocument/2006/relationships" xmlns:p="http://schemas.openxmlformats.org/presentationml/2006/main" matchingName="Blank" type="blank">
   <p:cSld name="BLANK">
     <p:bg>
@@ -4633,7 +2862,7 @@
 </p:sldLayout>
 </file>
 
-<file path=ppt/slideLayouts/slideLayout5.xml><?xml version="1.0" encoding="utf-8"?>
+<file path=ppt/slideLayouts/slideLayout3.xml><?xml version="1.0" encoding="utf-8"?>
 <p:sldLayout xmlns:a="http://schemas.openxmlformats.org/drawingml/2006/main" xmlns:r="http://schemas.openxmlformats.org/officeDocument/2006/relationships" xmlns:p="http://schemas.openxmlformats.org/presentationml/2006/main" matchingName="Table of contents">
   <p:cSld name="SECTION_TITLE_AND_DESCRIPTION_1">
     <p:spTree>
@@ -7080,712 +5309,7 @@
 </p:sldLayout>
 </file>
 
-<file path=ppt/slideLayouts/slideLayout6.xml><?xml version="1.0" encoding="utf-8"?>
-<p:sldLayout xmlns:a="http://schemas.openxmlformats.org/drawingml/2006/main" xmlns:r="http://schemas.openxmlformats.org/officeDocument/2006/relationships" xmlns:p="http://schemas.openxmlformats.org/presentationml/2006/main" matchingName="Title Only 2">
-  <p:cSld name="CUSTOM_2">
-    <p:spTree>
-      <p:nvGrpSpPr>
-        <p:cNvPr id="1" name="Shape 145"/>
-        <p:cNvGrpSpPr/>
-        <p:nvPr/>
-      </p:nvGrpSpPr>
-      <p:grpSpPr>
-        <a:xfrm>
-          <a:off x="0" y="0"/>
-          <a:ext cx="0" cy="0"/>
-          <a:chOff x="0" y="0"/>
-          <a:chExt cx="0" cy="0"/>
-        </a:xfrm>
-      </p:grpSpPr>
-      <p:sp>
-        <p:nvSpPr>
-          <p:cNvPr id="146" name="Google Shape;146;p24"/>
-          <p:cNvSpPr txBox="1">
-            <a:spLocks noGrp="1"/>
-          </p:cNvSpPr>
-          <p:nvPr>
-            <p:ph type="title"/>
-          </p:nvPr>
-        </p:nvSpPr>
-        <p:spPr>
-          <a:xfrm>
-            <a:off x="3229175" y="378225"/>
-            <a:ext cx="5142000" cy="515100"/>
-          </a:xfrm>
-          <a:prstGeom prst="rect">
-            <a:avLst/>
-          </a:prstGeom>
-        </p:spPr>
-        <p:txBody>
-          <a:bodyPr spcFirstLastPara="1" wrap="square" lIns="91425" tIns="91425" rIns="91425" bIns="91425" anchor="t" anchorCtr="0">
-            <a:noAutofit/>
-          </a:bodyPr>
-          <a:lstStyle>
-            <a:lvl1pPr lvl="0" algn="r" rtl="0">
-              <a:spcBef>
-                <a:spcPts val="0"/>
-              </a:spcBef>
-              <a:spcAft>
-                <a:spcPts val="0"/>
-              </a:spcAft>
-              <a:buSzPts val="2100"/>
-              <a:buNone/>
-              <a:defRPr sz="2100"/>
-            </a:lvl1pPr>
-            <a:lvl2pPr lvl="1" algn="r" rtl="0">
-              <a:spcBef>
-                <a:spcPts val="0"/>
-              </a:spcBef>
-              <a:spcAft>
-                <a:spcPts val="0"/>
-              </a:spcAft>
-              <a:buSzPts val="2100"/>
-              <a:buNone/>
-              <a:defRPr sz="2100"/>
-            </a:lvl2pPr>
-            <a:lvl3pPr lvl="2" algn="r" rtl="0">
-              <a:spcBef>
-                <a:spcPts val="0"/>
-              </a:spcBef>
-              <a:spcAft>
-                <a:spcPts val="0"/>
-              </a:spcAft>
-              <a:buSzPts val="2100"/>
-              <a:buNone/>
-              <a:defRPr sz="2100"/>
-            </a:lvl3pPr>
-            <a:lvl4pPr lvl="3" algn="r" rtl="0">
-              <a:spcBef>
-                <a:spcPts val="0"/>
-              </a:spcBef>
-              <a:spcAft>
-                <a:spcPts val="0"/>
-              </a:spcAft>
-              <a:buSzPts val="2100"/>
-              <a:buNone/>
-              <a:defRPr sz="2100"/>
-            </a:lvl4pPr>
-            <a:lvl5pPr lvl="4" algn="r" rtl="0">
-              <a:spcBef>
-                <a:spcPts val="0"/>
-              </a:spcBef>
-              <a:spcAft>
-                <a:spcPts val="0"/>
-              </a:spcAft>
-              <a:buSzPts val="2100"/>
-              <a:buNone/>
-              <a:defRPr sz="2100"/>
-            </a:lvl5pPr>
-            <a:lvl6pPr lvl="5" algn="r" rtl="0">
-              <a:spcBef>
-                <a:spcPts val="0"/>
-              </a:spcBef>
-              <a:spcAft>
-                <a:spcPts val="0"/>
-              </a:spcAft>
-              <a:buSzPts val="2100"/>
-              <a:buNone/>
-              <a:defRPr sz="2100"/>
-            </a:lvl6pPr>
-            <a:lvl7pPr lvl="6" algn="r" rtl="0">
-              <a:spcBef>
-                <a:spcPts val="0"/>
-              </a:spcBef>
-              <a:spcAft>
-                <a:spcPts val="0"/>
-              </a:spcAft>
-              <a:buSzPts val="2100"/>
-              <a:buNone/>
-              <a:defRPr sz="2100"/>
-            </a:lvl7pPr>
-            <a:lvl8pPr lvl="7" algn="r" rtl="0">
-              <a:spcBef>
-                <a:spcPts val="0"/>
-              </a:spcBef>
-              <a:spcAft>
-                <a:spcPts val="0"/>
-              </a:spcAft>
-              <a:buSzPts val="2100"/>
-              <a:buNone/>
-              <a:defRPr sz="2100"/>
-            </a:lvl8pPr>
-            <a:lvl9pPr lvl="8" algn="r" rtl="0">
-              <a:spcBef>
-                <a:spcPts val="0"/>
-              </a:spcBef>
-              <a:spcAft>
-                <a:spcPts val="0"/>
-              </a:spcAft>
-              <a:buSzPts val="2100"/>
-              <a:buNone/>
-              <a:defRPr sz="2100"/>
-            </a:lvl9pPr>
-          </a:lstStyle>
-          <a:p>
-            <a:endParaRPr/>
-          </a:p>
-        </p:txBody>
-      </p:sp>
-      <p:pic>
-        <p:nvPicPr>
-          <p:cNvPr id="147" name="Google Shape;147;p24"/>
-          <p:cNvPicPr preferRelativeResize="0"/>
-          <p:nvPr/>
-        </p:nvPicPr>
-        <p:blipFill>
-          <a:blip r:embed="rId2">
-            <a:alphaModFix amt="50000"/>
-          </a:blip>
-          <a:stretch>
-            <a:fillRect/>
-          </a:stretch>
-        </p:blipFill>
-        <p:spPr>
-          <a:xfrm>
-            <a:off x="1" y="2801493"/>
-            <a:ext cx="9144003" cy="3036157"/>
-          </a:xfrm>
-          <a:prstGeom prst="rect">
-            <a:avLst/>
-          </a:prstGeom>
-          <a:noFill/>
-          <a:ln>
-            <a:noFill/>
-          </a:ln>
-        </p:spPr>
-      </p:pic>
-    </p:spTree>
-  </p:cSld>
-  <p:clrMapOvr>
-    <a:masterClrMapping/>
-  </p:clrMapOvr>
-</p:sldLayout>
-</file>
-
-<file path=ppt/slideLayouts/slideLayout7.xml><?xml version="1.0" encoding="utf-8"?>
-<p:sldLayout xmlns:a="http://schemas.openxmlformats.org/drawingml/2006/main" xmlns:r="http://schemas.openxmlformats.org/officeDocument/2006/relationships" xmlns:p="http://schemas.openxmlformats.org/presentationml/2006/main" matchingName="Title and Text 2">
-  <p:cSld name="CUSTOM_5_1">
-    <p:spTree>
-      <p:nvGrpSpPr>
-        <p:cNvPr id="1" name="Shape 160"/>
-        <p:cNvGrpSpPr/>
-        <p:nvPr/>
-      </p:nvGrpSpPr>
-      <p:grpSpPr>
-        <a:xfrm>
-          <a:off x="0" y="0"/>
-          <a:ext cx="0" cy="0"/>
-          <a:chOff x="0" y="0"/>
-          <a:chExt cx="0" cy="0"/>
-        </a:xfrm>
-      </p:grpSpPr>
-      <p:sp>
-        <p:nvSpPr>
-          <p:cNvPr id="161" name="Google Shape;161;p29"/>
-          <p:cNvSpPr txBox="1">
-            <a:spLocks noGrp="1"/>
-          </p:cNvSpPr>
-          <p:nvPr>
-            <p:ph type="subTitle" idx="1"/>
-          </p:nvPr>
-        </p:nvSpPr>
-        <p:spPr>
-          <a:xfrm>
-            <a:off x="1098925" y="531350"/>
-            <a:ext cx="3273600" cy="1235100"/>
-          </a:xfrm>
-          <a:prstGeom prst="rect">
-            <a:avLst/>
-          </a:prstGeom>
-        </p:spPr>
-        <p:txBody>
-          <a:bodyPr spcFirstLastPara="1" wrap="square" lIns="91425" tIns="91425" rIns="91425" bIns="91425" anchor="b" anchorCtr="0">
-            <a:noAutofit/>
-          </a:bodyPr>
-          <a:lstStyle>
-            <a:lvl1pPr lvl="0" rtl="0">
-              <a:lnSpc>
-                <a:spcPct val="100000"/>
-              </a:lnSpc>
-              <a:spcBef>
-                <a:spcPts val="0"/>
-              </a:spcBef>
-              <a:spcAft>
-                <a:spcPts val="0"/>
-              </a:spcAft>
-              <a:buSzPts val="1800"/>
-              <a:buFont typeface="Montserrat ExtraBold"/>
-              <a:buNone/>
-              <a:defRPr>
-                <a:latin typeface="Montserrat ExtraBold"/>
-                <a:ea typeface="Montserrat ExtraBold"/>
-                <a:cs typeface="Montserrat ExtraBold"/>
-                <a:sym typeface="Montserrat ExtraBold"/>
-              </a:defRPr>
-            </a:lvl1pPr>
-            <a:lvl2pPr lvl="1" algn="ctr" rtl="0">
-              <a:lnSpc>
-                <a:spcPct val="100000"/>
-              </a:lnSpc>
-              <a:spcBef>
-                <a:spcPts val="0"/>
-              </a:spcBef>
-              <a:spcAft>
-                <a:spcPts val="0"/>
-              </a:spcAft>
-              <a:buSzPts val="2100"/>
-              <a:buFont typeface="Montserrat SemiBold"/>
-              <a:buNone/>
-              <a:defRPr sz="2100">
-                <a:latin typeface="Montserrat SemiBold"/>
-                <a:ea typeface="Montserrat SemiBold"/>
-                <a:cs typeface="Montserrat SemiBold"/>
-                <a:sym typeface="Montserrat SemiBold"/>
-              </a:defRPr>
-            </a:lvl2pPr>
-            <a:lvl3pPr lvl="2" algn="ctr" rtl="0">
-              <a:lnSpc>
-                <a:spcPct val="100000"/>
-              </a:lnSpc>
-              <a:spcBef>
-                <a:spcPts val="0"/>
-              </a:spcBef>
-              <a:spcAft>
-                <a:spcPts val="0"/>
-              </a:spcAft>
-              <a:buSzPts val="2100"/>
-              <a:buFont typeface="Montserrat SemiBold"/>
-              <a:buNone/>
-              <a:defRPr sz="2100">
-                <a:latin typeface="Montserrat SemiBold"/>
-                <a:ea typeface="Montserrat SemiBold"/>
-                <a:cs typeface="Montserrat SemiBold"/>
-                <a:sym typeface="Montserrat SemiBold"/>
-              </a:defRPr>
-            </a:lvl3pPr>
-            <a:lvl4pPr lvl="3" algn="ctr" rtl="0">
-              <a:lnSpc>
-                <a:spcPct val="100000"/>
-              </a:lnSpc>
-              <a:spcBef>
-                <a:spcPts val="0"/>
-              </a:spcBef>
-              <a:spcAft>
-                <a:spcPts val="0"/>
-              </a:spcAft>
-              <a:buSzPts val="2100"/>
-              <a:buFont typeface="Montserrat SemiBold"/>
-              <a:buNone/>
-              <a:defRPr sz="2100">
-                <a:latin typeface="Montserrat SemiBold"/>
-                <a:ea typeface="Montserrat SemiBold"/>
-                <a:cs typeface="Montserrat SemiBold"/>
-                <a:sym typeface="Montserrat SemiBold"/>
-              </a:defRPr>
-            </a:lvl4pPr>
-            <a:lvl5pPr lvl="4" algn="ctr" rtl="0">
-              <a:lnSpc>
-                <a:spcPct val="100000"/>
-              </a:lnSpc>
-              <a:spcBef>
-                <a:spcPts val="0"/>
-              </a:spcBef>
-              <a:spcAft>
-                <a:spcPts val="0"/>
-              </a:spcAft>
-              <a:buSzPts val="2100"/>
-              <a:buFont typeface="Montserrat SemiBold"/>
-              <a:buNone/>
-              <a:defRPr sz="2100">
-                <a:latin typeface="Montserrat SemiBold"/>
-                <a:ea typeface="Montserrat SemiBold"/>
-                <a:cs typeface="Montserrat SemiBold"/>
-                <a:sym typeface="Montserrat SemiBold"/>
-              </a:defRPr>
-            </a:lvl5pPr>
-            <a:lvl6pPr lvl="5" algn="ctr" rtl="0">
-              <a:lnSpc>
-                <a:spcPct val="100000"/>
-              </a:lnSpc>
-              <a:spcBef>
-                <a:spcPts val="0"/>
-              </a:spcBef>
-              <a:spcAft>
-                <a:spcPts val="0"/>
-              </a:spcAft>
-              <a:buSzPts val="2100"/>
-              <a:buFont typeface="Montserrat SemiBold"/>
-              <a:buNone/>
-              <a:defRPr sz="2100">
-                <a:latin typeface="Montserrat SemiBold"/>
-                <a:ea typeface="Montserrat SemiBold"/>
-                <a:cs typeface="Montserrat SemiBold"/>
-                <a:sym typeface="Montserrat SemiBold"/>
-              </a:defRPr>
-            </a:lvl6pPr>
-            <a:lvl7pPr lvl="6" algn="ctr" rtl="0">
-              <a:lnSpc>
-                <a:spcPct val="100000"/>
-              </a:lnSpc>
-              <a:spcBef>
-                <a:spcPts val="0"/>
-              </a:spcBef>
-              <a:spcAft>
-                <a:spcPts val="0"/>
-              </a:spcAft>
-              <a:buSzPts val="2100"/>
-              <a:buFont typeface="Montserrat SemiBold"/>
-              <a:buNone/>
-              <a:defRPr sz="2100">
-                <a:latin typeface="Montserrat SemiBold"/>
-                <a:ea typeface="Montserrat SemiBold"/>
-                <a:cs typeface="Montserrat SemiBold"/>
-                <a:sym typeface="Montserrat SemiBold"/>
-              </a:defRPr>
-            </a:lvl7pPr>
-            <a:lvl8pPr lvl="7" algn="ctr" rtl="0">
-              <a:lnSpc>
-                <a:spcPct val="100000"/>
-              </a:lnSpc>
-              <a:spcBef>
-                <a:spcPts val="0"/>
-              </a:spcBef>
-              <a:spcAft>
-                <a:spcPts val="0"/>
-              </a:spcAft>
-              <a:buSzPts val="2100"/>
-              <a:buFont typeface="Montserrat SemiBold"/>
-              <a:buNone/>
-              <a:defRPr sz="2100">
-                <a:latin typeface="Montserrat SemiBold"/>
-                <a:ea typeface="Montserrat SemiBold"/>
-                <a:cs typeface="Montserrat SemiBold"/>
-                <a:sym typeface="Montserrat SemiBold"/>
-              </a:defRPr>
-            </a:lvl8pPr>
-            <a:lvl9pPr lvl="8" algn="ctr" rtl="0">
-              <a:lnSpc>
-                <a:spcPct val="100000"/>
-              </a:lnSpc>
-              <a:spcBef>
-                <a:spcPts val="0"/>
-              </a:spcBef>
-              <a:spcAft>
-                <a:spcPts val="0"/>
-              </a:spcAft>
-              <a:buSzPts val="2100"/>
-              <a:buFont typeface="Montserrat SemiBold"/>
-              <a:buNone/>
-              <a:defRPr sz="2100">
-                <a:latin typeface="Montserrat SemiBold"/>
-                <a:ea typeface="Montserrat SemiBold"/>
-                <a:cs typeface="Montserrat SemiBold"/>
-                <a:sym typeface="Montserrat SemiBold"/>
-              </a:defRPr>
-            </a:lvl9pPr>
-          </a:lstStyle>
-          <a:p>
-            <a:endParaRPr/>
-          </a:p>
-        </p:txBody>
-      </p:sp>
-      <p:sp>
-        <p:nvSpPr>
-          <p:cNvPr id="162" name="Google Shape;162;p29"/>
-          <p:cNvSpPr txBox="1">
-            <a:spLocks noGrp="1"/>
-          </p:cNvSpPr>
-          <p:nvPr>
-            <p:ph type="title"/>
-          </p:nvPr>
-        </p:nvSpPr>
-        <p:spPr>
-          <a:xfrm>
-            <a:off x="3229175" y="378225"/>
-            <a:ext cx="5142000" cy="515100"/>
-          </a:xfrm>
-          <a:prstGeom prst="rect">
-            <a:avLst/>
-          </a:prstGeom>
-        </p:spPr>
-        <p:txBody>
-          <a:bodyPr spcFirstLastPara="1" wrap="square" lIns="91425" tIns="91425" rIns="91425" bIns="91425" anchor="t" anchorCtr="0">
-            <a:noAutofit/>
-          </a:bodyPr>
-          <a:lstStyle>
-            <a:lvl1pPr lvl="0" algn="r" rtl="0">
-              <a:spcBef>
-                <a:spcPts val="0"/>
-              </a:spcBef>
-              <a:spcAft>
-                <a:spcPts val="0"/>
-              </a:spcAft>
-              <a:buSzPts val="2100"/>
-              <a:buNone/>
-              <a:defRPr sz="2100"/>
-            </a:lvl1pPr>
-            <a:lvl2pPr lvl="1" algn="r" rtl="0">
-              <a:spcBef>
-                <a:spcPts val="0"/>
-              </a:spcBef>
-              <a:spcAft>
-                <a:spcPts val="0"/>
-              </a:spcAft>
-              <a:buSzPts val="2100"/>
-              <a:buNone/>
-              <a:defRPr sz="2100"/>
-            </a:lvl2pPr>
-            <a:lvl3pPr lvl="2" algn="r" rtl="0">
-              <a:spcBef>
-                <a:spcPts val="0"/>
-              </a:spcBef>
-              <a:spcAft>
-                <a:spcPts val="0"/>
-              </a:spcAft>
-              <a:buSzPts val="2100"/>
-              <a:buNone/>
-              <a:defRPr sz="2100"/>
-            </a:lvl3pPr>
-            <a:lvl4pPr lvl="3" algn="r" rtl="0">
-              <a:spcBef>
-                <a:spcPts val="0"/>
-              </a:spcBef>
-              <a:spcAft>
-                <a:spcPts val="0"/>
-              </a:spcAft>
-              <a:buSzPts val="2100"/>
-              <a:buNone/>
-              <a:defRPr sz="2100"/>
-            </a:lvl4pPr>
-            <a:lvl5pPr lvl="4" algn="r" rtl="0">
-              <a:spcBef>
-                <a:spcPts val="0"/>
-              </a:spcBef>
-              <a:spcAft>
-                <a:spcPts val="0"/>
-              </a:spcAft>
-              <a:buSzPts val="2100"/>
-              <a:buNone/>
-              <a:defRPr sz="2100"/>
-            </a:lvl5pPr>
-            <a:lvl6pPr lvl="5" algn="r" rtl="0">
-              <a:spcBef>
-                <a:spcPts val="0"/>
-              </a:spcBef>
-              <a:spcAft>
-                <a:spcPts val="0"/>
-              </a:spcAft>
-              <a:buSzPts val="2100"/>
-              <a:buNone/>
-              <a:defRPr sz="2100"/>
-            </a:lvl6pPr>
-            <a:lvl7pPr lvl="6" algn="r" rtl="0">
-              <a:spcBef>
-                <a:spcPts val="0"/>
-              </a:spcBef>
-              <a:spcAft>
-                <a:spcPts val="0"/>
-              </a:spcAft>
-              <a:buSzPts val="2100"/>
-              <a:buNone/>
-              <a:defRPr sz="2100"/>
-            </a:lvl7pPr>
-            <a:lvl8pPr lvl="7" algn="r" rtl="0">
-              <a:spcBef>
-                <a:spcPts val="0"/>
-              </a:spcBef>
-              <a:spcAft>
-                <a:spcPts val="0"/>
-              </a:spcAft>
-              <a:buSzPts val="2100"/>
-              <a:buNone/>
-              <a:defRPr sz="2100"/>
-            </a:lvl8pPr>
-            <a:lvl9pPr lvl="8" algn="r" rtl="0">
-              <a:spcBef>
-                <a:spcPts val="0"/>
-              </a:spcBef>
-              <a:spcAft>
-                <a:spcPts val="0"/>
-              </a:spcAft>
-              <a:buSzPts val="2100"/>
-              <a:buNone/>
-              <a:defRPr sz="2100"/>
-            </a:lvl9pPr>
-          </a:lstStyle>
-          <a:p>
-            <a:endParaRPr/>
-          </a:p>
-        </p:txBody>
-      </p:sp>
-      <p:sp>
-        <p:nvSpPr>
-          <p:cNvPr id="163" name="Google Shape;163;p29"/>
-          <p:cNvSpPr txBox="1">
-            <a:spLocks noGrp="1"/>
-          </p:cNvSpPr>
-          <p:nvPr>
-            <p:ph type="subTitle" idx="2"/>
-          </p:nvPr>
-        </p:nvSpPr>
-        <p:spPr>
-          <a:xfrm>
-            <a:off x="1098925" y="1971825"/>
-            <a:ext cx="3273600" cy="2324700"/>
-          </a:xfrm>
-          <a:prstGeom prst="rect">
-            <a:avLst/>
-          </a:prstGeom>
-          <a:ln>
-            <a:noFill/>
-          </a:ln>
-        </p:spPr>
-        <p:txBody>
-          <a:bodyPr spcFirstLastPara="1" wrap="square" lIns="91425" tIns="91425" rIns="91425" bIns="91425" anchor="t" anchorCtr="0">
-            <a:noAutofit/>
-          </a:bodyPr>
-          <a:lstStyle>
-            <a:lvl1pPr lvl="0" rtl="0">
-              <a:lnSpc>
-                <a:spcPct val="100000"/>
-              </a:lnSpc>
-              <a:spcBef>
-                <a:spcPts val="0"/>
-              </a:spcBef>
-              <a:spcAft>
-                <a:spcPts val="0"/>
-              </a:spcAft>
-              <a:buSzPts val="1400"/>
-              <a:buChar char="●"/>
-              <a:defRPr sz="1400"/>
-            </a:lvl1pPr>
-            <a:lvl2pPr lvl="1" algn="ctr" rtl="0">
-              <a:lnSpc>
-                <a:spcPct val="100000"/>
-              </a:lnSpc>
-              <a:spcBef>
-                <a:spcPts val="1000"/>
-              </a:spcBef>
-              <a:spcAft>
-                <a:spcPts val="0"/>
-              </a:spcAft>
-              <a:buSzPts val="2100"/>
-              <a:buChar char="○"/>
-              <a:defRPr sz="2100"/>
-            </a:lvl2pPr>
-            <a:lvl3pPr lvl="2" algn="ctr" rtl="0">
-              <a:lnSpc>
-                <a:spcPct val="100000"/>
-              </a:lnSpc>
-              <a:spcBef>
-                <a:spcPts val="0"/>
-              </a:spcBef>
-              <a:spcAft>
-                <a:spcPts val="0"/>
-              </a:spcAft>
-              <a:buSzPts val="2100"/>
-              <a:buChar char="■"/>
-              <a:defRPr sz="2100"/>
-            </a:lvl3pPr>
-            <a:lvl4pPr lvl="3" algn="ctr" rtl="0">
-              <a:lnSpc>
-                <a:spcPct val="100000"/>
-              </a:lnSpc>
-              <a:spcBef>
-                <a:spcPts val="0"/>
-              </a:spcBef>
-              <a:spcAft>
-                <a:spcPts val="0"/>
-              </a:spcAft>
-              <a:buSzPts val="2100"/>
-              <a:buChar char="●"/>
-              <a:defRPr sz="2100"/>
-            </a:lvl4pPr>
-            <a:lvl5pPr lvl="4" algn="ctr" rtl="0">
-              <a:lnSpc>
-                <a:spcPct val="100000"/>
-              </a:lnSpc>
-              <a:spcBef>
-                <a:spcPts val="0"/>
-              </a:spcBef>
-              <a:spcAft>
-                <a:spcPts val="0"/>
-              </a:spcAft>
-              <a:buSzPts val="2100"/>
-              <a:buChar char="○"/>
-              <a:defRPr sz="2100"/>
-            </a:lvl5pPr>
-            <a:lvl6pPr lvl="5" algn="ctr" rtl="0">
-              <a:lnSpc>
-                <a:spcPct val="100000"/>
-              </a:lnSpc>
-              <a:spcBef>
-                <a:spcPts val="0"/>
-              </a:spcBef>
-              <a:spcAft>
-                <a:spcPts val="0"/>
-              </a:spcAft>
-              <a:buSzPts val="2100"/>
-              <a:buChar char="■"/>
-              <a:defRPr sz="2100"/>
-            </a:lvl6pPr>
-            <a:lvl7pPr lvl="6" algn="ctr" rtl="0">
-              <a:lnSpc>
-                <a:spcPct val="100000"/>
-              </a:lnSpc>
-              <a:spcBef>
-                <a:spcPts val="0"/>
-              </a:spcBef>
-              <a:spcAft>
-                <a:spcPts val="0"/>
-              </a:spcAft>
-              <a:buSzPts val="2100"/>
-              <a:buChar char="●"/>
-              <a:defRPr sz="2100"/>
-            </a:lvl7pPr>
-            <a:lvl8pPr lvl="7" algn="ctr" rtl="0">
-              <a:lnSpc>
-                <a:spcPct val="100000"/>
-              </a:lnSpc>
-              <a:spcBef>
-                <a:spcPts val="0"/>
-              </a:spcBef>
-              <a:spcAft>
-                <a:spcPts val="0"/>
-              </a:spcAft>
-              <a:buSzPts val="2100"/>
-              <a:buChar char="○"/>
-              <a:defRPr sz="2100"/>
-            </a:lvl8pPr>
-            <a:lvl9pPr lvl="8" algn="ctr" rtl="0">
-              <a:lnSpc>
-                <a:spcPct val="100000"/>
-              </a:lnSpc>
-              <a:spcBef>
-                <a:spcPts val="0"/>
-              </a:spcBef>
-              <a:spcAft>
-                <a:spcPts val="0"/>
-              </a:spcAft>
-              <a:buSzPts val="2100"/>
-              <a:buChar char="■"/>
-              <a:defRPr sz="2100"/>
-            </a:lvl9pPr>
-          </a:lstStyle>
-          <a:p>
-            <a:endParaRPr/>
-          </a:p>
-        </p:txBody>
-      </p:sp>
-    </p:spTree>
-  </p:cSld>
-  <p:clrMapOvr>
-    <a:masterClrMapping/>
-  </p:clrMapOvr>
-</p:sldLayout>
-</file>
-
-<file path=ppt/slideLayouts/slideLayout8.xml><?xml version="1.0" encoding="utf-8"?>
+<file path=ppt/slideLayouts/slideLayout4.xml><?xml version="1.0" encoding="utf-8"?>
 <p:sldLayout xmlns:a="http://schemas.openxmlformats.org/drawingml/2006/main" xmlns:r="http://schemas.openxmlformats.org/officeDocument/2006/relationships" xmlns:p="http://schemas.openxmlformats.org/presentationml/2006/main" matchingName="Background">
   <p:cSld name="BLANK_1">
     <p:spTree>
@@ -7810,7 +5334,7 @@
 </p:sldLayout>
 </file>
 
-<file path=ppt/slideLayouts/slideLayout9.xml><?xml version="1.0" encoding="utf-8"?>
+<file path=ppt/slideLayouts/slideLayout5.xml><?xml version="1.0" encoding="utf-8"?>
 <p:sldLayout xmlns:a="http://schemas.openxmlformats.org/drawingml/2006/main" xmlns:r="http://schemas.openxmlformats.org/officeDocument/2006/relationships" xmlns:p="http://schemas.openxmlformats.org/presentationml/2006/main" matchingName="Background 1">
   <p:cSld name="BLANK_1_1">
     <p:spTree>
@@ -7872,6 +5396,59 @@
         <p:spPr>
           <a:xfrm rot="10800000" flipH="1">
             <a:off x="-2444022" y="-827887"/>
+            <a:ext cx="6153101" cy="6799271"/>
+          </a:xfrm>
+          <a:prstGeom prst="rect">
+            <a:avLst/>
+          </a:prstGeom>
+          <a:noFill/>
+          <a:ln>
+            <a:noFill/>
+          </a:ln>
+        </p:spPr>
+      </p:pic>
+    </p:spTree>
+  </p:cSld>
+  <p:clrMapOvr>
+    <a:masterClrMapping/>
+  </p:clrMapOvr>
+</p:sldLayout>
+</file>
+
+<file path=ppt/slideLayouts/slideLayout6.xml><?xml version="1.0" encoding="utf-8"?>
+<p:sldLayout xmlns:a="http://schemas.openxmlformats.org/drawingml/2006/main" xmlns:r="http://schemas.openxmlformats.org/officeDocument/2006/relationships" xmlns:p="http://schemas.openxmlformats.org/presentationml/2006/main" matchingName="Background 2">
+  <p:cSld name="BLANK_1_1_1">
+    <p:spTree>
+      <p:nvGrpSpPr>
+        <p:cNvPr id="1" name="Shape 278"/>
+        <p:cNvGrpSpPr/>
+        <p:nvPr/>
+      </p:nvGrpSpPr>
+      <p:grpSpPr>
+        <a:xfrm>
+          <a:off x="0" y="0"/>
+          <a:ext cx="0" cy="0"/>
+          <a:chOff x="0" y="0"/>
+          <a:chExt cx="0" cy="0"/>
+        </a:xfrm>
+      </p:grpSpPr>
+      <p:pic>
+        <p:nvPicPr>
+          <p:cNvPr id="279" name="Google Shape;279;p47"/>
+          <p:cNvPicPr preferRelativeResize="0"/>
+          <p:nvPr/>
+        </p:nvPicPr>
+        <p:blipFill>
+          <a:blip r:embed="rId2">
+            <a:alphaModFix/>
+          </a:blip>
+          <a:stretch>
+            <a:fillRect/>
+          </a:stretch>
+        </p:blipFill>
+        <p:spPr>
+          <a:xfrm>
+            <a:off x="-76672" y="-827887"/>
             <a:ext cx="6153101" cy="6799271"/>
           </a:xfrm>
           <a:prstGeom prst="rect">
@@ -8441,15 +6018,11 @@
   <p:clrMap bg1="lt1" tx1="dk1" bg2="dk2" tx2="lt2" accent1="accent1" accent2="accent2" accent3="accent3" accent4="accent4" accent5="accent5" accent6="accent6" hlink="hlink" folHlink="folHlink"/>
   <p:sldLayoutIdLst>
     <p:sldLayoutId id="2147483648" r:id="rId1"/>
-    <p:sldLayoutId id="2147483652" r:id="rId2"/>
-    <p:sldLayoutId id="2147483655" r:id="rId3"/>
-    <p:sldLayoutId id="2147483658" r:id="rId4"/>
-    <p:sldLayoutId id="2147483659" r:id="rId5"/>
-    <p:sldLayoutId id="2147483670" r:id="rId6"/>
-    <p:sldLayoutId id="2147483675" r:id="rId7"/>
-    <p:sldLayoutId id="2147483691" r:id="rId8"/>
-    <p:sldLayoutId id="2147483692" r:id="rId9"/>
-    <p:sldLayoutId id="2147483693" r:id="rId10"/>
+    <p:sldLayoutId id="2147483658" r:id="rId2"/>
+    <p:sldLayoutId id="2147483659" r:id="rId3"/>
+    <p:sldLayoutId id="2147483691" r:id="rId4"/>
+    <p:sldLayoutId id="2147483692" r:id="rId5"/>
+    <p:sldLayoutId id="2147483693" r:id="rId6"/>
   </p:sldLayoutIdLst>
   <p:hf sldNum="0" hdr="0" ftr="0" dt="0"/>
   <p:txStyles>
@@ -9486,713 +7059,6 @@
 </p:sld>
 </file>
 
-<file path=ppt/slides/slide10.xml><?xml version="1.0" encoding="utf-8"?>
-<p:sld xmlns:a="http://schemas.openxmlformats.org/drawingml/2006/main" xmlns:r="http://schemas.openxmlformats.org/officeDocument/2006/relationships" xmlns:p="http://schemas.openxmlformats.org/presentationml/2006/main">
-  <p:cSld>
-    <p:spTree>
-      <p:nvGrpSpPr>
-        <p:cNvPr id="1" name="Shape 769">
-          <a:extLst>
-            <a:ext uri="{FF2B5EF4-FFF2-40B4-BE49-F238E27FC236}">
-              <a16:creationId xmlns:a16="http://schemas.microsoft.com/office/drawing/2014/main" id="{953B89BE-48A0-3F62-27A0-4208A047680B}"/>
-            </a:ext>
-          </a:extLst>
-        </p:cNvPr>
-        <p:cNvGrpSpPr/>
-        <p:nvPr/>
-      </p:nvGrpSpPr>
-      <p:grpSpPr>
-        <a:xfrm>
-          <a:off x="0" y="0"/>
-          <a:ext cx="0" cy="0"/>
-          <a:chOff x="0" y="0"/>
-          <a:chExt cx="0" cy="0"/>
-        </a:xfrm>
-      </p:grpSpPr>
-      <p:pic>
-        <p:nvPicPr>
-          <p:cNvPr id="4" name="Picture 3" descr="A screenshot of a computer&#10;&#10;AI-generated content may be incorrect.">
-            <a:extLst>
-              <a:ext uri="{FF2B5EF4-FFF2-40B4-BE49-F238E27FC236}">
-                <a16:creationId xmlns:a16="http://schemas.microsoft.com/office/drawing/2014/main" id="{A9960954-2622-F23D-3BEE-9AAE1E6B8C92}"/>
-              </a:ext>
-            </a:extLst>
-          </p:cNvPr>
-          <p:cNvPicPr>
-            <a:picLocks noChangeAspect="1"/>
-          </p:cNvPicPr>
-          <p:nvPr/>
-        </p:nvPicPr>
-        <p:blipFill>
-          <a:blip r:embed="rId3"/>
-          <a:stretch>
-            <a:fillRect/>
-          </a:stretch>
-        </p:blipFill>
-        <p:spPr>
-          <a:xfrm>
-            <a:off x="0" y="54768"/>
-            <a:ext cx="9144000" cy="5033963"/>
-          </a:xfrm>
-          <a:prstGeom prst="rect">
-            <a:avLst/>
-          </a:prstGeom>
-        </p:spPr>
-      </p:pic>
-    </p:spTree>
-    <p:extLst>
-      <p:ext uri="{BB962C8B-B14F-4D97-AF65-F5344CB8AC3E}">
-        <p14:creationId xmlns:p14="http://schemas.microsoft.com/office/powerpoint/2010/main" val="2922732329"/>
-      </p:ext>
-    </p:extLst>
-  </p:cSld>
-  <p:clrMapOvr>
-    <a:masterClrMapping/>
-  </p:clrMapOvr>
-</p:sld>
-</file>
-
-<file path=ppt/slides/slide11.xml><?xml version="1.0" encoding="utf-8"?>
-<p:sld xmlns:a="http://schemas.openxmlformats.org/drawingml/2006/main" xmlns:r="http://schemas.openxmlformats.org/officeDocument/2006/relationships" xmlns:p="http://schemas.openxmlformats.org/presentationml/2006/main">
-  <p:cSld>
-    <p:spTree>
-      <p:nvGrpSpPr>
-        <p:cNvPr id="1" name="Shape 769">
-          <a:extLst>
-            <a:ext uri="{FF2B5EF4-FFF2-40B4-BE49-F238E27FC236}">
-              <a16:creationId xmlns:a16="http://schemas.microsoft.com/office/drawing/2014/main" id="{939774AC-8FFB-E364-915A-F0DACD76FB7D}"/>
-            </a:ext>
-          </a:extLst>
-        </p:cNvPr>
-        <p:cNvGrpSpPr/>
-        <p:nvPr/>
-      </p:nvGrpSpPr>
-      <p:grpSpPr>
-        <a:xfrm>
-          <a:off x="0" y="0"/>
-          <a:ext cx="0" cy="0"/>
-          <a:chOff x="0" y="0"/>
-          <a:chExt cx="0" cy="0"/>
-        </a:xfrm>
-      </p:grpSpPr>
-      <p:pic>
-        <p:nvPicPr>
-          <p:cNvPr id="3" name="Picture 2">
-            <a:extLst>
-              <a:ext uri="{FF2B5EF4-FFF2-40B4-BE49-F238E27FC236}">
-                <a16:creationId xmlns:a16="http://schemas.microsoft.com/office/drawing/2014/main" id="{F854347F-D293-F76E-F9BD-8FD60BE1F296}"/>
-              </a:ext>
-            </a:extLst>
-          </p:cNvPr>
-          <p:cNvPicPr>
-            <a:picLocks noChangeAspect="1"/>
-          </p:cNvPicPr>
-          <p:nvPr/>
-        </p:nvPicPr>
-        <p:blipFill>
-          <a:blip r:embed="rId3"/>
-          <a:stretch>
-            <a:fillRect/>
-          </a:stretch>
-        </p:blipFill>
-        <p:spPr>
-          <a:xfrm>
-            <a:off x="1021742" y="564542"/>
-            <a:ext cx="7100516" cy="3782667"/>
-          </a:xfrm>
-          <a:prstGeom prst="rect">
-            <a:avLst/>
-          </a:prstGeom>
-        </p:spPr>
-      </p:pic>
-    </p:spTree>
-    <p:extLst>
-      <p:ext uri="{BB962C8B-B14F-4D97-AF65-F5344CB8AC3E}">
-        <p14:creationId xmlns:p14="http://schemas.microsoft.com/office/powerpoint/2010/main" val="3860050106"/>
-      </p:ext>
-    </p:extLst>
-  </p:cSld>
-  <p:clrMapOvr>
-    <a:masterClrMapping/>
-  </p:clrMapOvr>
-</p:sld>
-</file>
-
-<file path=ppt/slides/slide12.xml><?xml version="1.0" encoding="utf-8"?>
-<p:sld xmlns:a="http://schemas.openxmlformats.org/drawingml/2006/main" xmlns:r="http://schemas.openxmlformats.org/officeDocument/2006/relationships" xmlns:p="http://schemas.openxmlformats.org/presentationml/2006/main">
-  <p:cSld>
-    <p:spTree>
-      <p:nvGrpSpPr>
-        <p:cNvPr id="1" name="Shape 562">
-          <a:extLst>
-            <a:ext uri="{FF2B5EF4-FFF2-40B4-BE49-F238E27FC236}">
-              <a16:creationId xmlns:a16="http://schemas.microsoft.com/office/drawing/2014/main" id="{95D9491A-62EE-E78B-B5A8-23B7BD93F891}"/>
-            </a:ext>
-          </a:extLst>
-        </p:cNvPr>
-        <p:cNvGrpSpPr/>
-        <p:nvPr/>
-      </p:nvGrpSpPr>
-      <p:grpSpPr>
-        <a:xfrm>
-          <a:off x="0" y="0"/>
-          <a:ext cx="0" cy="0"/>
-          <a:chOff x="0" y="0"/>
-          <a:chExt cx="0" cy="0"/>
-        </a:xfrm>
-      </p:grpSpPr>
-      <p:sp>
-        <p:nvSpPr>
-          <p:cNvPr id="5" name="Rectangle 1">
-            <a:extLst>
-              <a:ext uri="{FF2B5EF4-FFF2-40B4-BE49-F238E27FC236}">
-                <a16:creationId xmlns:a16="http://schemas.microsoft.com/office/drawing/2014/main" id="{120B97B8-7BB8-5B1E-8738-9E06433EF1F2}"/>
-              </a:ext>
-            </a:extLst>
-          </p:cNvPr>
-          <p:cNvSpPr>
-            <a:spLocks noChangeArrowheads="1"/>
-          </p:cNvSpPr>
-          <p:nvPr/>
-        </p:nvSpPr>
-        <p:spPr bwMode="auto">
-          <a:xfrm>
-            <a:off x="293915" y="1290340"/>
-            <a:ext cx="7994468" cy="2800767"/>
-          </a:xfrm>
-          <a:prstGeom prst="rect">
-            <a:avLst/>
-          </a:prstGeom>
-          <a:noFill/>
-          <a:ln>
-            <a:noFill/>
-          </a:ln>
-          <a:effectLst/>
-          <a:extLst>
-            <a:ext uri="{909E8E84-426E-40DD-AFC4-6F175D3DCCD1}">
-              <a14:hiddenFill xmlns:a14="http://schemas.microsoft.com/office/drawing/2010/main">
-                <a:solidFill>
-                  <a:schemeClr val="accent1"/>
-                </a:solidFill>
-              </a14:hiddenFill>
-            </a:ext>
-            <a:ext uri="{91240B29-F687-4F45-9708-019B960494DF}">
-              <a14:hiddenLine xmlns:a14="http://schemas.microsoft.com/office/drawing/2010/main" w="9525">
-                <a:solidFill>
-                  <a:schemeClr val="tx1"/>
-                </a:solidFill>
-                <a:miter lim="800000"/>
-                <a:headEnd/>
-                <a:tailEnd/>
-              </a14:hiddenLine>
-            </a:ext>
-            <a:ext uri="{AF507438-7753-43E0-B8FC-AC1667EBCBE1}">
-              <a14:hiddenEffects xmlns:a14="http://schemas.microsoft.com/office/drawing/2010/main">
-                <a:effectLst>
-                  <a:outerShdw dist="35921" dir="2700000" algn="ctr" rotWithShape="0">
-                    <a:schemeClr val="bg2"/>
-                  </a:outerShdw>
-                </a:effectLst>
-              </a14:hiddenEffects>
-            </a:ext>
-          </a:extLst>
-        </p:spPr>
-        <p:txBody>
-          <a:bodyPr vert="horz" wrap="square" lIns="91440" tIns="45720" rIns="91440" bIns="45720" numCol="1" anchor="ctr" anchorCtr="0" compatLnSpc="1">
-            <a:prstTxWarp prst="textNoShape">
-              <a:avLst/>
-            </a:prstTxWarp>
-            <a:spAutoFit/>
-          </a:bodyPr>
-          <a:lstStyle/>
-          <a:p>
-            <a:pPr marR="0" lvl="0" algn="l" defTabSz="914400" rtl="0" eaLnBrk="0" fontAlgn="base" latinLnBrk="0" hangingPunct="0">
-              <a:lnSpc>
-                <a:spcPct val="100000"/>
-              </a:lnSpc>
-              <a:spcBef>
-                <a:spcPct val="0"/>
-              </a:spcBef>
-              <a:spcAft>
-                <a:spcPct val="0"/>
-              </a:spcAft>
-              <a:buClrTx/>
-              <a:buSzTx/>
-              <a:tabLst/>
-            </a:pPr>
-            <a:r>
-              <a:rPr lang="en-US" sz="3200" b="1" dirty="0">
-                <a:solidFill>
-                  <a:schemeClr val="bg1"/>
-                </a:solidFill>
-              </a:rPr>
-              <a:t>DVWA</a:t>
-            </a:r>
-          </a:p>
-          <a:p>
-            <a:pPr marR="0" lvl="0" algn="l" defTabSz="914400" rtl="0" eaLnBrk="0" fontAlgn="base" latinLnBrk="0" hangingPunct="0">
-              <a:lnSpc>
-                <a:spcPct val="100000"/>
-              </a:lnSpc>
-              <a:spcBef>
-                <a:spcPct val="0"/>
-              </a:spcBef>
-              <a:spcAft>
-                <a:spcPct val="0"/>
-              </a:spcAft>
-              <a:buClrTx/>
-              <a:buSzTx/>
-              <a:tabLst/>
-            </a:pPr>
-            <a:r>
-              <a:rPr lang="en-US" sz="2400" dirty="0">
-                <a:solidFill>
-                  <a:schemeClr val="bg1"/>
-                </a:solidFill>
-              </a:rPr>
-              <a:t>forensic tool used to extract and analyze sensitive data from Firefox and Tor browser profiles.</a:t>
-            </a:r>
-          </a:p>
-          <a:p>
-            <a:pPr marR="0" lvl="0" algn="l" defTabSz="914400" rtl="0" eaLnBrk="0" fontAlgn="base" latinLnBrk="0" hangingPunct="0">
-              <a:lnSpc>
-                <a:spcPct val="100000"/>
-              </a:lnSpc>
-              <a:spcBef>
-                <a:spcPct val="0"/>
-              </a:spcBef>
-              <a:spcAft>
-                <a:spcPct val="0"/>
-              </a:spcAft>
-              <a:buClrTx/>
-              <a:buSzTx/>
-              <a:tabLst/>
-            </a:pPr>
-            <a:endParaRPr kumimoji="0" lang="en-US" altLang="en-US" sz="2400" i="0" u="none" strike="noStrike" cap="none" normalizeH="0" baseline="0" dirty="0">
-              <a:ln>
-                <a:noFill/>
-              </a:ln>
-              <a:solidFill>
-                <a:schemeClr val="bg1"/>
-              </a:solidFill>
-              <a:effectLst/>
-              <a:latin typeface="Arial" panose="020B0604020202020204" pitchFamily="34" charset="0"/>
-            </a:endParaRPr>
-          </a:p>
-          <a:p>
-            <a:pPr marL="342900" marR="0" lvl="0" indent="-342900" algn="l" defTabSz="914400" rtl="0" eaLnBrk="0" fontAlgn="base" latinLnBrk="0" hangingPunct="0">
-              <a:lnSpc>
-                <a:spcPct val="100000"/>
-              </a:lnSpc>
-              <a:spcBef>
-                <a:spcPct val="0"/>
-              </a:spcBef>
-              <a:spcAft>
-                <a:spcPct val="0"/>
-              </a:spcAft>
-              <a:buClrTx/>
-              <a:buSzTx/>
-              <a:buFont typeface="Arial" panose="020B0604020202020204" pitchFamily="34" charset="0"/>
-              <a:buChar char="•"/>
-              <a:tabLst/>
-            </a:pPr>
-            <a:r>
-              <a:rPr lang="en-US" sz="2400" dirty="0">
-                <a:solidFill>
-                  <a:schemeClr val="bg1"/>
-                </a:solidFill>
-              </a:rPr>
-              <a:t>learning and practicing penetration testing.</a:t>
-            </a:r>
-          </a:p>
-          <a:p>
-            <a:pPr marL="342900" marR="0" lvl="0" indent="-342900" algn="l" defTabSz="914400" rtl="0" eaLnBrk="0" fontAlgn="base" latinLnBrk="0" hangingPunct="0">
-              <a:lnSpc>
-                <a:spcPct val="100000"/>
-              </a:lnSpc>
-              <a:spcBef>
-                <a:spcPct val="0"/>
-              </a:spcBef>
-              <a:spcAft>
-                <a:spcPct val="0"/>
-              </a:spcAft>
-              <a:buClrTx/>
-              <a:buSzTx/>
-              <a:buFont typeface="Arial" panose="020B0604020202020204" pitchFamily="34" charset="0"/>
-              <a:buChar char="•"/>
-              <a:tabLst/>
-            </a:pPr>
-            <a:r>
-              <a:rPr lang="en-US" sz="2400" dirty="0">
-                <a:solidFill>
-                  <a:schemeClr val="bg1"/>
-                </a:solidFill>
-              </a:rPr>
-              <a:t>Test various web security vulnerabilities.</a:t>
-            </a:r>
-          </a:p>
-          <a:p>
-            <a:pPr marL="342900" marR="0" lvl="0" indent="-342900" algn="l" defTabSz="914400" rtl="0" eaLnBrk="0" fontAlgn="base" latinLnBrk="0" hangingPunct="0">
-              <a:lnSpc>
-                <a:spcPct val="100000"/>
-              </a:lnSpc>
-              <a:spcBef>
-                <a:spcPct val="0"/>
-              </a:spcBef>
-              <a:spcAft>
-                <a:spcPct val="0"/>
-              </a:spcAft>
-              <a:buClrTx/>
-              <a:buSzTx/>
-              <a:buFont typeface="Arial" panose="020B0604020202020204" pitchFamily="34" charset="0"/>
-              <a:buChar char="•"/>
-              <a:tabLst/>
-            </a:pPr>
-            <a:r>
-              <a:rPr lang="en-US" sz="2400" dirty="0">
-                <a:solidFill>
-                  <a:schemeClr val="bg1"/>
-                </a:solidFill>
-              </a:rPr>
-              <a:t>web hacking legally and safely.</a:t>
-            </a:r>
-          </a:p>
-        </p:txBody>
-      </p:sp>
-    </p:spTree>
-    <p:extLst>
-      <p:ext uri="{BB962C8B-B14F-4D97-AF65-F5344CB8AC3E}">
-        <p14:creationId xmlns:p14="http://schemas.microsoft.com/office/powerpoint/2010/main" val="1336747495"/>
-      </p:ext>
-    </p:extLst>
-  </p:cSld>
-  <p:clrMapOvr>
-    <a:masterClrMapping/>
-  </p:clrMapOvr>
-</p:sld>
-</file>
-
-<file path=ppt/slides/slide13.xml><?xml version="1.0" encoding="utf-8"?>
-<p:sld xmlns:a="http://schemas.openxmlformats.org/drawingml/2006/main" xmlns:r="http://schemas.openxmlformats.org/officeDocument/2006/relationships" xmlns:p="http://schemas.openxmlformats.org/presentationml/2006/main">
-  <p:cSld>
-    <p:spTree>
-      <p:nvGrpSpPr>
-        <p:cNvPr id="1" name="Shape 769">
-          <a:extLst>
-            <a:ext uri="{FF2B5EF4-FFF2-40B4-BE49-F238E27FC236}">
-              <a16:creationId xmlns:a16="http://schemas.microsoft.com/office/drawing/2014/main" id="{F8C2CB78-0DBF-4E33-CB57-C3330294D335}"/>
-            </a:ext>
-          </a:extLst>
-        </p:cNvPr>
-        <p:cNvGrpSpPr/>
-        <p:nvPr/>
-      </p:nvGrpSpPr>
-      <p:grpSpPr>
-        <a:xfrm>
-          <a:off x="0" y="0"/>
-          <a:ext cx="0" cy="0"/>
-          <a:chOff x="0" y="0"/>
-          <a:chExt cx="0" cy="0"/>
-        </a:xfrm>
-      </p:grpSpPr>
-      <p:pic>
-        <p:nvPicPr>
-          <p:cNvPr id="4" name="Picture 3">
-            <a:extLst>
-              <a:ext uri="{FF2B5EF4-FFF2-40B4-BE49-F238E27FC236}">
-                <a16:creationId xmlns:a16="http://schemas.microsoft.com/office/drawing/2014/main" id="{F07715EA-5F7A-3AAB-A5CD-D853798ADB8E}"/>
-              </a:ext>
-            </a:extLst>
-          </p:cNvPr>
-          <p:cNvPicPr>
-            <a:picLocks noChangeAspect="1"/>
-          </p:cNvPicPr>
-          <p:nvPr/>
-        </p:nvPicPr>
-        <p:blipFill>
-          <a:blip r:embed="rId3"/>
-          <a:stretch>
-            <a:fillRect/>
-          </a:stretch>
-        </p:blipFill>
-        <p:spPr>
-          <a:xfrm>
-            <a:off x="692331" y="161653"/>
-            <a:ext cx="7844246" cy="796834"/>
-          </a:xfrm>
-          <a:prstGeom prst="rect">
-            <a:avLst/>
-          </a:prstGeom>
-        </p:spPr>
-      </p:pic>
-      <p:pic>
-        <p:nvPicPr>
-          <p:cNvPr id="6" name="Picture 5" descr="A screenshot of a web application&#10;&#10;AI-generated content may be incorrect.">
-            <a:extLst>
-              <a:ext uri="{FF2B5EF4-FFF2-40B4-BE49-F238E27FC236}">
-                <a16:creationId xmlns:a16="http://schemas.microsoft.com/office/drawing/2014/main" id="{68AE4CDA-BE3F-C485-5409-B40BCBEEBE5A}"/>
-              </a:ext>
-            </a:extLst>
-          </p:cNvPr>
-          <p:cNvPicPr>
-            <a:picLocks noChangeAspect="1"/>
-          </p:cNvPicPr>
-          <p:nvPr/>
-        </p:nvPicPr>
-        <p:blipFill>
-          <a:blip r:embed="rId4"/>
-          <a:stretch>
-            <a:fillRect/>
-          </a:stretch>
-        </p:blipFill>
-        <p:spPr>
-          <a:xfrm>
-            <a:off x="2255769" y="1013599"/>
-            <a:ext cx="4327910" cy="4129901"/>
-          </a:xfrm>
-          <a:prstGeom prst="rect">
-            <a:avLst/>
-          </a:prstGeom>
-        </p:spPr>
-      </p:pic>
-    </p:spTree>
-    <p:extLst>
-      <p:ext uri="{BB962C8B-B14F-4D97-AF65-F5344CB8AC3E}">
-        <p14:creationId xmlns:p14="http://schemas.microsoft.com/office/powerpoint/2010/main" val="4220951978"/>
-      </p:ext>
-    </p:extLst>
-  </p:cSld>
-  <p:clrMapOvr>
-    <a:masterClrMapping/>
-  </p:clrMapOvr>
-</p:sld>
-</file>
-
-<file path=ppt/slides/slide14.xml><?xml version="1.0" encoding="utf-8"?>
-<p:sld xmlns:a="http://schemas.openxmlformats.org/drawingml/2006/main" xmlns:r="http://schemas.openxmlformats.org/officeDocument/2006/relationships" xmlns:p="http://schemas.openxmlformats.org/presentationml/2006/main">
-  <p:cSld>
-    <p:spTree>
-      <p:nvGrpSpPr>
-        <p:cNvPr id="1" name="Shape 769">
-          <a:extLst>
-            <a:ext uri="{FF2B5EF4-FFF2-40B4-BE49-F238E27FC236}">
-              <a16:creationId xmlns:a16="http://schemas.microsoft.com/office/drawing/2014/main" id="{A2BE3606-B08E-47BC-503A-F7B9787DF28E}"/>
-            </a:ext>
-          </a:extLst>
-        </p:cNvPr>
-        <p:cNvGrpSpPr/>
-        <p:nvPr/>
-      </p:nvGrpSpPr>
-      <p:grpSpPr>
-        <a:xfrm>
-          <a:off x="0" y="0"/>
-          <a:ext cx="0" cy="0"/>
-          <a:chOff x="0" y="0"/>
-          <a:chExt cx="0" cy="0"/>
-        </a:xfrm>
-      </p:grpSpPr>
-      <p:pic>
-        <p:nvPicPr>
-          <p:cNvPr id="5" name="Picture 4" descr="A screenshot of a computer program&#10;&#10;AI-generated content may be incorrect.">
-            <a:extLst>
-              <a:ext uri="{FF2B5EF4-FFF2-40B4-BE49-F238E27FC236}">
-                <a16:creationId xmlns:a16="http://schemas.microsoft.com/office/drawing/2014/main" id="{5832FC7C-6956-C6BA-CABB-494F099507D5}"/>
-              </a:ext>
-            </a:extLst>
-          </p:cNvPr>
-          <p:cNvPicPr>
-            <a:picLocks noChangeAspect="1"/>
-          </p:cNvPicPr>
-          <p:nvPr/>
-        </p:nvPicPr>
-        <p:blipFill>
-          <a:blip r:embed="rId3"/>
-          <a:stretch>
-            <a:fillRect/>
-          </a:stretch>
-        </p:blipFill>
-        <p:spPr>
-          <a:xfrm>
-            <a:off x="415790" y="639007"/>
-            <a:ext cx="8154538" cy="3286584"/>
-          </a:xfrm>
-          <a:prstGeom prst="rect">
-            <a:avLst/>
-          </a:prstGeom>
-        </p:spPr>
-      </p:pic>
-    </p:spTree>
-    <p:extLst>
-      <p:ext uri="{BB962C8B-B14F-4D97-AF65-F5344CB8AC3E}">
-        <p14:creationId xmlns:p14="http://schemas.microsoft.com/office/powerpoint/2010/main" val="1124647419"/>
-      </p:ext>
-    </p:extLst>
-  </p:cSld>
-  <p:clrMapOvr>
-    <a:masterClrMapping/>
-  </p:clrMapOvr>
-</p:sld>
-</file>
-
-<file path=ppt/slides/slide15.xml><?xml version="1.0" encoding="utf-8"?>
-<p:sld xmlns:a="http://schemas.openxmlformats.org/drawingml/2006/main" xmlns:r="http://schemas.openxmlformats.org/officeDocument/2006/relationships" xmlns:p="http://schemas.openxmlformats.org/presentationml/2006/main">
-  <p:cSld>
-    <p:spTree>
-      <p:nvGrpSpPr>
-        <p:cNvPr id="1" name="Shape 769">
-          <a:extLst>
-            <a:ext uri="{FF2B5EF4-FFF2-40B4-BE49-F238E27FC236}">
-              <a16:creationId xmlns:a16="http://schemas.microsoft.com/office/drawing/2014/main" id="{1800904E-9977-D575-65C9-1C723A44FB1C}"/>
-            </a:ext>
-          </a:extLst>
-        </p:cNvPr>
-        <p:cNvGrpSpPr/>
-        <p:nvPr/>
-      </p:nvGrpSpPr>
-      <p:grpSpPr>
-        <a:xfrm>
-          <a:off x="0" y="0"/>
-          <a:ext cx="0" cy="0"/>
-          <a:chOff x="0" y="0"/>
-          <a:chExt cx="0" cy="0"/>
-        </a:xfrm>
-      </p:grpSpPr>
-      <p:pic>
-        <p:nvPicPr>
-          <p:cNvPr id="3" name="Picture 2" descr="A black and white text&#10;&#10;AI-generated content may be incorrect.">
-            <a:extLst>
-              <a:ext uri="{FF2B5EF4-FFF2-40B4-BE49-F238E27FC236}">
-                <a16:creationId xmlns:a16="http://schemas.microsoft.com/office/drawing/2014/main" id="{79276975-FEA0-82FF-FF47-31A3A645062F}"/>
-              </a:ext>
-            </a:extLst>
-          </p:cNvPr>
-          <p:cNvPicPr>
-            <a:picLocks noChangeAspect="1"/>
-          </p:cNvPicPr>
-          <p:nvPr/>
-        </p:nvPicPr>
-        <p:blipFill>
-          <a:blip r:embed="rId3"/>
-          <a:stretch>
-            <a:fillRect/>
-          </a:stretch>
-        </p:blipFill>
-        <p:spPr>
-          <a:xfrm>
-            <a:off x="3133524" y="121210"/>
-            <a:ext cx="2876951" cy="638264"/>
-          </a:xfrm>
-          <a:prstGeom prst="rect">
-            <a:avLst/>
-          </a:prstGeom>
-        </p:spPr>
-      </p:pic>
-      <p:pic>
-        <p:nvPicPr>
-          <p:cNvPr id="4" name="Picture 3" descr="A screenshot of a computer&#10;&#10;AI-generated content may be incorrect.">
-            <a:extLst>
-              <a:ext uri="{FF2B5EF4-FFF2-40B4-BE49-F238E27FC236}">
-                <a16:creationId xmlns:a16="http://schemas.microsoft.com/office/drawing/2014/main" id="{81A1C44B-9C98-B4D0-8D25-68B30D8252B2}"/>
-              </a:ext>
-            </a:extLst>
-          </p:cNvPr>
-          <p:cNvPicPr>
-            <a:picLocks noChangeAspect="1"/>
-          </p:cNvPicPr>
-          <p:nvPr/>
-        </p:nvPicPr>
-        <p:blipFill>
-          <a:blip r:embed="rId4"/>
-          <a:stretch>
-            <a:fillRect/>
-          </a:stretch>
-        </p:blipFill>
-        <p:spPr>
-          <a:xfrm>
-            <a:off x="2263707" y="818089"/>
-            <a:ext cx="4413386" cy="4325411"/>
-          </a:xfrm>
-          <a:prstGeom prst="rect">
-            <a:avLst/>
-          </a:prstGeom>
-        </p:spPr>
-      </p:pic>
-    </p:spTree>
-    <p:extLst>
-      <p:ext uri="{BB962C8B-B14F-4D97-AF65-F5344CB8AC3E}">
-        <p14:creationId xmlns:p14="http://schemas.microsoft.com/office/powerpoint/2010/main" val="312167412"/>
-      </p:ext>
-    </p:extLst>
-  </p:cSld>
-  <p:clrMapOvr>
-    <a:masterClrMapping/>
-  </p:clrMapOvr>
-</p:sld>
-</file>
-
-<file path=ppt/slides/slide16.xml><?xml version="1.0" encoding="utf-8"?>
-<p:sld xmlns:a="http://schemas.openxmlformats.org/drawingml/2006/main" xmlns:r="http://schemas.openxmlformats.org/officeDocument/2006/relationships" xmlns:p="http://schemas.openxmlformats.org/presentationml/2006/main">
-  <p:cSld>
-    <p:spTree>
-      <p:nvGrpSpPr>
-        <p:cNvPr id="1" name=""/>
-        <p:cNvGrpSpPr/>
-        <p:nvPr/>
-      </p:nvGrpSpPr>
-      <p:grpSpPr>
-        <a:xfrm>
-          <a:off x="0" y="0"/>
-          <a:ext cx="0" cy="0"/>
-          <a:chOff x="0" y="0"/>
-          <a:chExt cx="0" cy="0"/>
-        </a:xfrm>
-      </p:grpSpPr>
-      <p:sp>
-        <p:nvSpPr>
-          <p:cNvPr id="3" name="Title 2">
-            <a:extLst>
-              <a:ext uri="{FF2B5EF4-FFF2-40B4-BE49-F238E27FC236}">
-                <a16:creationId xmlns:a16="http://schemas.microsoft.com/office/drawing/2014/main" id="{C15F44C6-20B1-EF0A-28A7-19678318A0C4}"/>
-              </a:ext>
-            </a:extLst>
-          </p:cNvPr>
-          <p:cNvSpPr>
-            <a:spLocks noGrp="1"/>
-          </p:cNvSpPr>
-          <p:nvPr>
-            <p:ph type="title"/>
-          </p:nvPr>
-        </p:nvSpPr>
-        <p:spPr>
-          <a:xfrm>
-            <a:off x="2064795" y="2056650"/>
-            <a:ext cx="5142000" cy="515100"/>
-          </a:xfrm>
-        </p:spPr>
-        <p:txBody>
-          <a:bodyPr/>
-          <a:lstStyle/>
-          <a:p>
-            <a:r>
-              <a:rPr lang="en-US" dirty="0"/>
-              <a:t>THANK YOU !!!!!!!!!!!!!!!!!!!!!!!!!!!!!!!1</a:t>
-            </a:r>
-          </a:p>
-        </p:txBody>
-      </p:sp>
-    </p:spTree>
-    <p:extLst>
-      <p:ext uri="{BB962C8B-B14F-4D97-AF65-F5344CB8AC3E}">
-        <p14:creationId xmlns:p14="http://schemas.microsoft.com/office/powerpoint/2010/main" val="2223007744"/>
-      </p:ext>
-    </p:extLst>
-  </p:cSld>
-  <p:clrMapOvr>
-    <a:masterClrMapping/>
-  </p:clrMapOvr>
-</p:sld>
-</file>
-
 <file path=ppt/slides/slide2.xml><?xml version="1.0" encoding="utf-8"?>
 <p:sld xmlns:a="http://schemas.openxmlformats.org/drawingml/2006/main" xmlns:r="http://schemas.openxmlformats.org/officeDocument/2006/relationships" xmlns:p="http://schemas.openxmlformats.org/presentationml/2006/main">
   <p:cSld>
@@ -10539,7 +7405,7 @@
             </a:lvl9pPr>
           </a:lstStyle>
           <a:p>
-            <a:pPr marL="0" lvl="0" indent="0" algn="l" eaLnBrk="0" fontAlgn="base" hangingPunct="0">
+            <a:pPr marL="342900" lvl="0" algn="l" eaLnBrk="0" fontAlgn="base" hangingPunct="0">
               <a:spcBef>
                 <a:spcPct val="0"/>
               </a:spcBef>
@@ -10548,8 +7414,8 @@
               </a:spcAft>
               <a:buClrTx/>
               <a:buSzTx/>
-              <a:buFontTx/>
-              <a:buChar char="•"/>
+              <a:buFont typeface="Wingdings" panose="05000000000000000000" pitchFamily="2" charset="2"/>
+              <a:buChar char="Ø"/>
             </a:pPr>
             <a:r>
               <a:rPr lang="en-US" altLang="en-US" sz="2400" dirty="0">
@@ -10562,7 +7428,7 @@
             </a:r>
           </a:p>
           <a:p>
-            <a:pPr marL="0" lvl="0" indent="0" algn="l" eaLnBrk="0" fontAlgn="base" hangingPunct="0">
+            <a:pPr marL="342900" lvl="0" algn="l" eaLnBrk="0" fontAlgn="base" hangingPunct="0">
               <a:spcBef>
                 <a:spcPct val="0"/>
               </a:spcBef>
@@ -10571,8 +7437,8 @@
               </a:spcAft>
               <a:buClrTx/>
               <a:buSzTx/>
-              <a:buFontTx/>
-              <a:buChar char="•"/>
+              <a:buFont typeface="Wingdings" panose="05000000000000000000" pitchFamily="2" charset="2"/>
+              <a:buChar char="Ø"/>
             </a:pPr>
             <a:endParaRPr lang="en-US" altLang="en-US" sz="2400" dirty="0">
               <a:solidFill>
@@ -10582,7 +7448,7 @@
             </a:endParaRPr>
           </a:p>
           <a:p>
-            <a:pPr marL="0" indent="0" algn="l" eaLnBrk="0" fontAlgn="base" hangingPunct="0">
+            <a:pPr marL="342900" algn="l" eaLnBrk="0" fontAlgn="base" hangingPunct="0">
               <a:spcBef>
                 <a:spcPct val="0"/>
               </a:spcBef>
@@ -10591,8 +7457,8 @@
               </a:spcAft>
               <a:buClrTx/>
               <a:buSzTx/>
-              <a:buFontTx/>
-              <a:buChar char="•"/>
+              <a:buFont typeface="Wingdings" panose="05000000000000000000" pitchFamily="2" charset="2"/>
+              <a:buChar char="Ø"/>
             </a:pPr>
             <a:r>
               <a:rPr lang="en-US" altLang="en-US" sz="2400" dirty="0">
@@ -10605,7 +7471,7 @@
             </a:r>
           </a:p>
           <a:p>
-            <a:pPr marL="0" indent="0" algn="l" eaLnBrk="0" fontAlgn="base" hangingPunct="0">
+            <a:pPr marL="342900" algn="l" eaLnBrk="0" fontAlgn="base" hangingPunct="0">
               <a:spcBef>
                 <a:spcPct val="0"/>
               </a:spcBef>
@@ -10614,8 +7480,8 @@
               </a:spcAft>
               <a:buClrTx/>
               <a:buSzTx/>
-              <a:buFontTx/>
-              <a:buChar char="•"/>
+              <a:buFont typeface="Wingdings" panose="05000000000000000000" pitchFamily="2" charset="2"/>
+              <a:buChar char="Ø"/>
             </a:pPr>
             <a:endParaRPr lang="en-US" altLang="en-US" sz="2400" dirty="0">
               <a:solidFill>
@@ -10625,7 +7491,7 @@
             </a:endParaRPr>
           </a:p>
           <a:p>
-            <a:pPr marL="0" lvl="0" indent="0" algn="l" eaLnBrk="0" fontAlgn="base" hangingPunct="0">
+            <a:pPr marL="342900" lvl="0" algn="l" eaLnBrk="0" fontAlgn="base" hangingPunct="0">
               <a:spcBef>
                 <a:spcPct val="0"/>
               </a:spcBef>
@@ -10634,8 +7500,8 @@
               </a:spcAft>
               <a:buClrTx/>
               <a:buSzTx/>
-              <a:buFontTx/>
-              <a:buChar char="•"/>
+              <a:buFont typeface="Wingdings" panose="05000000000000000000" pitchFamily="2" charset="2"/>
+              <a:buChar char="Ø"/>
             </a:pPr>
             <a:r>
               <a:rPr lang="en-US" altLang="en-US" sz="2400" dirty="0">
@@ -11032,6 +7898,17 @@
             <a:pPr algn="l"/>
             <a:r>
               <a:rPr lang="en-US" sz="2000" dirty="0"/>
+              <a:t>🚫 hard time finding a accommodation.</a:t>
+            </a:r>
+          </a:p>
+          <a:p>
+            <a:pPr algn="l"/>
+            <a:endParaRPr lang="en-US" sz="2000" dirty="0"/>
+          </a:p>
+          <a:p>
+            <a:pPr algn="l"/>
+            <a:r>
+              <a:rPr lang="en-US" sz="2000" dirty="0"/>
               <a:t>🚫 Higher risk of scams or unsafe transactions.</a:t>
             </a:r>
           </a:p>
@@ -11074,491 +7951,10 @@
   <p:cSld>
     <p:spTree>
       <p:nvGrpSpPr>
-        <p:cNvPr id="1" name="Shape 562"/>
-        <p:cNvGrpSpPr/>
-        <p:nvPr/>
-      </p:nvGrpSpPr>
-      <p:grpSpPr>
-        <a:xfrm>
-          <a:off x="0" y="0"/>
-          <a:ext cx="0" cy="0"/>
-          <a:chOff x="0" y="0"/>
-          <a:chExt cx="0" cy="0"/>
-        </a:xfrm>
-      </p:grpSpPr>
-      <p:sp>
-        <p:nvSpPr>
-          <p:cNvPr id="5" name="Rectangle 1">
-            <a:extLst>
-              <a:ext uri="{FF2B5EF4-FFF2-40B4-BE49-F238E27FC236}">
-                <a16:creationId xmlns:a16="http://schemas.microsoft.com/office/drawing/2014/main" id="{E617E45C-E2E9-1EEF-5650-4390554F2776}"/>
-              </a:ext>
-            </a:extLst>
-          </p:cNvPr>
-          <p:cNvSpPr>
-            <a:spLocks noChangeArrowheads="1"/>
-          </p:cNvSpPr>
-          <p:nvPr/>
-        </p:nvSpPr>
-        <p:spPr bwMode="auto">
-          <a:xfrm>
-            <a:off x="1170502" y="378908"/>
-            <a:ext cx="6867586" cy="3200876"/>
-          </a:xfrm>
-          <a:prstGeom prst="rect">
-            <a:avLst/>
-          </a:prstGeom>
-          <a:noFill/>
-          <a:ln>
-            <a:noFill/>
-          </a:ln>
-          <a:effectLst/>
-          <a:extLst>
-            <a:ext uri="{909E8E84-426E-40DD-AFC4-6F175D3DCCD1}">
-              <a14:hiddenFill xmlns:a14="http://schemas.microsoft.com/office/drawing/2010/main">
-                <a:solidFill>
-                  <a:schemeClr val="accent1"/>
-                </a:solidFill>
-              </a14:hiddenFill>
-            </a:ext>
-            <a:ext uri="{91240B29-F687-4F45-9708-019B960494DF}">
-              <a14:hiddenLine xmlns:a14="http://schemas.microsoft.com/office/drawing/2010/main" w="9525">
-                <a:solidFill>
-                  <a:schemeClr val="tx1"/>
-                </a:solidFill>
-                <a:miter lim="800000"/>
-                <a:headEnd/>
-                <a:tailEnd/>
-              </a14:hiddenLine>
-            </a:ext>
-            <a:ext uri="{AF507438-7753-43E0-B8FC-AC1667EBCBE1}">
-              <a14:hiddenEffects xmlns:a14="http://schemas.microsoft.com/office/drawing/2010/main">
-                <a:effectLst>
-                  <a:outerShdw dist="35921" dir="2700000" algn="ctr" rotWithShape="0">
-                    <a:schemeClr val="bg2"/>
-                  </a:outerShdw>
-                </a:effectLst>
-              </a14:hiddenEffects>
-            </a:ext>
-          </a:extLst>
-        </p:spPr>
-        <p:txBody>
-          <a:bodyPr vert="horz" wrap="none" lIns="91440" tIns="45720" rIns="91440" bIns="45720" numCol="1" anchor="ctr" anchorCtr="0" compatLnSpc="1">
-            <a:prstTxWarp prst="textNoShape">
-              <a:avLst/>
-            </a:prstTxWarp>
-            <a:spAutoFit/>
-          </a:bodyPr>
-          <a:lstStyle/>
-          <a:p>
-            <a:pPr marR="0" lvl="0" algn="l" defTabSz="914400" rtl="0" eaLnBrk="0" fontAlgn="base" latinLnBrk="0" hangingPunct="0">
-              <a:lnSpc>
-                <a:spcPct val="100000"/>
-              </a:lnSpc>
-              <a:spcBef>
-                <a:spcPct val="0"/>
-              </a:spcBef>
-              <a:spcAft>
-                <a:spcPct val="0"/>
-              </a:spcAft>
-              <a:buClrTx/>
-              <a:buSzTx/>
-              <a:tabLst/>
-            </a:pPr>
-            <a:r>
-              <a:rPr kumimoji="0" lang="en-US" altLang="en-US" sz="3200" b="1" i="0" u="none" strike="noStrike" cap="none" normalizeH="0" baseline="0" dirty="0" err="1">
-                <a:ln>
-                  <a:noFill/>
-                </a:ln>
-                <a:solidFill>
-                  <a:schemeClr val="bg1"/>
-                </a:solidFill>
-                <a:effectLst/>
-                <a:latin typeface="Arial" panose="020B0604020202020204" pitchFamily="34" charset="0"/>
-              </a:rPr>
-              <a:t>Darkstat</a:t>
-            </a:r>
-            <a:endParaRPr kumimoji="0" lang="en-US" altLang="en-US" sz="3200" b="1" i="0" u="none" strike="noStrike" cap="none" normalizeH="0" baseline="0" dirty="0">
-              <a:ln>
-                <a:noFill/>
-              </a:ln>
-              <a:solidFill>
-                <a:schemeClr val="bg1"/>
-              </a:solidFill>
-              <a:effectLst/>
-              <a:latin typeface="Arial" panose="020B0604020202020204" pitchFamily="34" charset="0"/>
-            </a:endParaRPr>
-          </a:p>
-          <a:p>
-            <a:pPr marL="457200" marR="0" lvl="0" indent="-457200" algn="l" defTabSz="914400" rtl="0" eaLnBrk="0" fontAlgn="base" latinLnBrk="0" hangingPunct="0">
-              <a:lnSpc>
-                <a:spcPct val="100000"/>
-              </a:lnSpc>
-              <a:spcBef>
-                <a:spcPct val="0"/>
-              </a:spcBef>
-              <a:spcAft>
-                <a:spcPct val="0"/>
-              </a:spcAft>
-              <a:buClrTx/>
-              <a:buSzTx/>
-              <a:buFont typeface="Arial" panose="020B0604020202020204" pitchFamily="34" charset="0"/>
-              <a:buChar char="•"/>
-              <a:tabLst/>
-            </a:pPr>
-            <a:endParaRPr kumimoji="0" lang="en-US" altLang="en-US" sz="3200" b="1" i="0" u="none" strike="noStrike" cap="none" normalizeH="0" baseline="0" dirty="0">
-              <a:ln>
-                <a:noFill/>
-              </a:ln>
-              <a:solidFill>
-                <a:schemeClr val="bg1"/>
-              </a:solidFill>
-              <a:effectLst/>
-              <a:latin typeface="Arial" panose="020B0604020202020204" pitchFamily="34" charset="0"/>
-            </a:endParaRPr>
-          </a:p>
-          <a:p>
-            <a:pPr marL="342900" marR="0" lvl="0" indent="-342900" algn="l" defTabSz="914400" rtl="0" eaLnBrk="0" fontAlgn="base" latinLnBrk="0" hangingPunct="0">
-              <a:lnSpc>
-                <a:spcPct val="100000"/>
-              </a:lnSpc>
-              <a:spcBef>
-                <a:spcPct val="0"/>
-              </a:spcBef>
-              <a:spcAft>
-                <a:spcPct val="0"/>
-              </a:spcAft>
-              <a:buClrTx/>
-              <a:buSzTx/>
-              <a:buFont typeface="Arial" panose="020B0604020202020204" pitchFamily="34" charset="0"/>
-              <a:buChar char="•"/>
-              <a:tabLst/>
-            </a:pPr>
-            <a:r>
-              <a:rPr kumimoji="0" lang="en-US" altLang="en-US" sz="2400" b="0" i="0" u="none" strike="noStrike" cap="none" normalizeH="0" baseline="0" dirty="0">
-                <a:ln>
-                  <a:noFill/>
-                </a:ln>
-                <a:solidFill>
-                  <a:schemeClr val="bg1"/>
-                </a:solidFill>
-                <a:effectLst/>
-                <a:latin typeface="Arial" panose="020B0604020202020204" pitchFamily="34" charset="0"/>
-              </a:rPr>
-              <a:t>Captures network traffic in real-time.</a:t>
-            </a:r>
-          </a:p>
-          <a:p>
-            <a:pPr marL="342900" marR="0" lvl="0" indent="-342900" algn="l" defTabSz="914400" rtl="0" eaLnBrk="0" fontAlgn="base" latinLnBrk="0" hangingPunct="0">
-              <a:lnSpc>
-                <a:spcPct val="100000"/>
-              </a:lnSpc>
-              <a:spcBef>
-                <a:spcPct val="0"/>
-              </a:spcBef>
-              <a:spcAft>
-                <a:spcPct val="0"/>
-              </a:spcAft>
-              <a:buClrTx/>
-              <a:buSzTx/>
-              <a:buFont typeface="Arial" panose="020B0604020202020204" pitchFamily="34" charset="0"/>
-              <a:buChar char="•"/>
-              <a:tabLst/>
-            </a:pPr>
-            <a:r>
-              <a:rPr kumimoji="0" lang="en-US" altLang="en-US" sz="2400" b="0" i="0" u="none" strike="noStrike" cap="none" normalizeH="0" baseline="0" dirty="0">
-                <a:ln>
-                  <a:noFill/>
-                </a:ln>
-                <a:solidFill>
-                  <a:schemeClr val="bg1"/>
-                </a:solidFill>
-                <a:effectLst/>
-                <a:latin typeface="Arial" panose="020B0604020202020204" pitchFamily="34" charset="0"/>
-              </a:rPr>
-              <a:t>Provides detailed reports on bandwidth usage.</a:t>
-            </a:r>
-          </a:p>
-          <a:p>
-            <a:pPr marL="342900" marR="0" lvl="0" indent="-342900" algn="l" defTabSz="914400" rtl="0" eaLnBrk="0" fontAlgn="base" latinLnBrk="0" hangingPunct="0">
-              <a:lnSpc>
-                <a:spcPct val="100000"/>
-              </a:lnSpc>
-              <a:spcBef>
-                <a:spcPct val="0"/>
-              </a:spcBef>
-              <a:spcAft>
-                <a:spcPct val="0"/>
-              </a:spcAft>
-              <a:buClrTx/>
-              <a:buSzTx/>
-              <a:buFont typeface="Arial" panose="020B0604020202020204" pitchFamily="34" charset="0"/>
-              <a:buChar char="•"/>
-              <a:tabLst/>
-            </a:pPr>
-            <a:r>
-              <a:rPr kumimoji="0" lang="en-US" altLang="en-US" sz="2400" b="0" i="0" u="none" strike="noStrike" cap="none" normalizeH="0" baseline="0" dirty="0">
-                <a:ln>
-                  <a:noFill/>
-                </a:ln>
-                <a:solidFill>
-                  <a:schemeClr val="bg1"/>
-                </a:solidFill>
-                <a:effectLst/>
-                <a:latin typeface="Arial" panose="020B0604020202020204" pitchFamily="34" charset="0"/>
-              </a:rPr>
-              <a:t>Analyzes network statistics.</a:t>
-            </a:r>
-          </a:p>
-          <a:p>
-            <a:pPr marL="342900" marR="0" lvl="0" indent="-342900" algn="l" defTabSz="914400" rtl="0" eaLnBrk="0" fontAlgn="base" latinLnBrk="0" hangingPunct="0">
-              <a:lnSpc>
-                <a:spcPct val="100000"/>
-              </a:lnSpc>
-              <a:spcBef>
-                <a:spcPct val="0"/>
-              </a:spcBef>
-              <a:spcAft>
-                <a:spcPct val="0"/>
-              </a:spcAft>
-              <a:buClrTx/>
-              <a:buSzTx/>
-              <a:buFont typeface="Arial" panose="020B0604020202020204" pitchFamily="34" charset="0"/>
-              <a:buChar char="•"/>
-              <a:tabLst/>
-            </a:pPr>
-            <a:r>
-              <a:rPr kumimoji="0" lang="en-US" altLang="en-US" sz="2400" b="0" i="0" u="none" strike="noStrike" cap="none" normalizeH="0" baseline="0" dirty="0">
-                <a:ln>
-                  <a:noFill/>
-                </a:ln>
-                <a:solidFill>
-                  <a:schemeClr val="bg1"/>
-                </a:solidFill>
-                <a:effectLst/>
-                <a:latin typeface="Arial" panose="020B0604020202020204" pitchFamily="34" charset="0"/>
-              </a:rPr>
-              <a:t>creates graphical reports.</a:t>
-            </a:r>
-          </a:p>
-          <a:p>
-            <a:pPr marL="342900" marR="0" lvl="0" indent="-342900" algn="l" defTabSz="914400" rtl="0" eaLnBrk="0" fontAlgn="base" latinLnBrk="0" hangingPunct="0">
-              <a:lnSpc>
-                <a:spcPct val="100000"/>
-              </a:lnSpc>
-              <a:spcBef>
-                <a:spcPct val="0"/>
-              </a:spcBef>
-              <a:spcAft>
-                <a:spcPct val="0"/>
-              </a:spcAft>
-              <a:buClrTx/>
-              <a:buSzTx/>
-              <a:buFont typeface="Arial" panose="020B0604020202020204" pitchFamily="34" charset="0"/>
-              <a:buChar char="•"/>
-              <a:tabLst/>
-            </a:pPr>
-            <a:r>
-              <a:rPr kumimoji="0" lang="en-US" altLang="en-US" sz="2400" b="0" i="0" u="none" strike="noStrike" cap="none" normalizeH="0" baseline="0" dirty="0">
-                <a:ln>
-                  <a:noFill/>
-                </a:ln>
-                <a:solidFill>
-                  <a:schemeClr val="bg1"/>
-                </a:solidFill>
-                <a:effectLst/>
-                <a:latin typeface="Arial" panose="020B0604020202020204" pitchFamily="34" charset="0"/>
-              </a:rPr>
-              <a:t>Web-based interface for visualization. </a:t>
-            </a:r>
-          </a:p>
-          <a:p>
-            <a:pPr marL="285750" marR="0" lvl="0" indent="-285750" algn="l" defTabSz="914400" rtl="0" eaLnBrk="0" fontAlgn="base" latinLnBrk="0" hangingPunct="0">
-              <a:lnSpc>
-                <a:spcPct val="100000"/>
-              </a:lnSpc>
-              <a:spcBef>
-                <a:spcPct val="0"/>
-              </a:spcBef>
-              <a:spcAft>
-                <a:spcPct val="0"/>
-              </a:spcAft>
-              <a:buClrTx/>
-              <a:buSzTx/>
-              <a:buFont typeface="Arial" panose="020B0604020202020204" pitchFamily="34" charset="0"/>
-              <a:buChar char="•"/>
-              <a:tabLst/>
-            </a:pPr>
-            <a:endParaRPr kumimoji="0" lang="en-US" altLang="en-US" sz="1800" b="0" i="0" u="none" strike="noStrike" cap="none" normalizeH="0" baseline="0" dirty="0">
-              <a:ln>
-                <a:noFill/>
-              </a:ln>
-              <a:solidFill>
-                <a:schemeClr val="tx1"/>
-              </a:solidFill>
-              <a:effectLst/>
-              <a:latin typeface="Arial" panose="020B0604020202020204" pitchFamily="34" charset="0"/>
-            </a:endParaRPr>
-          </a:p>
-        </p:txBody>
-      </p:sp>
-    </p:spTree>
-  </p:cSld>
-  <p:clrMapOvr>
-    <a:masterClrMapping/>
-  </p:clrMapOvr>
-</p:sld>
-</file>
-
-<file path=ppt/slides/slide5.xml><?xml version="1.0" encoding="utf-8"?>
-<p:sld xmlns:a="http://schemas.openxmlformats.org/drawingml/2006/main" xmlns:r="http://schemas.openxmlformats.org/officeDocument/2006/relationships" xmlns:p="http://schemas.openxmlformats.org/presentationml/2006/main">
-  <p:cSld>
-    <p:spTree>
-      <p:nvGrpSpPr>
-        <p:cNvPr id="1" name="Shape 380"/>
-        <p:cNvGrpSpPr/>
-        <p:nvPr/>
-      </p:nvGrpSpPr>
-      <p:grpSpPr>
-        <a:xfrm>
-          <a:off x="0" y="0"/>
-          <a:ext cx="0" cy="0"/>
-          <a:chOff x="0" y="0"/>
-          <a:chExt cx="0" cy="0"/>
-        </a:xfrm>
-      </p:grpSpPr>
-      <p:pic>
-        <p:nvPicPr>
-          <p:cNvPr id="5" name="Picture 4" descr="A screenshot of a computer&#10;&#10;AI-generated content may be incorrect.">
-            <a:extLst>
-              <a:ext uri="{FF2B5EF4-FFF2-40B4-BE49-F238E27FC236}">
-                <a16:creationId xmlns:a16="http://schemas.microsoft.com/office/drawing/2014/main" id="{D59C0651-FF52-F74D-58A9-D2DB7038DA8E}"/>
-              </a:ext>
-            </a:extLst>
-          </p:cNvPr>
-          <p:cNvPicPr>
-            <a:picLocks noChangeAspect="1"/>
-          </p:cNvPicPr>
-          <p:nvPr/>
-        </p:nvPicPr>
-        <p:blipFill>
-          <a:blip r:embed="rId3"/>
-          <a:stretch>
-            <a:fillRect/>
-          </a:stretch>
-        </p:blipFill>
-        <p:spPr>
-          <a:xfrm>
-            <a:off x="0" y="422304"/>
-            <a:ext cx="9144000" cy="4042610"/>
-          </a:xfrm>
-          <a:prstGeom prst="rect">
-            <a:avLst/>
-          </a:prstGeom>
-        </p:spPr>
-      </p:pic>
-    </p:spTree>
-  </p:cSld>
-  <p:clrMapOvr>
-    <a:masterClrMapping/>
-  </p:clrMapOvr>
-</p:sld>
-</file>
-
-<file path=ppt/slides/slide6.xml><?xml version="1.0" encoding="utf-8"?>
-<p:sld xmlns:a="http://schemas.openxmlformats.org/drawingml/2006/main" xmlns:r="http://schemas.openxmlformats.org/officeDocument/2006/relationships" xmlns:p="http://schemas.openxmlformats.org/presentationml/2006/main">
-  <p:cSld>
-    <p:spTree>
-      <p:nvGrpSpPr>
-        <p:cNvPr id="1" name="Shape 468"/>
-        <p:cNvGrpSpPr/>
-        <p:nvPr/>
-      </p:nvGrpSpPr>
-      <p:grpSpPr>
-        <a:xfrm>
-          <a:off x="0" y="0"/>
-          <a:ext cx="0" cy="0"/>
-          <a:chOff x="0" y="0"/>
-          <a:chExt cx="0" cy="0"/>
-        </a:xfrm>
-      </p:grpSpPr>
-      <p:pic>
-        <p:nvPicPr>
-          <p:cNvPr id="2" name="Picture 1" descr="A screenshot of a computer&#10;&#10;AI-generated content may be incorrect.">
-            <a:extLst>
-              <a:ext uri="{FF2B5EF4-FFF2-40B4-BE49-F238E27FC236}">
-                <a16:creationId xmlns:a16="http://schemas.microsoft.com/office/drawing/2014/main" id="{BCE9A2C5-8688-9F2D-61F7-A1665274D337}"/>
-              </a:ext>
-            </a:extLst>
-          </p:cNvPr>
-          <p:cNvPicPr>
-            <a:picLocks noChangeAspect="1"/>
-          </p:cNvPicPr>
-          <p:nvPr/>
-        </p:nvPicPr>
-        <p:blipFill>
-          <a:blip r:embed="rId3"/>
-          <a:stretch>
-            <a:fillRect/>
-          </a:stretch>
-        </p:blipFill>
-        <p:spPr>
-          <a:xfrm>
-            <a:off x="197918" y="703891"/>
-            <a:ext cx="4321454" cy="3921459"/>
-          </a:xfrm>
-          <a:prstGeom prst="rect">
-            <a:avLst/>
-          </a:prstGeom>
-        </p:spPr>
-      </p:pic>
-      <p:pic>
-        <p:nvPicPr>
-          <p:cNvPr id="4" name="Picture 3" descr="A screenshot of a computer&#10;&#10;AI-generated content may be incorrect.">
-            <a:extLst>
-              <a:ext uri="{FF2B5EF4-FFF2-40B4-BE49-F238E27FC236}">
-                <a16:creationId xmlns:a16="http://schemas.microsoft.com/office/drawing/2014/main" id="{A9D10516-DBCC-6658-93E0-722D314AA028}"/>
-              </a:ext>
-            </a:extLst>
-          </p:cNvPr>
-          <p:cNvPicPr>
-            <a:picLocks noChangeAspect="1"/>
-          </p:cNvPicPr>
-          <p:nvPr/>
-        </p:nvPicPr>
-        <p:blipFill>
-          <a:blip r:embed="rId4"/>
-          <a:stretch>
-            <a:fillRect/>
-          </a:stretch>
-        </p:blipFill>
-        <p:spPr>
-          <a:xfrm>
-            <a:off x="4624630" y="736277"/>
-            <a:ext cx="4337682" cy="3822660"/>
-          </a:xfrm>
-          <a:prstGeom prst="rect">
-            <a:avLst/>
-          </a:prstGeom>
-        </p:spPr>
-      </p:pic>
-    </p:spTree>
-  </p:cSld>
-  <p:clrMapOvr>
-    <a:masterClrMapping/>
-  </p:clrMapOvr>
-</p:sld>
-</file>
-
-<file path=ppt/slides/slide7.xml><?xml version="1.0" encoding="utf-8"?>
-<p:sld xmlns:a="http://schemas.openxmlformats.org/drawingml/2006/main" xmlns:r="http://schemas.openxmlformats.org/officeDocument/2006/relationships" xmlns:p="http://schemas.openxmlformats.org/presentationml/2006/main">
-  <p:cSld>
-    <p:spTree>
-      <p:nvGrpSpPr>
-        <p:cNvPr id="1" name="Shape 562">
+        <p:cNvPr id="1" name="Shape 314">
           <a:extLst>
             <a:ext uri="{FF2B5EF4-FFF2-40B4-BE49-F238E27FC236}">
-              <a16:creationId xmlns:a16="http://schemas.microsoft.com/office/drawing/2014/main" id="{D85F0D87-47DA-A0FB-DD32-215053C45E9C}"/>
+              <a16:creationId xmlns:a16="http://schemas.microsoft.com/office/drawing/2014/main" id="{009F902E-2447-5054-B3BD-9AD8836D1BE4}"/>
             </a:ext>
           </a:extLst>
         </p:cNvPr>
@@ -11575,22 +7971,78 @@
       </p:grpSpPr>
       <p:sp>
         <p:nvSpPr>
-          <p:cNvPr id="5" name="Rectangle 1">
+          <p:cNvPr id="317" name="Google Shape;317;p53">
             <a:extLst>
               <a:ext uri="{FF2B5EF4-FFF2-40B4-BE49-F238E27FC236}">
-                <a16:creationId xmlns:a16="http://schemas.microsoft.com/office/drawing/2014/main" id="{455556A4-F929-8488-ABF6-56FAF77A1496}"/>
+                <a16:creationId xmlns:a16="http://schemas.microsoft.com/office/drawing/2014/main" id="{38539C5D-7A1F-B929-E42B-1715047D4DC0}"/>
               </a:ext>
             </a:extLst>
           </p:cNvPr>
-          <p:cNvSpPr>
-            <a:spLocks noChangeArrowheads="1"/>
+          <p:cNvSpPr txBox="1">
+            <a:spLocks noGrp="1"/>
+          </p:cNvSpPr>
+          <p:nvPr>
+            <p:ph type="subTitle" idx="1"/>
+          </p:nvPr>
+        </p:nvSpPr>
+        <p:spPr>
+          <a:xfrm>
+            <a:off x="625176" y="634307"/>
+            <a:ext cx="6052520" cy="821100"/>
+          </a:xfrm>
+          <a:prstGeom prst="rect">
+            <a:avLst/>
+          </a:prstGeom>
+        </p:spPr>
+        <p:txBody>
+          <a:bodyPr spcFirstLastPara="1" wrap="square" lIns="91425" tIns="91425" rIns="91425" bIns="91425" anchor="t" anchorCtr="0">
+            <a:noAutofit/>
+          </a:bodyPr>
+          <a:lstStyle/>
+          <a:p>
+            <a:pPr marL="0" lvl="0" indent="0" algn="l" rtl="0">
+              <a:spcBef>
+                <a:spcPts val="0"/>
+              </a:spcBef>
+              <a:spcAft>
+                <a:spcPts val="0"/>
+              </a:spcAft>
+              <a:buNone/>
+            </a:pPr>
+            <a:r>
+              <a:rPr lang="en" sz="2800" b="1" dirty="0">
+                <a:solidFill>
+                  <a:srgbClr val="FFC000"/>
+                </a:solidFill>
+              </a:rPr>
+              <a:t>Solution:  LSUS-CONNECT</a:t>
+            </a:r>
+            <a:endParaRPr sz="2800" b="1" dirty="0">
+              <a:solidFill>
+                <a:srgbClr val="FFC000"/>
+              </a:solidFill>
+            </a:endParaRPr>
+          </a:p>
+        </p:txBody>
+      </p:sp>
+      <p:sp>
+        <p:nvSpPr>
+          <p:cNvPr id="20" name="Google Shape;317;p53">
+            <a:extLst>
+              <a:ext uri="{FF2B5EF4-FFF2-40B4-BE49-F238E27FC236}">
+                <a16:creationId xmlns:a16="http://schemas.microsoft.com/office/drawing/2014/main" id="{144C9EDC-3EF5-5C21-2F28-0047F190041E}"/>
+              </a:ext>
+            </a:extLst>
+          </p:cNvPr>
+          <p:cNvSpPr txBox="1">
+            <a:spLocks/>
           </p:cNvSpPr>
           <p:nvPr/>
         </p:nvSpPr>
-        <p:spPr bwMode="auto">
+        <p:spPr>
           <a:xfrm>
-            <a:off x="1338438" y="691064"/>
-            <a:ext cx="7103227" cy="3323987"/>
+            <a:off x="1537429" y="1140875"/>
+            <a:ext cx="7297478" cy="3875445"/>
           </a:xfrm>
           <a:prstGeom prst="rect">
             <a:avLst/>
@@ -11599,49 +8051,260 @@
           <a:ln>
             <a:noFill/>
           </a:ln>
-          <a:effectLst/>
-          <a:extLst>
-            <a:ext uri="{909E8E84-426E-40DD-AFC4-6F175D3DCCD1}">
-              <a14:hiddenFill xmlns:a14="http://schemas.microsoft.com/office/drawing/2010/main">
-                <a:solidFill>
-                  <a:schemeClr val="accent1"/>
-                </a:solidFill>
-              </a14:hiddenFill>
-            </a:ext>
-            <a:ext uri="{91240B29-F687-4F45-9708-019B960494DF}">
-              <a14:hiddenLine xmlns:a14="http://schemas.microsoft.com/office/drawing/2010/main" w="9525">
-                <a:solidFill>
-                  <a:schemeClr val="tx1"/>
-                </a:solidFill>
-                <a:miter lim="800000"/>
-                <a:headEnd/>
-                <a:tailEnd/>
-              </a14:hiddenLine>
-            </a:ext>
-            <a:ext uri="{AF507438-7753-43E0-B8FC-AC1667EBCBE1}">
-              <a14:hiddenEffects xmlns:a14="http://schemas.microsoft.com/office/drawing/2010/main">
-                <a:effectLst>
-                  <a:outerShdw dist="35921" dir="2700000" algn="ctr" rotWithShape="0">
-                    <a:schemeClr val="bg2"/>
-                  </a:outerShdw>
-                </a:effectLst>
-              </a14:hiddenEffects>
-            </a:ext>
-          </a:extLst>
         </p:spPr>
         <p:txBody>
-          <a:bodyPr vert="horz" wrap="none" lIns="91440" tIns="45720" rIns="91440" bIns="45720" numCol="1" anchor="ctr" anchorCtr="0" compatLnSpc="1">
-            <a:prstTxWarp prst="textNoShape">
-              <a:avLst/>
-            </a:prstTxWarp>
-            <a:spAutoFit/>
+          <a:bodyPr spcFirstLastPara="1" wrap="square" lIns="91425" tIns="91425" rIns="91425" bIns="91425" anchor="t" anchorCtr="0">
+            <a:noAutofit/>
           </a:bodyPr>
-          <a:lstStyle/>
+          <a:lstStyle>
+            <a:defPPr marR="0" lvl="0" algn="l" rtl="0">
+              <a:lnSpc>
+                <a:spcPct val="100000"/>
+              </a:lnSpc>
+              <a:spcBef>
+                <a:spcPts val="0"/>
+              </a:spcBef>
+              <a:spcAft>
+                <a:spcPts val="0"/>
+              </a:spcAft>
+            </a:defPPr>
+            <a:lvl1pPr marL="457200" marR="0" lvl="0" indent="-342900" algn="ctr" rtl="0">
+              <a:lnSpc>
+                <a:spcPct val="100000"/>
+              </a:lnSpc>
+              <a:spcBef>
+                <a:spcPts val="0"/>
+              </a:spcBef>
+              <a:spcAft>
+                <a:spcPts val="0"/>
+              </a:spcAft>
+              <a:buClr>
+                <a:schemeClr val="accent1"/>
+              </a:buClr>
+              <a:buSzPts val="1400"/>
+              <a:buFont typeface="Montserrat"/>
+              <a:buNone/>
+              <a:defRPr sz="1400" b="0" i="0" u="none" strike="noStrike" cap="none">
+                <a:solidFill>
+                  <a:schemeClr val="accent1"/>
+                </a:solidFill>
+                <a:latin typeface="Montserrat"/>
+                <a:ea typeface="Montserrat"/>
+                <a:cs typeface="Montserrat"/>
+                <a:sym typeface="Montserrat"/>
+              </a:defRPr>
+            </a:lvl1pPr>
+            <a:lvl2pPr marL="914400" marR="0" lvl="1" indent="-317500" algn="ctr" rtl="0">
+              <a:lnSpc>
+                <a:spcPct val="100000"/>
+              </a:lnSpc>
+              <a:spcBef>
+                <a:spcPts val="0"/>
+              </a:spcBef>
+              <a:spcAft>
+                <a:spcPts val="0"/>
+              </a:spcAft>
+              <a:buClr>
+                <a:schemeClr val="accent1"/>
+              </a:buClr>
+              <a:buSzPts val="2100"/>
+              <a:buFont typeface="Montserrat"/>
+              <a:buNone/>
+              <a:defRPr sz="2100" b="0" i="0" u="none" strike="noStrike" cap="none">
+                <a:solidFill>
+                  <a:schemeClr val="accent1"/>
+                </a:solidFill>
+                <a:latin typeface="Montserrat"/>
+                <a:ea typeface="Montserrat"/>
+                <a:cs typeface="Montserrat"/>
+                <a:sym typeface="Montserrat"/>
+              </a:defRPr>
+            </a:lvl2pPr>
+            <a:lvl3pPr marL="1371600" marR="0" lvl="2" indent="-317500" algn="ctr" rtl="0">
+              <a:lnSpc>
+                <a:spcPct val="100000"/>
+              </a:lnSpc>
+              <a:spcBef>
+                <a:spcPts val="0"/>
+              </a:spcBef>
+              <a:spcAft>
+                <a:spcPts val="0"/>
+              </a:spcAft>
+              <a:buClr>
+                <a:schemeClr val="accent1"/>
+              </a:buClr>
+              <a:buSzPts val="2100"/>
+              <a:buFont typeface="Montserrat"/>
+              <a:buNone/>
+              <a:defRPr sz="2100" b="0" i="0" u="none" strike="noStrike" cap="none">
+                <a:solidFill>
+                  <a:schemeClr val="accent1"/>
+                </a:solidFill>
+                <a:latin typeface="Montserrat"/>
+                <a:ea typeface="Montserrat"/>
+                <a:cs typeface="Montserrat"/>
+                <a:sym typeface="Montserrat"/>
+              </a:defRPr>
+            </a:lvl3pPr>
+            <a:lvl4pPr marL="1828800" marR="0" lvl="3" indent="-317500" algn="ctr" rtl="0">
+              <a:lnSpc>
+                <a:spcPct val="100000"/>
+              </a:lnSpc>
+              <a:spcBef>
+                <a:spcPts val="0"/>
+              </a:spcBef>
+              <a:spcAft>
+                <a:spcPts val="0"/>
+              </a:spcAft>
+              <a:buClr>
+                <a:schemeClr val="accent1"/>
+              </a:buClr>
+              <a:buSzPts val="2100"/>
+              <a:buFont typeface="Montserrat"/>
+              <a:buNone/>
+              <a:defRPr sz="2100" b="0" i="0" u="none" strike="noStrike" cap="none">
+                <a:solidFill>
+                  <a:schemeClr val="accent1"/>
+                </a:solidFill>
+                <a:latin typeface="Montserrat"/>
+                <a:ea typeface="Montserrat"/>
+                <a:cs typeface="Montserrat"/>
+                <a:sym typeface="Montserrat"/>
+              </a:defRPr>
+            </a:lvl4pPr>
+            <a:lvl5pPr marL="2286000" marR="0" lvl="4" indent="-317500" algn="ctr" rtl="0">
+              <a:lnSpc>
+                <a:spcPct val="100000"/>
+              </a:lnSpc>
+              <a:spcBef>
+                <a:spcPts val="0"/>
+              </a:spcBef>
+              <a:spcAft>
+                <a:spcPts val="0"/>
+              </a:spcAft>
+              <a:buClr>
+                <a:schemeClr val="accent1"/>
+              </a:buClr>
+              <a:buSzPts val="2100"/>
+              <a:buFont typeface="Montserrat"/>
+              <a:buNone/>
+              <a:defRPr sz="2100" b="0" i="0" u="none" strike="noStrike" cap="none">
+                <a:solidFill>
+                  <a:schemeClr val="accent1"/>
+                </a:solidFill>
+                <a:latin typeface="Montserrat"/>
+                <a:ea typeface="Montserrat"/>
+                <a:cs typeface="Montserrat"/>
+                <a:sym typeface="Montserrat"/>
+              </a:defRPr>
+            </a:lvl5pPr>
+            <a:lvl6pPr marL="2743200" marR="0" lvl="5" indent="-317500" algn="ctr" rtl="0">
+              <a:lnSpc>
+                <a:spcPct val="100000"/>
+              </a:lnSpc>
+              <a:spcBef>
+                <a:spcPts val="0"/>
+              </a:spcBef>
+              <a:spcAft>
+                <a:spcPts val="0"/>
+              </a:spcAft>
+              <a:buClr>
+                <a:schemeClr val="accent1"/>
+              </a:buClr>
+              <a:buSzPts val="2100"/>
+              <a:buFont typeface="Montserrat"/>
+              <a:buNone/>
+              <a:defRPr sz="2100" b="0" i="0" u="none" strike="noStrike" cap="none">
+                <a:solidFill>
+                  <a:schemeClr val="accent1"/>
+                </a:solidFill>
+                <a:latin typeface="Montserrat"/>
+                <a:ea typeface="Montserrat"/>
+                <a:cs typeface="Montserrat"/>
+                <a:sym typeface="Montserrat"/>
+              </a:defRPr>
+            </a:lvl6pPr>
+            <a:lvl7pPr marL="3200400" marR="0" lvl="6" indent="-317500" algn="ctr" rtl="0">
+              <a:lnSpc>
+                <a:spcPct val="100000"/>
+              </a:lnSpc>
+              <a:spcBef>
+                <a:spcPts val="0"/>
+              </a:spcBef>
+              <a:spcAft>
+                <a:spcPts val="0"/>
+              </a:spcAft>
+              <a:buClr>
+                <a:schemeClr val="accent1"/>
+              </a:buClr>
+              <a:buSzPts val="2100"/>
+              <a:buFont typeface="Montserrat"/>
+              <a:buNone/>
+              <a:defRPr sz="2100" b="0" i="0" u="none" strike="noStrike" cap="none">
+                <a:solidFill>
+                  <a:schemeClr val="accent1"/>
+                </a:solidFill>
+                <a:latin typeface="Montserrat"/>
+                <a:ea typeface="Montserrat"/>
+                <a:cs typeface="Montserrat"/>
+                <a:sym typeface="Montserrat"/>
+              </a:defRPr>
+            </a:lvl7pPr>
+            <a:lvl8pPr marL="3657600" marR="0" lvl="7" indent="-317500" algn="ctr" rtl="0">
+              <a:lnSpc>
+                <a:spcPct val="100000"/>
+              </a:lnSpc>
+              <a:spcBef>
+                <a:spcPts val="0"/>
+              </a:spcBef>
+              <a:spcAft>
+                <a:spcPts val="0"/>
+              </a:spcAft>
+              <a:buClr>
+                <a:schemeClr val="accent1"/>
+              </a:buClr>
+              <a:buSzPts val="2100"/>
+              <a:buFont typeface="Montserrat"/>
+              <a:buNone/>
+              <a:defRPr sz="2100" b="0" i="0" u="none" strike="noStrike" cap="none">
+                <a:solidFill>
+                  <a:schemeClr val="accent1"/>
+                </a:solidFill>
+                <a:latin typeface="Montserrat"/>
+                <a:ea typeface="Montserrat"/>
+                <a:cs typeface="Montserrat"/>
+                <a:sym typeface="Montserrat"/>
+              </a:defRPr>
+            </a:lvl8pPr>
+            <a:lvl9pPr marL="4114800" marR="0" lvl="8" indent="-317500" algn="ctr" rtl="0">
+              <a:lnSpc>
+                <a:spcPct val="100000"/>
+              </a:lnSpc>
+              <a:spcBef>
+                <a:spcPts val="0"/>
+              </a:spcBef>
+              <a:spcAft>
+                <a:spcPts val="0"/>
+              </a:spcAft>
+              <a:buClr>
+                <a:schemeClr val="accent1"/>
+              </a:buClr>
+              <a:buSzPts val="2100"/>
+              <a:buFont typeface="Montserrat"/>
+              <a:buNone/>
+              <a:defRPr sz="2100" b="0" i="0" u="none" strike="noStrike" cap="none">
+                <a:solidFill>
+                  <a:schemeClr val="accent1"/>
+                </a:solidFill>
+                <a:latin typeface="Montserrat"/>
+                <a:ea typeface="Montserrat"/>
+                <a:cs typeface="Montserrat"/>
+                <a:sym typeface="Montserrat"/>
+              </a:defRPr>
+            </a:lvl9pPr>
+          </a:lstStyle>
           <a:p>
-            <a:pPr marL="0" marR="0" lvl="0" indent="0" algn="l" defTabSz="914400" rtl="0" eaLnBrk="0" fontAlgn="base" latinLnBrk="0" hangingPunct="0">
-              <a:lnSpc>
-                <a:spcPct val="100000"/>
-              </a:lnSpc>
+            <a:pPr marL="0" lvl="0" indent="0" algn="l" eaLnBrk="0" fontAlgn="base" hangingPunct="0">
               <a:spcBef>
                 <a:spcPct val="0"/>
               </a:spcBef>
@@ -11651,134 +8314,255 @@
               <a:buClrTx/>
               <a:buSzTx/>
               <a:buFontTx/>
-              <a:buNone/>
-              <a:tabLst/>
+              <a:buChar char="•"/>
+            </a:pPr>
+            <a:endParaRPr lang="en-US" altLang="en-US" sz="2000" dirty="0">
+              <a:solidFill>
+                <a:schemeClr val="bg1"/>
+              </a:solidFill>
+              <a:latin typeface="Arial" panose="020B0604020202020204" pitchFamily="34" charset="0"/>
+            </a:endParaRPr>
+          </a:p>
+          <a:p>
+            <a:pPr marL="342900" lvl="0" algn="l" eaLnBrk="0" fontAlgn="base" hangingPunct="0">
+              <a:spcBef>
+                <a:spcPct val="0"/>
+              </a:spcBef>
+              <a:spcAft>
+                <a:spcPct val="0"/>
+              </a:spcAft>
+              <a:buClrTx/>
+              <a:buSzTx/>
+              <a:buFont typeface="Wingdings" panose="05000000000000000000" pitchFamily="2" charset="2"/>
+              <a:buChar char="Ø"/>
             </a:pPr>
             <a:r>
-              <a:rPr lang="en-US" altLang="en-US" sz="3200" b="1" dirty="0">
+              <a:rPr lang="en-US" altLang="en-US" sz="2000" dirty="0">
                 <a:solidFill>
                   <a:schemeClr val="bg1"/>
                 </a:solidFill>
                 <a:latin typeface="Arial" panose="020B0604020202020204" pitchFamily="34" charset="0"/>
               </a:rPr>
-              <a:t>D</a:t>
-            </a:r>
-            <a:r>
-              <a:rPr kumimoji="0" lang="en-US" altLang="en-US" sz="3200" b="1" i="0" u="none" strike="noStrike" cap="none" normalizeH="0" baseline="0" dirty="0">
-                <a:ln>
-                  <a:noFill/>
-                </a:ln>
-                <a:solidFill>
-                  <a:schemeClr val="bg1"/>
-                </a:solidFill>
-                <a:effectLst/>
-                <a:latin typeface="Arial" panose="020B0604020202020204" pitchFamily="34" charset="0"/>
-              </a:rPr>
-              <a:t>rib</a:t>
+              <a:t>A campus-only marketplace &amp; social hub.</a:t>
             </a:r>
           </a:p>
           <a:p>
-            <a:endParaRPr lang="en-US" sz="3200" dirty="0"/>
+            <a:pPr marL="342900" lvl="0" algn="l" eaLnBrk="0" fontAlgn="base" hangingPunct="0">
+              <a:spcBef>
+                <a:spcPct val="0"/>
+              </a:spcBef>
+              <a:spcAft>
+                <a:spcPct val="0"/>
+              </a:spcAft>
+              <a:buClrTx/>
+              <a:buSzTx/>
+              <a:buFont typeface="Wingdings" panose="05000000000000000000" pitchFamily="2" charset="2"/>
+              <a:buChar char="Ø"/>
+            </a:pPr>
+            <a:endParaRPr lang="en-US" altLang="en-US" sz="2000" dirty="0">
+              <a:solidFill>
+                <a:schemeClr val="bg1"/>
+              </a:solidFill>
+              <a:latin typeface="Arial" panose="020B0604020202020204" pitchFamily="34" charset="0"/>
+            </a:endParaRPr>
           </a:p>
           <a:p>
-            <a:pPr marL="342900" indent="-342900">
-              <a:buFont typeface="Arial" panose="020B0604020202020204" pitchFamily="34" charset="0"/>
-              <a:buChar char="•"/>
+            <a:pPr marL="342900" lvl="0" algn="l" eaLnBrk="0" fontAlgn="base" hangingPunct="0">
+              <a:spcBef>
+                <a:spcPct val="0"/>
+              </a:spcBef>
+              <a:spcAft>
+                <a:spcPct val="0"/>
+              </a:spcAft>
+              <a:buClrTx/>
+              <a:buSzTx/>
+              <a:buFont typeface="Wingdings" panose="05000000000000000000" pitchFamily="2" charset="2"/>
+              <a:buChar char="Ø"/>
             </a:pPr>
             <a:r>
-              <a:rPr lang="en-US" sz="2400" dirty="0">
+              <a:rPr lang="en-US" altLang="en-US" sz="2000" dirty="0">
                 <a:solidFill>
                   <a:schemeClr val="bg1"/>
                 </a:solidFill>
+                <a:latin typeface="Arial" panose="020B0604020202020204" pitchFamily="34" charset="0"/>
               </a:rPr>
-              <a:t>web content scanner tool.</a:t>
+              <a:t>University email login → trusted, safe, student-only.</a:t>
             </a:r>
           </a:p>
           <a:p>
-            <a:pPr marL="342900" indent="-342900">
-              <a:buFont typeface="Arial" panose="020B0604020202020204" pitchFamily="34" charset="0"/>
-              <a:buChar char="•"/>
+            <a:pPr marL="342900" lvl="0" algn="l" eaLnBrk="0" fontAlgn="base" hangingPunct="0">
+              <a:spcBef>
+                <a:spcPct val="0"/>
+              </a:spcBef>
+              <a:spcAft>
+                <a:spcPct val="0"/>
+              </a:spcAft>
+              <a:buClrTx/>
+              <a:buSzTx/>
+              <a:buFont typeface="Wingdings" panose="05000000000000000000" pitchFamily="2" charset="2"/>
+              <a:buChar char="Ø"/>
+            </a:pPr>
+            <a:endParaRPr lang="en-US" altLang="en-US" sz="2000" dirty="0">
+              <a:solidFill>
+                <a:schemeClr val="bg1"/>
+              </a:solidFill>
+              <a:latin typeface="Arial" panose="020B0604020202020204" pitchFamily="34" charset="0"/>
+            </a:endParaRPr>
+          </a:p>
+          <a:p>
+            <a:pPr marL="342900" lvl="0" algn="l" eaLnBrk="0" fontAlgn="base" hangingPunct="0">
+              <a:spcBef>
+                <a:spcPct val="0"/>
+              </a:spcBef>
+              <a:spcAft>
+                <a:spcPct val="0"/>
+              </a:spcAft>
+              <a:buClrTx/>
+              <a:buSzTx/>
+              <a:buFont typeface="Wingdings" panose="05000000000000000000" pitchFamily="2" charset="2"/>
+              <a:buChar char="Ø"/>
             </a:pPr>
             <a:r>
-              <a:rPr lang="en-US" sz="2400" dirty="0">
+              <a:rPr lang="en-US" altLang="en-US" sz="2000" dirty="0">
                 <a:solidFill>
                   <a:schemeClr val="bg1"/>
                 </a:solidFill>
+                <a:latin typeface="Arial" panose="020B0604020202020204" pitchFamily="34" charset="0"/>
               </a:rPr>
-              <a:t>D</a:t>
-            </a:r>
-            <a:r>
-              <a:rPr lang="en-US" sz="2400">
-                <a:solidFill>
-                  <a:schemeClr val="bg1"/>
-                </a:solidFill>
-              </a:rPr>
-              <a:t>iscover </a:t>
-            </a:r>
-            <a:r>
-              <a:rPr lang="en-US" sz="2400" dirty="0">
-                <a:solidFill>
-                  <a:schemeClr val="bg1"/>
-                </a:solidFill>
-              </a:rPr>
-              <a:t>hidden directories and files.</a:t>
+              <a:t>Buy, sell, swap, or give away items.</a:t>
             </a:r>
           </a:p>
           <a:p>
-            <a:pPr marL="342900" indent="-342900">
-              <a:buFont typeface="Arial" panose="020B0604020202020204" pitchFamily="34" charset="0"/>
-              <a:buChar char="•"/>
+            <a:pPr marL="342900" lvl="0" algn="l" eaLnBrk="0" fontAlgn="base" hangingPunct="0">
+              <a:spcBef>
+                <a:spcPct val="0"/>
+              </a:spcBef>
+              <a:spcAft>
+                <a:spcPct val="0"/>
+              </a:spcAft>
+              <a:buClrTx/>
+              <a:buSzTx/>
+              <a:buFont typeface="Wingdings" panose="05000000000000000000" pitchFamily="2" charset="2"/>
+              <a:buChar char="Ø"/>
+            </a:pPr>
+            <a:endParaRPr lang="en-US" altLang="en-US" sz="2000" dirty="0">
+              <a:solidFill>
+                <a:schemeClr val="bg1"/>
+              </a:solidFill>
+              <a:latin typeface="Arial" panose="020B0604020202020204" pitchFamily="34" charset="0"/>
+            </a:endParaRPr>
+          </a:p>
+          <a:p>
+            <a:pPr marL="342900" lvl="0" algn="l" eaLnBrk="0" fontAlgn="base" hangingPunct="0">
+              <a:spcBef>
+                <a:spcPct val="0"/>
+              </a:spcBef>
+              <a:spcAft>
+                <a:spcPct val="0"/>
+              </a:spcAft>
+              <a:buClrTx/>
+              <a:buSzTx/>
+              <a:buFont typeface="Wingdings" panose="05000000000000000000" pitchFamily="2" charset="2"/>
+              <a:buChar char="Ø"/>
             </a:pPr>
             <a:r>
-              <a:rPr lang="en-US" sz="2400" dirty="0">
+              <a:rPr lang="en-US" altLang="en-US" sz="2000" dirty="0">
                 <a:solidFill>
                   <a:schemeClr val="bg1"/>
                 </a:solidFill>
+                <a:latin typeface="Arial" panose="020B0604020202020204" pitchFamily="34" charset="0"/>
               </a:rPr>
-              <a:t>brute-forcing URLs. </a:t>
+              <a:t>Finding Flat mate, new house or community</a:t>
             </a:r>
           </a:p>
           <a:p>
-            <a:pPr marL="342900" indent="-342900">
-              <a:buFont typeface="Arial" panose="020B0604020202020204" pitchFamily="34" charset="0"/>
-              <a:buChar char="•"/>
+            <a:pPr marL="342900" lvl="0" algn="l" eaLnBrk="0" fontAlgn="base" hangingPunct="0">
+              <a:spcBef>
+                <a:spcPct val="0"/>
+              </a:spcBef>
+              <a:spcAft>
+                <a:spcPct val="0"/>
+              </a:spcAft>
+              <a:buClrTx/>
+              <a:buSzTx/>
+              <a:buFont typeface="Wingdings" panose="05000000000000000000" pitchFamily="2" charset="2"/>
+              <a:buChar char="Ø"/>
+            </a:pPr>
+            <a:endParaRPr lang="en-US" altLang="en-US" sz="2000" dirty="0">
+              <a:solidFill>
+                <a:schemeClr val="bg1"/>
+              </a:solidFill>
+              <a:latin typeface="Arial" panose="020B0604020202020204" pitchFamily="34" charset="0"/>
+            </a:endParaRPr>
+          </a:p>
+          <a:p>
+            <a:pPr marL="342900" lvl="0" algn="l" eaLnBrk="0" fontAlgn="base" hangingPunct="0">
+              <a:spcBef>
+                <a:spcPct val="0"/>
+              </a:spcBef>
+              <a:spcAft>
+                <a:spcPct val="0"/>
+              </a:spcAft>
+              <a:buClrTx/>
+              <a:buSzTx/>
+              <a:buFont typeface="Wingdings" panose="05000000000000000000" pitchFamily="2" charset="2"/>
+              <a:buChar char="Ø"/>
             </a:pPr>
             <a:r>
-              <a:rPr lang="en-US" sz="2400" dirty="0">
+              <a:rPr lang="en-US" altLang="en-US" sz="2000" dirty="0">
                 <a:solidFill>
                   <a:schemeClr val="bg1"/>
                 </a:solidFill>
+                <a:latin typeface="Arial" panose="020B0604020202020204" pitchFamily="34" charset="0"/>
               </a:rPr>
-              <a:t>used in penetration testing.</a:t>
+              <a:t>Central place for announcements &amp; student Queries.</a:t>
             </a:r>
           </a:p>
           <a:p>
-            <a:pPr marL="342900" indent="-342900">
-              <a:buFont typeface="Arial" panose="020B0604020202020204" pitchFamily="34" charset="0"/>
-              <a:buChar char="•"/>
+            <a:pPr marL="342900" lvl="0" algn="l" eaLnBrk="0" fontAlgn="base" hangingPunct="0">
+              <a:spcBef>
+                <a:spcPct val="0"/>
+              </a:spcBef>
+              <a:spcAft>
+                <a:spcPct val="0"/>
+              </a:spcAft>
+              <a:buClrTx/>
+              <a:buSzTx/>
+              <a:buFont typeface="Wingdings" panose="05000000000000000000" pitchFamily="2" charset="2"/>
+              <a:buChar char="Ø"/>
+            </a:pPr>
+            <a:endParaRPr lang="en-US" altLang="en-US" sz="2000" dirty="0">
+              <a:solidFill>
+                <a:schemeClr val="bg1"/>
+              </a:solidFill>
+              <a:latin typeface="Arial" panose="020B0604020202020204" pitchFamily="34" charset="0"/>
+            </a:endParaRPr>
+          </a:p>
+          <a:p>
+            <a:pPr marL="342900" lvl="0" algn="l" eaLnBrk="0" fontAlgn="base" hangingPunct="0">
+              <a:spcBef>
+                <a:spcPct val="0"/>
+              </a:spcBef>
+              <a:spcAft>
+                <a:spcPct val="0"/>
+              </a:spcAft>
+              <a:buClrTx/>
+              <a:buSzTx/>
+              <a:buFont typeface="Wingdings" panose="05000000000000000000" pitchFamily="2" charset="2"/>
+              <a:buChar char="Ø"/>
             </a:pPr>
             <a:r>
-              <a:rPr lang="en-US" sz="2400" dirty="0">
+              <a:rPr lang="en-US" altLang="en-US" sz="2000" dirty="0">
                 <a:solidFill>
                   <a:schemeClr val="bg1"/>
                 </a:solidFill>
+                <a:latin typeface="Arial" panose="020B0604020202020204" pitchFamily="34" charset="0"/>
               </a:rPr>
-              <a:t>Finding vulnerable or misconfigured web pages</a:t>
-            </a:r>
-            <a:r>
-              <a:rPr lang="en-US" sz="3200" dirty="0">
-                <a:solidFill>
-                  <a:schemeClr val="bg1"/>
-                </a:solidFill>
-              </a:rPr>
-              <a:t>.</a:t>
+              <a:t>Built-in chat for direct, secure communication.</a:t>
             </a:r>
           </a:p>
           <a:p>
-            <a:pPr marR="0" lvl="0" algn="l" defTabSz="914400" rtl="0" eaLnBrk="0" fontAlgn="base" latinLnBrk="0" hangingPunct="0">
-              <a:lnSpc>
-                <a:spcPct val="100000"/>
-              </a:lnSpc>
+            <a:pPr marL="0" lvl="0" indent="0" algn="l" eaLnBrk="0" fontAlgn="base" hangingPunct="0">
               <a:spcBef>
                 <a:spcPct val="0"/>
               </a:spcBef>
@@ -11787,17 +8571,22 @@
               </a:spcAft>
               <a:buClrTx/>
               <a:buSzTx/>
-              <a:tabLst/>
+              <a:buFontTx/>
+              <a:buChar char="•"/>
             </a:pPr>
-            <a:endParaRPr kumimoji="0" lang="en-US" altLang="en-US" sz="1800" i="0" u="none" strike="noStrike" cap="none" normalizeH="0" baseline="0" dirty="0">
-              <a:ln>
-                <a:noFill/>
-              </a:ln>
+            <a:endParaRPr lang="en-US" altLang="en-US" sz="2000" dirty="0">
               <a:solidFill>
-                <a:schemeClr val="tx1"/>
+                <a:schemeClr val="bg1"/>
               </a:solidFill>
-              <a:effectLst/>
               <a:latin typeface="Arial" panose="020B0604020202020204" pitchFamily="34" charset="0"/>
+            </a:endParaRPr>
+          </a:p>
+          <a:p>
+            <a:pPr marL="0" indent="0"/>
+            <a:endParaRPr lang="en-US" sz="2000" b="1" dirty="0">
+              <a:solidFill>
+                <a:srgbClr val="FFC000"/>
+              </a:solidFill>
             </a:endParaRPr>
           </a:p>
         </p:txBody>
@@ -11805,7 +8594,7 @@
     </p:spTree>
     <p:extLst>
       <p:ext uri="{BB962C8B-B14F-4D97-AF65-F5344CB8AC3E}">
-        <p14:creationId xmlns:p14="http://schemas.microsoft.com/office/powerpoint/2010/main" val="268363105"/>
+        <p14:creationId xmlns:p14="http://schemas.microsoft.com/office/powerpoint/2010/main" val="2184195737"/>
       </p:ext>
     </p:extLst>
   </p:cSld>
@@ -11815,100 +8604,15 @@
 </p:sld>
 </file>
 
-<file path=ppt/slides/slide8.xml><?xml version="1.0" encoding="utf-8"?>
+<file path=ppt/slides/slide5.xml><?xml version="1.0" encoding="utf-8"?>
 <p:sld xmlns:a="http://schemas.openxmlformats.org/drawingml/2006/main" xmlns:r="http://schemas.openxmlformats.org/officeDocument/2006/relationships" xmlns:p="http://schemas.openxmlformats.org/presentationml/2006/main">
   <p:cSld>
     <p:spTree>
       <p:nvGrpSpPr>
-        <p:cNvPr id="1" name="Shape 769"/>
-        <p:cNvGrpSpPr/>
-        <p:nvPr/>
-      </p:nvGrpSpPr>
-      <p:grpSpPr>
-        <a:xfrm>
-          <a:off x="0" y="0"/>
-          <a:ext cx="0" cy="0"/>
-          <a:chOff x="0" y="0"/>
-          <a:chExt cx="0" cy="0"/>
-        </a:xfrm>
-      </p:grpSpPr>
-      <p:pic>
-        <p:nvPicPr>
-          <p:cNvPr id="3" name="Picture 2" descr="A screenshot of a computer screen&#10;&#10;AI-generated content may be incorrect.">
-            <a:extLst>
-              <a:ext uri="{FF2B5EF4-FFF2-40B4-BE49-F238E27FC236}">
-                <a16:creationId xmlns:a16="http://schemas.microsoft.com/office/drawing/2014/main" id="{E79293A4-6A1A-DC52-AFDB-D9C4859AFF21}"/>
-              </a:ext>
-            </a:extLst>
-          </p:cNvPr>
-          <p:cNvPicPr>
-            <a:picLocks noChangeAspect="1"/>
-          </p:cNvPicPr>
-          <p:nvPr/>
-        </p:nvPicPr>
-        <p:blipFill>
-          <a:blip r:embed="rId3"/>
-          <a:stretch>
-            <a:fillRect/>
-          </a:stretch>
-        </p:blipFill>
-        <p:spPr>
-          <a:xfrm>
-            <a:off x="860942" y="103367"/>
-            <a:ext cx="2858068" cy="4936766"/>
-          </a:xfrm>
-          <a:prstGeom prst="rect">
-            <a:avLst/>
-          </a:prstGeom>
-        </p:spPr>
-      </p:pic>
-      <p:pic>
-        <p:nvPicPr>
-          <p:cNvPr id="5" name="Picture 4" descr="A screenshot of a computer program&#10;&#10;AI-generated content may be incorrect.">
-            <a:extLst>
-              <a:ext uri="{FF2B5EF4-FFF2-40B4-BE49-F238E27FC236}">
-                <a16:creationId xmlns:a16="http://schemas.microsoft.com/office/drawing/2014/main" id="{5A3A72DF-8C93-E867-29A0-4ACA06AF4730}"/>
-              </a:ext>
-            </a:extLst>
-          </p:cNvPr>
-          <p:cNvPicPr>
-            <a:picLocks noChangeAspect="1"/>
-          </p:cNvPicPr>
-          <p:nvPr/>
-        </p:nvPicPr>
-        <p:blipFill>
-          <a:blip r:embed="rId4"/>
-          <a:stretch>
-            <a:fillRect/>
-          </a:stretch>
-        </p:blipFill>
-        <p:spPr>
-          <a:xfrm>
-            <a:off x="4365096" y="103367"/>
-            <a:ext cx="4121451" cy="4936766"/>
-          </a:xfrm>
-          <a:prstGeom prst="rect">
-            <a:avLst/>
-          </a:prstGeom>
-        </p:spPr>
-      </p:pic>
-    </p:spTree>
-  </p:cSld>
-  <p:clrMapOvr>
-    <a:masterClrMapping/>
-  </p:clrMapOvr>
-</p:sld>
-</file>
-
-<file path=ppt/slides/slide9.xml><?xml version="1.0" encoding="utf-8"?>
-<p:sld xmlns:a="http://schemas.openxmlformats.org/drawingml/2006/main" xmlns:r="http://schemas.openxmlformats.org/officeDocument/2006/relationships" xmlns:p="http://schemas.openxmlformats.org/presentationml/2006/main">
-  <p:cSld>
-    <p:spTree>
-      <p:nvGrpSpPr>
-        <p:cNvPr id="1" name="Shape 562">
+        <p:cNvPr id="1" name="Shape 314">
           <a:extLst>
             <a:ext uri="{FF2B5EF4-FFF2-40B4-BE49-F238E27FC236}">
-              <a16:creationId xmlns:a16="http://schemas.microsoft.com/office/drawing/2014/main" id="{0CB7EF2C-0F9C-0DCE-EB4C-388A1AF19836}"/>
+              <a16:creationId xmlns:a16="http://schemas.microsoft.com/office/drawing/2014/main" id="{D221D21D-E5A3-32C4-070A-998E3EED3723}"/>
             </a:ext>
           </a:extLst>
         </p:cNvPr>
@@ -11925,22 +8629,78 @@
       </p:grpSpPr>
       <p:sp>
         <p:nvSpPr>
-          <p:cNvPr id="5" name="Rectangle 1">
+          <p:cNvPr id="317" name="Google Shape;317;p53">
             <a:extLst>
               <a:ext uri="{FF2B5EF4-FFF2-40B4-BE49-F238E27FC236}">
-                <a16:creationId xmlns:a16="http://schemas.microsoft.com/office/drawing/2014/main" id="{4FF3EFE9-E315-7286-C797-C77D5B53418E}"/>
+                <a16:creationId xmlns:a16="http://schemas.microsoft.com/office/drawing/2014/main" id="{EC1C805C-DF64-CA03-4441-ED8DFA704732}"/>
               </a:ext>
             </a:extLst>
           </p:cNvPr>
-          <p:cNvSpPr>
-            <a:spLocks noChangeArrowheads="1"/>
+          <p:cNvSpPr txBox="1">
+            <a:spLocks noGrp="1"/>
+          </p:cNvSpPr>
+          <p:nvPr>
+            <p:ph type="subTitle" idx="1"/>
+          </p:nvPr>
+        </p:nvSpPr>
+        <p:spPr>
+          <a:xfrm>
+            <a:off x="625176" y="634307"/>
+            <a:ext cx="6052520" cy="821100"/>
+          </a:xfrm>
+          <a:prstGeom prst="rect">
+            <a:avLst/>
+          </a:prstGeom>
+        </p:spPr>
+        <p:txBody>
+          <a:bodyPr spcFirstLastPara="1" wrap="square" lIns="91425" tIns="91425" rIns="91425" bIns="91425" anchor="t" anchorCtr="0">
+            <a:noAutofit/>
+          </a:bodyPr>
+          <a:lstStyle/>
+          <a:p>
+            <a:pPr marL="0" lvl="0" indent="0" algn="l" rtl="0">
+              <a:spcBef>
+                <a:spcPts val="0"/>
+              </a:spcBef>
+              <a:spcAft>
+                <a:spcPts val="0"/>
+              </a:spcAft>
+              <a:buNone/>
+            </a:pPr>
+            <a:r>
+              <a:rPr lang="en" sz="2800" b="1" dirty="0">
+                <a:solidFill>
+                  <a:srgbClr val="FFC000"/>
+                </a:solidFill>
+              </a:rPr>
+              <a:t>Plan:</a:t>
+            </a:r>
+            <a:endParaRPr sz="2800" b="1" dirty="0">
+              <a:solidFill>
+                <a:srgbClr val="FFC000"/>
+              </a:solidFill>
+            </a:endParaRPr>
+          </a:p>
+        </p:txBody>
+      </p:sp>
+      <p:sp>
+        <p:nvSpPr>
+          <p:cNvPr id="20" name="Google Shape;317;p53">
+            <a:extLst>
+              <a:ext uri="{FF2B5EF4-FFF2-40B4-BE49-F238E27FC236}">
+                <a16:creationId xmlns:a16="http://schemas.microsoft.com/office/drawing/2014/main" id="{AB07ED30-9130-9A81-6DC7-99AB3DAABEA9}"/>
+              </a:ext>
+            </a:extLst>
+          </p:cNvPr>
+          <p:cNvSpPr txBox="1">
+            <a:spLocks/>
           </p:cNvSpPr>
           <p:nvPr/>
         </p:nvSpPr>
-        <p:spPr bwMode="auto">
+        <p:spPr>
           <a:xfrm>
-            <a:off x="1170502" y="917518"/>
-            <a:ext cx="6846746" cy="2123658"/>
+            <a:off x="1460156" y="1359817"/>
+            <a:ext cx="7297478" cy="3469760"/>
           </a:xfrm>
           <a:prstGeom prst="rect">
             <a:avLst/>
@@ -11949,49 +8709,260 @@
           <a:ln>
             <a:noFill/>
           </a:ln>
-          <a:effectLst/>
-          <a:extLst>
-            <a:ext uri="{909E8E84-426E-40DD-AFC4-6F175D3DCCD1}">
-              <a14:hiddenFill xmlns:a14="http://schemas.microsoft.com/office/drawing/2010/main">
-                <a:solidFill>
-                  <a:schemeClr val="accent1"/>
-                </a:solidFill>
-              </a14:hiddenFill>
-            </a:ext>
-            <a:ext uri="{91240B29-F687-4F45-9708-019B960494DF}">
-              <a14:hiddenLine xmlns:a14="http://schemas.microsoft.com/office/drawing/2010/main" w="9525">
-                <a:solidFill>
-                  <a:schemeClr val="tx1"/>
-                </a:solidFill>
-                <a:miter lim="800000"/>
-                <a:headEnd/>
-                <a:tailEnd/>
-              </a14:hiddenLine>
-            </a:ext>
-            <a:ext uri="{AF507438-7753-43E0-B8FC-AC1667EBCBE1}">
-              <a14:hiddenEffects xmlns:a14="http://schemas.microsoft.com/office/drawing/2010/main">
-                <a:effectLst>
-                  <a:outerShdw dist="35921" dir="2700000" algn="ctr" rotWithShape="0">
-                    <a:schemeClr val="bg2"/>
-                  </a:outerShdw>
-                </a:effectLst>
-              </a14:hiddenEffects>
-            </a:ext>
-          </a:extLst>
         </p:spPr>
         <p:txBody>
-          <a:bodyPr vert="horz" wrap="none" lIns="91440" tIns="45720" rIns="91440" bIns="45720" numCol="1" anchor="ctr" anchorCtr="0" compatLnSpc="1">
-            <a:prstTxWarp prst="textNoShape">
-              <a:avLst/>
-            </a:prstTxWarp>
-            <a:spAutoFit/>
+          <a:bodyPr spcFirstLastPara="1" wrap="square" lIns="91425" tIns="91425" rIns="91425" bIns="91425" anchor="t" anchorCtr="0">
+            <a:noAutofit/>
           </a:bodyPr>
-          <a:lstStyle/>
+          <a:lstStyle>
+            <a:defPPr marR="0" lvl="0" algn="l" rtl="0">
+              <a:lnSpc>
+                <a:spcPct val="100000"/>
+              </a:lnSpc>
+              <a:spcBef>
+                <a:spcPts val="0"/>
+              </a:spcBef>
+              <a:spcAft>
+                <a:spcPts val="0"/>
+              </a:spcAft>
+            </a:defPPr>
+            <a:lvl1pPr marL="457200" marR="0" lvl="0" indent="-342900" algn="ctr" rtl="0">
+              <a:lnSpc>
+                <a:spcPct val="100000"/>
+              </a:lnSpc>
+              <a:spcBef>
+                <a:spcPts val="0"/>
+              </a:spcBef>
+              <a:spcAft>
+                <a:spcPts val="0"/>
+              </a:spcAft>
+              <a:buClr>
+                <a:schemeClr val="accent1"/>
+              </a:buClr>
+              <a:buSzPts val="1400"/>
+              <a:buFont typeface="Montserrat"/>
+              <a:buNone/>
+              <a:defRPr sz="1400" b="0" i="0" u="none" strike="noStrike" cap="none">
+                <a:solidFill>
+                  <a:schemeClr val="accent1"/>
+                </a:solidFill>
+                <a:latin typeface="Montserrat"/>
+                <a:ea typeface="Montserrat"/>
+                <a:cs typeface="Montserrat"/>
+                <a:sym typeface="Montserrat"/>
+              </a:defRPr>
+            </a:lvl1pPr>
+            <a:lvl2pPr marL="914400" marR="0" lvl="1" indent="-317500" algn="ctr" rtl="0">
+              <a:lnSpc>
+                <a:spcPct val="100000"/>
+              </a:lnSpc>
+              <a:spcBef>
+                <a:spcPts val="0"/>
+              </a:spcBef>
+              <a:spcAft>
+                <a:spcPts val="0"/>
+              </a:spcAft>
+              <a:buClr>
+                <a:schemeClr val="accent1"/>
+              </a:buClr>
+              <a:buSzPts val="2100"/>
+              <a:buFont typeface="Montserrat"/>
+              <a:buNone/>
+              <a:defRPr sz="2100" b="0" i="0" u="none" strike="noStrike" cap="none">
+                <a:solidFill>
+                  <a:schemeClr val="accent1"/>
+                </a:solidFill>
+                <a:latin typeface="Montserrat"/>
+                <a:ea typeface="Montserrat"/>
+                <a:cs typeface="Montserrat"/>
+                <a:sym typeface="Montserrat"/>
+              </a:defRPr>
+            </a:lvl2pPr>
+            <a:lvl3pPr marL="1371600" marR="0" lvl="2" indent="-317500" algn="ctr" rtl="0">
+              <a:lnSpc>
+                <a:spcPct val="100000"/>
+              </a:lnSpc>
+              <a:spcBef>
+                <a:spcPts val="0"/>
+              </a:spcBef>
+              <a:spcAft>
+                <a:spcPts val="0"/>
+              </a:spcAft>
+              <a:buClr>
+                <a:schemeClr val="accent1"/>
+              </a:buClr>
+              <a:buSzPts val="2100"/>
+              <a:buFont typeface="Montserrat"/>
+              <a:buNone/>
+              <a:defRPr sz="2100" b="0" i="0" u="none" strike="noStrike" cap="none">
+                <a:solidFill>
+                  <a:schemeClr val="accent1"/>
+                </a:solidFill>
+                <a:latin typeface="Montserrat"/>
+                <a:ea typeface="Montserrat"/>
+                <a:cs typeface="Montserrat"/>
+                <a:sym typeface="Montserrat"/>
+              </a:defRPr>
+            </a:lvl3pPr>
+            <a:lvl4pPr marL="1828800" marR="0" lvl="3" indent="-317500" algn="ctr" rtl="0">
+              <a:lnSpc>
+                <a:spcPct val="100000"/>
+              </a:lnSpc>
+              <a:spcBef>
+                <a:spcPts val="0"/>
+              </a:spcBef>
+              <a:spcAft>
+                <a:spcPts val="0"/>
+              </a:spcAft>
+              <a:buClr>
+                <a:schemeClr val="accent1"/>
+              </a:buClr>
+              <a:buSzPts val="2100"/>
+              <a:buFont typeface="Montserrat"/>
+              <a:buNone/>
+              <a:defRPr sz="2100" b="0" i="0" u="none" strike="noStrike" cap="none">
+                <a:solidFill>
+                  <a:schemeClr val="accent1"/>
+                </a:solidFill>
+                <a:latin typeface="Montserrat"/>
+                <a:ea typeface="Montserrat"/>
+                <a:cs typeface="Montserrat"/>
+                <a:sym typeface="Montserrat"/>
+              </a:defRPr>
+            </a:lvl4pPr>
+            <a:lvl5pPr marL="2286000" marR="0" lvl="4" indent="-317500" algn="ctr" rtl="0">
+              <a:lnSpc>
+                <a:spcPct val="100000"/>
+              </a:lnSpc>
+              <a:spcBef>
+                <a:spcPts val="0"/>
+              </a:spcBef>
+              <a:spcAft>
+                <a:spcPts val="0"/>
+              </a:spcAft>
+              <a:buClr>
+                <a:schemeClr val="accent1"/>
+              </a:buClr>
+              <a:buSzPts val="2100"/>
+              <a:buFont typeface="Montserrat"/>
+              <a:buNone/>
+              <a:defRPr sz="2100" b="0" i="0" u="none" strike="noStrike" cap="none">
+                <a:solidFill>
+                  <a:schemeClr val="accent1"/>
+                </a:solidFill>
+                <a:latin typeface="Montserrat"/>
+                <a:ea typeface="Montserrat"/>
+                <a:cs typeface="Montserrat"/>
+                <a:sym typeface="Montserrat"/>
+              </a:defRPr>
+            </a:lvl5pPr>
+            <a:lvl6pPr marL="2743200" marR="0" lvl="5" indent="-317500" algn="ctr" rtl="0">
+              <a:lnSpc>
+                <a:spcPct val="100000"/>
+              </a:lnSpc>
+              <a:spcBef>
+                <a:spcPts val="0"/>
+              </a:spcBef>
+              <a:spcAft>
+                <a:spcPts val="0"/>
+              </a:spcAft>
+              <a:buClr>
+                <a:schemeClr val="accent1"/>
+              </a:buClr>
+              <a:buSzPts val="2100"/>
+              <a:buFont typeface="Montserrat"/>
+              <a:buNone/>
+              <a:defRPr sz="2100" b="0" i="0" u="none" strike="noStrike" cap="none">
+                <a:solidFill>
+                  <a:schemeClr val="accent1"/>
+                </a:solidFill>
+                <a:latin typeface="Montserrat"/>
+                <a:ea typeface="Montserrat"/>
+                <a:cs typeface="Montserrat"/>
+                <a:sym typeface="Montserrat"/>
+              </a:defRPr>
+            </a:lvl6pPr>
+            <a:lvl7pPr marL="3200400" marR="0" lvl="6" indent="-317500" algn="ctr" rtl="0">
+              <a:lnSpc>
+                <a:spcPct val="100000"/>
+              </a:lnSpc>
+              <a:spcBef>
+                <a:spcPts val="0"/>
+              </a:spcBef>
+              <a:spcAft>
+                <a:spcPts val="0"/>
+              </a:spcAft>
+              <a:buClr>
+                <a:schemeClr val="accent1"/>
+              </a:buClr>
+              <a:buSzPts val="2100"/>
+              <a:buFont typeface="Montserrat"/>
+              <a:buNone/>
+              <a:defRPr sz="2100" b="0" i="0" u="none" strike="noStrike" cap="none">
+                <a:solidFill>
+                  <a:schemeClr val="accent1"/>
+                </a:solidFill>
+                <a:latin typeface="Montserrat"/>
+                <a:ea typeface="Montserrat"/>
+                <a:cs typeface="Montserrat"/>
+                <a:sym typeface="Montserrat"/>
+              </a:defRPr>
+            </a:lvl7pPr>
+            <a:lvl8pPr marL="3657600" marR="0" lvl="7" indent="-317500" algn="ctr" rtl="0">
+              <a:lnSpc>
+                <a:spcPct val="100000"/>
+              </a:lnSpc>
+              <a:spcBef>
+                <a:spcPts val="0"/>
+              </a:spcBef>
+              <a:spcAft>
+                <a:spcPts val="0"/>
+              </a:spcAft>
+              <a:buClr>
+                <a:schemeClr val="accent1"/>
+              </a:buClr>
+              <a:buSzPts val="2100"/>
+              <a:buFont typeface="Montserrat"/>
+              <a:buNone/>
+              <a:defRPr sz="2100" b="0" i="0" u="none" strike="noStrike" cap="none">
+                <a:solidFill>
+                  <a:schemeClr val="accent1"/>
+                </a:solidFill>
+                <a:latin typeface="Montserrat"/>
+                <a:ea typeface="Montserrat"/>
+                <a:cs typeface="Montserrat"/>
+                <a:sym typeface="Montserrat"/>
+              </a:defRPr>
+            </a:lvl8pPr>
+            <a:lvl9pPr marL="4114800" marR="0" lvl="8" indent="-317500" algn="ctr" rtl="0">
+              <a:lnSpc>
+                <a:spcPct val="100000"/>
+              </a:lnSpc>
+              <a:spcBef>
+                <a:spcPts val="0"/>
+              </a:spcBef>
+              <a:spcAft>
+                <a:spcPts val="0"/>
+              </a:spcAft>
+              <a:buClr>
+                <a:schemeClr val="accent1"/>
+              </a:buClr>
+              <a:buSzPts val="2100"/>
+              <a:buFont typeface="Montserrat"/>
+              <a:buNone/>
+              <a:defRPr sz="2100" b="0" i="0" u="none" strike="noStrike" cap="none">
+                <a:solidFill>
+                  <a:schemeClr val="accent1"/>
+                </a:solidFill>
+                <a:latin typeface="Montserrat"/>
+                <a:ea typeface="Montserrat"/>
+                <a:cs typeface="Montserrat"/>
+                <a:sym typeface="Montserrat"/>
+              </a:defRPr>
+            </a:lvl9pPr>
+          </a:lstStyle>
           <a:p>
-            <a:pPr marR="0" lvl="0" algn="l" defTabSz="914400" rtl="0" eaLnBrk="0" fontAlgn="base" latinLnBrk="0" hangingPunct="0">
-              <a:lnSpc>
-                <a:spcPct val="100000"/>
-              </a:lnSpc>
+            <a:pPr marL="0" lvl="0" indent="0" algn="l" eaLnBrk="0" fontAlgn="base" hangingPunct="0">
               <a:spcBef>
                 <a:spcPct val="0"/>
               </a:spcBef>
@@ -12000,37 +8971,18 @@
               </a:spcAft>
               <a:buClrTx/>
               <a:buSzTx/>
-              <a:tabLst/>
+              <a:buFontTx/>
+              <a:buChar char="•"/>
             </a:pPr>
-            <a:r>
-              <a:rPr lang="en-US" altLang="en-US" sz="3600" b="1" dirty="0" err="1">
-                <a:solidFill>
-                  <a:schemeClr val="bg1">
-                    <a:lumMod val="95000"/>
-                  </a:schemeClr>
-                </a:solidFill>
-                <a:latin typeface="Arial" panose="020B0604020202020204" pitchFamily="34" charset="0"/>
-              </a:rPr>
-              <a:t>DNSenum</a:t>
-            </a:r>
-            <a:endParaRPr kumimoji="0" lang="en-US" altLang="en-US" sz="3600" b="1" i="0" u="none" strike="noStrike" cap="none" normalizeH="0" baseline="0" dirty="0">
-              <a:ln>
-                <a:noFill/>
-              </a:ln>
+            <a:endParaRPr lang="en-US" altLang="en-US" sz="2000" dirty="0">
               <a:solidFill>
-                <a:schemeClr val="bg1">
-                  <a:lumMod val="95000"/>
-                </a:schemeClr>
+                <a:schemeClr val="bg1"/>
               </a:solidFill>
-              <a:effectLst/>
               <a:latin typeface="Arial" panose="020B0604020202020204" pitchFamily="34" charset="0"/>
             </a:endParaRPr>
           </a:p>
           <a:p>
-            <a:pPr marL="342900" marR="0" lvl="0" indent="-342900" algn="l" defTabSz="914400" rtl="0" eaLnBrk="0" fontAlgn="base" latinLnBrk="0" hangingPunct="0">
-              <a:lnSpc>
-                <a:spcPct val="100000"/>
-              </a:lnSpc>
+            <a:pPr marL="0" lvl="0" indent="0" algn="l" eaLnBrk="0" fontAlgn="base" hangingPunct="0">
               <a:spcBef>
                 <a:spcPct val="0"/>
               </a:spcBef>
@@ -12039,26 +8991,21 @@
               </a:spcAft>
               <a:buClrTx/>
               <a:buSzTx/>
-              <a:buFont typeface="Arial" panose="020B0604020202020204" pitchFamily="34" charset="0"/>
+              <a:buFontTx/>
               <a:buChar char="•"/>
-              <a:tabLst/>
             </a:pPr>
             <a:r>
-              <a:rPr lang="en-US" sz="2400" dirty="0">
-                <a:solidFill>
-                  <a:schemeClr val="bg1">
-                    <a:lumMod val="95000"/>
-                  </a:schemeClr>
-                </a:solidFill>
+              <a:rPr lang="en-US" altLang="en-US" sz="2000" dirty="0">
+                <a:solidFill>
+                  <a:schemeClr val="bg1"/>
+                </a:solidFill>
+                <a:latin typeface="Arial" panose="020B0604020202020204" pitchFamily="34" charset="0"/>
               </a:rPr>
-              <a:t>Discovering subdomains and hostnames.</a:t>
+              <a:t>Web based application </a:t>
             </a:r>
           </a:p>
           <a:p>
-            <a:pPr marL="342900" marR="0" lvl="0" indent="-342900" algn="l" defTabSz="914400" rtl="0" eaLnBrk="0" fontAlgn="base" latinLnBrk="0" hangingPunct="0">
-              <a:lnSpc>
-                <a:spcPct val="100000"/>
-              </a:lnSpc>
+            <a:pPr marL="0" lvl="0" indent="0" algn="l" eaLnBrk="0" fontAlgn="base" hangingPunct="0">
               <a:spcBef>
                 <a:spcPct val="0"/>
               </a:spcBef>
@@ -12067,81 +9014,18 @@
               </a:spcAft>
               <a:buClrTx/>
               <a:buSzTx/>
-              <a:buFont typeface="Arial" panose="020B0604020202020204" pitchFamily="34" charset="0"/>
+              <a:buFontTx/>
               <a:buChar char="•"/>
-              <a:tabLst/>
             </a:pPr>
-            <a:r>
-              <a:rPr lang="en-US" sz="2400" dirty="0">
-                <a:solidFill>
-                  <a:schemeClr val="bg1">
-                    <a:lumMod val="95000"/>
-                  </a:schemeClr>
-                </a:solidFill>
-              </a:rPr>
-              <a:t>Gathering MX records.</a:t>
-            </a:r>
-            <a:r>
-              <a:rPr kumimoji="0" lang="en-US" altLang="en-US" sz="2400" i="0" u="none" strike="noStrike" cap="none" normalizeH="0" baseline="0" dirty="0">
-                <a:ln>
-                  <a:noFill/>
-                </a:ln>
-                <a:solidFill>
-                  <a:schemeClr val="bg1">
-                    <a:lumMod val="95000"/>
-                  </a:schemeClr>
-                </a:solidFill>
-                <a:effectLst/>
-                <a:latin typeface="Arial" panose="020B0604020202020204" pitchFamily="34" charset="0"/>
-              </a:rPr>
-              <a:t>.</a:t>
-            </a:r>
-          </a:p>
-          <a:p>
-            <a:pPr marL="342900" marR="0" lvl="0" indent="-342900" algn="l" defTabSz="914400" rtl="0" eaLnBrk="0" fontAlgn="base" latinLnBrk="0" hangingPunct="0">
-              <a:lnSpc>
-                <a:spcPct val="100000"/>
-              </a:lnSpc>
-              <a:spcBef>
-                <a:spcPct val="0"/>
-              </a:spcBef>
-              <a:spcAft>
-                <a:spcPct val="0"/>
-              </a:spcAft>
-              <a:buClrTx/>
-              <a:buSzTx/>
-              <a:buFont typeface="Arial" panose="020B0604020202020204" pitchFamily="34" charset="0"/>
-              <a:buChar char="•"/>
-              <a:tabLst/>
-            </a:pPr>
-            <a:r>
-              <a:rPr lang="en-US" sz="2400" dirty="0">
-                <a:solidFill>
-                  <a:schemeClr val="bg1">
-                    <a:lumMod val="95000"/>
-                  </a:schemeClr>
-                </a:solidFill>
-              </a:rPr>
-              <a:t>Finding IP addresses and name servers.</a:t>
-            </a:r>
-            <a:endParaRPr kumimoji="0" lang="en-US" altLang="en-US" sz="2400" i="0" u="none" strike="noStrike" cap="none" normalizeH="0" baseline="0" dirty="0">
-              <a:ln>
-                <a:noFill/>
-              </a:ln>
+            <a:endParaRPr lang="en-US" altLang="en-US" sz="2000" dirty="0">
               <a:solidFill>
-                <a:schemeClr val="bg1">
-                  <a:lumMod val="95000"/>
-                </a:schemeClr>
+                <a:schemeClr val="bg1"/>
               </a:solidFill>
-              <a:effectLst/>
               <a:latin typeface="Arial" panose="020B0604020202020204" pitchFamily="34" charset="0"/>
             </a:endParaRPr>
           </a:p>
           <a:p>
-            <a:pPr marL="342900" marR="0" lvl="0" indent="-342900" algn="l" defTabSz="914400" rtl="0" eaLnBrk="0" fontAlgn="base" latinLnBrk="0" hangingPunct="0">
-              <a:lnSpc>
-                <a:spcPct val="100000"/>
-              </a:lnSpc>
+            <a:pPr marL="0" lvl="0" indent="0" algn="l" eaLnBrk="0" fontAlgn="base" hangingPunct="0">
               <a:spcBef>
                 <a:spcPct val="0"/>
               </a:spcBef>
@@ -12150,31 +9034,171 @@
               </a:spcAft>
               <a:buClrTx/>
               <a:buSzTx/>
-              <a:buFont typeface="Arial" panose="020B0604020202020204" pitchFamily="34" charset="0"/>
+              <a:buFontTx/>
               <a:buChar char="•"/>
-              <a:tabLst/>
             </a:pPr>
             <a:r>
-              <a:rPr lang="en-US" sz="2400" dirty="0">
-                <a:solidFill>
-                  <a:schemeClr val="bg1">
-                    <a:lumMod val="95000"/>
-                  </a:schemeClr>
-                </a:solidFill>
+              <a:rPr lang="en-US" altLang="en-US" sz="2000" dirty="0">
+                <a:solidFill>
+                  <a:schemeClr val="bg1"/>
+                </a:solidFill>
+                <a:latin typeface="Arial" panose="020B0604020202020204" pitchFamily="34" charset="0"/>
               </a:rPr>
-              <a:t>Brute-force attacks to find hidden subdomains.</a:t>
+              <a:t>Responsive with mobile and desktop</a:t>
             </a:r>
-            <a:endParaRPr kumimoji="0" lang="en-US" altLang="en-US" sz="2400" i="0" u="none" strike="noStrike" cap="none" normalizeH="0" baseline="0" dirty="0">
-              <a:ln>
-                <a:noFill/>
-              </a:ln>
+          </a:p>
+          <a:p>
+            <a:pPr marL="0" lvl="0" indent="0" algn="l" eaLnBrk="0" fontAlgn="base" hangingPunct="0">
+              <a:spcBef>
+                <a:spcPct val="0"/>
+              </a:spcBef>
+              <a:spcAft>
+                <a:spcPct val="0"/>
+              </a:spcAft>
+              <a:buClrTx/>
+              <a:buSzTx/>
+              <a:buFontTx/>
+              <a:buChar char="•"/>
+            </a:pPr>
+            <a:endParaRPr lang="en-US" altLang="en-US" sz="2000" dirty="0">
               <a:solidFill>
-                <a:schemeClr val="bg1">
-                  <a:lumMod val="95000"/>
-                </a:schemeClr>
+                <a:schemeClr val="bg1"/>
               </a:solidFill>
-              <a:effectLst/>
               <a:latin typeface="Arial" panose="020B0604020202020204" pitchFamily="34" charset="0"/>
+            </a:endParaRPr>
+          </a:p>
+          <a:p>
+            <a:pPr marL="0" lvl="0" indent="0" algn="l" eaLnBrk="0" fontAlgn="base" hangingPunct="0">
+              <a:spcBef>
+                <a:spcPct val="0"/>
+              </a:spcBef>
+              <a:spcAft>
+                <a:spcPct val="0"/>
+              </a:spcAft>
+              <a:buClrTx/>
+              <a:buSzTx/>
+              <a:buFontTx/>
+              <a:buChar char="•"/>
+            </a:pPr>
+            <a:r>
+              <a:rPr lang="en-US" altLang="en-US" sz="2000" dirty="0">
+                <a:solidFill>
+                  <a:schemeClr val="bg1"/>
+                </a:solidFill>
+                <a:latin typeface="Arial" panose="020B0604020202020204" pitchFamily="34" charset="0"/>
+              </a:rPr>
+              <a:t>Developed with MERN Stack</a:t>
+            </a:r>
+          </a:p>
+          <a:p>
+            <a:pPr marL="0" lvl="0" indent="0" algn="l" eaLnBrk="0" fontAlgn="base" hangingPunct="0">
+              <a:spcBef>
+                <a:spcPct val="0"/>
+              </a:spcBef>
+              <a:spcAft>
+                <a:spcPct val="0"/>
+              </a:spcAft>
+              <a:buClrTx/>
+              <a:buSzTx/>
+              <a:buFontTx/>
+              <a:buChar char="•"/>
+            </a:pPr>
+            <a:endParaRPr lang="en-US" altLang="en-US" sz="2000" dirty="0">
+              <a:solidFill>
+                <a:schemeClr val="bg1"/>
+              </a:solidFill>
+              <a:latin typeface="Arial" panose="020B0604020202020204" pitchFamily="34" charset="0"/>
+            </a:endParaRPr>
+          </a:p>
+          <a:p>
+            <a:pPr marL="0" lvl="0" indent="0" algn="l" eaLnBrk="0" fontAlgn="base" hangingPunct="0">
+              <a:spcBef>
+                <a:spcPct val="0"/>
+              </a:spcBef>
+              <a:spcAft>
+                <a:spcPct val="0"/>
+              </a:spcAft>
+              <a:buClrTx/>
+              <a:buSzTx/>
+              <a:buFontTx/>
+              <a:buChar char="•"/>
+            </a:pPr>
+            <a:r>
+              <a:rPr lang="en-US" altLang="en-US" sz="2000" dirty="0">
+                <a:solidFill>
+                  <a:schemeClr val="bg1"/>
+                </a:solidFill>
+                <a:latin typeface="Arial" panose="020B0604020202020204" pitchFamily="34" charset="0"/>
+              </a:rPr>
+              <a:t>Future collaboration with campus resources</a:t>
+            </a:r>
+          </a:p>
+          <a:p>
+            <a:pPr marL="0" lvl="0" indent="0" algn="l" eaLnBrk="0" fontAlgn="base" hangingPunct="0">
+              <a:spcBef>
+                <a:spcPct val="0"/>
+              </a:spcBef>
+              <a:spcAft>
+                <a:spcPct val="0"/>
+              </a:spcAft>
+              <a:buClrTx/>
+              <a:buSzTx/>
+              <a:buFontTx/>
+              <a:buChar char="•"/>
+            </a:pPr>
+            <a:endParaRPr lang="en-US" altLang="en-US" sz="2000" dirty="0">
+              <a:solidFill>
+                <a:schemeClr val="bg1"/>
+              </a:solidFill>
+              <a:latin typeface="Arial" panose="020B0604020202020204" pitchFamily="34" charset="0"/>
+            </a:endParaRPr>
+          </a:p>
+          <a:p>
+            <a:pPr marL="0" lvl="0" indent="0" algn="l" eaLnBrk="0" fontAlgn="base" hangingPunct="0">
+              <a:spcBef>
+                <a:spcPct val="0"/>
+              </a:spcBef>
+              <a:spcAft>
+                <a:spcPct val="0"/>
+              </a:spcAft>
+              <a:buClrTx/>
+              <a:buSzTx/>
+              <a:buFontTx/>
+              <a:buChar char="•"/>
+            </a:pPr>
+            <a:endParaRPr lang="en-US" altLang="en-US" sz="2000" dirty="0">
+              <a:solidFill>
+                <a:schemeClr val="bg1"/>
+              </a:solidFill>
+              <a:latin typeface="Arial" panose="020B0604020202020204" pitchFamily="34" charset="0"/>
+            </a:endParaRPr>
+          </a:p>
+          <a:p>
+            <a:pPr marL="0" lvl="0" indent="0" algn="l" eaLnBrk="0" fontAlgn="base" hangingPunct="0">
+              <a:spcBef>
+                <a:spcPct val="0"/>
+              </a:spcBef>
+              <a:spcAft>
+                <a:spcPct val="0"/>
+              </a:spcAft>
+              <a:buClrTx/>
+              <a:buSzTx/>
+              <a:buFontTx/>
+              <a:buChar char="•"/>
+            </a:pPr>
+            <a:endParaRPr lang="en-US" altLang="en-US" sz="2000" dirty="0">
+              <a:solidFill>
+                <a:schemeClr val="bg1"/>
+              </a:solidFill>
+              <a:latin typeface="Arial" panose="020B0604020202020204" pitchFamily="34" charset="0"/>
+            </a:endParaRPr>
+          </a:p>
+          <a:p>
+            <a:pPr marL="0" indent="0"/>
+            <a:endParaRPr lang="en-US" sz="2000" b="1" dirty="0">
+              <a:solidFill>
+                <a:srgbClr val="FFC000"/>
+              </a:solidFill>
             </a:endParaRPr>
           </a:p>
         </p:txBody>
@@ -12182,7 +9206,7 @@
     </p:spTree>
     <p:extLst>
       <p:ext uri="{BB962C8B-B14F-4D97-AF65-F5344CB8AC3E}">
-        <p14:creationId xmlns:p14="http://schemas.microsoft.com/office/powerpoint/2010/main" val="978021576"/>
+        <p14:creationId xmlns:p14="http://schemas.microsoft.com/office/powerpoint/2010/main" val="3537894438"/>
       </p:ext>
     </p:extLst>
   </p:cSld>
